--- a/final_presentation/finalPpt1.3.pptx
+++ b/final_presentation/finalPpt1.3.pptx
@@ -320,7 +320,7 @@
               <a:pPr>
                 <a:defRPr/>
               </a:pPr>
-              <a:t>16/11/2018</a:t>
+              <a:t>19/11/2018</a:t>
             </a:fld>
             <a:endParaRPr lang="en-GB" dirty="0"/>
           </a:p>
@@ -539,7 +539,7 @@
               <a:pPr>
                 <a:defRPr/>
               </a:pPr>
-              <a:t>16/11/2018</a:t>
+              <a:t>19/11/2018</a:t>
             </a:fld>
             <a:endParaRPr lang="en-GB"/>
           </a:p>
@@ -8364,7 +8364,7 @@
       </p:sp>
       <p:sp>
         <p:nvSpPr>
-          <p:cNvPr id="15" name="RS_Classification_Standard"/>
+          <p:cNvPr id="35" name="RS_Classification_Standard"/>
           <p:cNvSpPr txBox="1"/>
           <p:nvPr/>
         </p:nvSpPr>
@@ -8646,7 +8646,7 @@
       </p:pic>
       <p:sp>
         <p:nvSpPr>
-          <p:cNvPr id="13" name="RS_Classification_Standard"/>
+          <p:cNvPr id="388" name="RS_Classification_Standard"/>
           <p:cNvSpPr txBox="1"/>
           <p:nvPr/>
         </p:nvSpPr>
@@ -8898,7 +8898,7 @@
       </p:sp>
       <p:sp>
         <p:nvSpPr>
-          <p:cNvPr id="14" name="RS_Classification_Standard"/>
+          <p:cNvPr id="36" name="RS_Classification_Standard"/>
           <p:cNvSpPr txBox="1"/>
           <p:nvPr/>
         </p:nvSpPr>
@@ -9154,7 +9154,7 @@
       </p:pic>
       <p:sp>
         <p:nvSpPr>
-          <p:cNvPr id="15" name="RS_Classification_Standard"/>
+          <p:cNvPr id="130" name="RS_Classification_Standard"/>
           <p:cNvSpPr txBox="1"/>
           <p:nvPr/>
         </p:nvSpPr>
@@ -9461,7 +9461,7 @@
       </p:pic>
       <p:sp>
         <p:nvSpPr>
-          <p:cNvPr id="15" name="RS_Classification_Standard"/>
+          <p:cNvPr id="35" name="RS_Classification_Standard"/>
           <p:cNvSpPr txBox="1"/>
           <p:nvPr/>
         </p:nvSpPr>
@@ -9507,6 +9507,13 @@
   <p:clrMapOvr>
     <a:masterClrMapping/>
   </p:clrMapOvr>
+  <p:timing>
+    <p:tnLst>
+      <p:par>
+        <p:cTn id="1" dur="indefinite" restart="never" nodeType="tmRoot"/>
+      </p:par>
+    </p:tnLst>
+  </p:timing>
 </p:sld>
 </file>
 
@@ -9527,8 +9534,8 @@
           <a:chExt cx="0" cy="0"/>
         </a:xfrm>
       </p:grpSpPr>
-      <mc:AlternateContent xmlns:mc="http://schemas.openxmlformats.org/markup-compatibility/2006" xmlns:a14="http://schemas.microsoft.com/office/drawing/2010/main">
-        <mc:Choice Requires="a14">
+      <mc:AlternateContent xmlns:mc="http://schemas.openxmlformats.org/markup-compatibility/2006">
+        <mc:Choice xmlns:a14="http://schemas.microsoft.com/office/drawing/2010/main" Requires="a14">
           <p:sp>
             <p:nvSpPr>
               <p:cNvPr id="2" name="Content Placeholder 1"/>
@@ -9541,7 +9548,7 @@
             </p:nvSpPr>
             <p:spPr>
               <a:xfrm>
-                <a:off x="318009" y="1315960"/>
+                <a:off x="318009" y="1104058"/>
                 <a:ext cx="8508999" cy="5209198"/>
               </a:xfrm>
             </p:spPr>
@@ -9554,7 +9561,7 @@
                   <a:buChar char="•"/>
                 </a:pPr>
                 <a:r>
-                  <a:rPr lang="en-US" dirty="0">
+                  <a:rPr lang="en-US" dirty="0" smtClean="0">
                     <a:solidFill>
                       <a:schemeClr val="bg2"/>
                     </a:solidFill>
@@ -9638,12 +9645,6 @@
                     </m:sSub>
                   </m:oMath>
                 </a14:m>
-                <a:endParaRPr lang="en-US" dirty="0"/>
-              </a:p>
-              <a:p>
-                <a:pPr lvl="3" indent="0">
-                  <a:buNone/>
-                </a:pPr>
                 <a:endParaRPr lang="en-US" i="1" dirty="0">
                   <a:solidFill>
                     <a:prstClr val="black"/>
@@ -10471,10 +10472,13 @@
                     </m:r>
                   </m:oMath>
                 </a14:m>
-                <a:endParaRPr lang="en-US" dirty="0"/>
+                <a:endParaRPr lang="en-US" dirty="0" smtClean="0"/>
               </a:p>
               <a:p>
-                <a:endParaRPr lang="en-US" dirty="0"/>
+                <a:pPr lvl="3" indent="0">
+                  <a:buNone/>
+                </a:pPr>
+                <a:endParaRPr lang="en-US" sz="600" dirty="0"/>
               </a:p>
               <a:p>
                 <a:pPr marL="285750" indent="-285750">
@@ -10507,8 +10511,24 @@
                   <a:buChar char="•"/>
                 </a:pPr>
                 <a:r>
+                  <a:rPr lang="en-US" dirty="0" smtClean="0"/>
+                  <a:t>Multiple bits </a:t>
+                </a:r>
+                <a:r>
+                  <a:rPr lang="en-US" dirty="0" smtClean="0"/>
+                  <a:t>processed </a:t>
+                </a:r>
+                <a:r>
                   <a:rPr lang="en-US" dirty="0"/>
-                  <a:t>Information bits can be processed in parallel by packing multiple  bits to single integer.</a:t>
+                  <a:t>in parallel by packing multiple </a:t>
+                </a:r>
+                <a:r>
+                  <a:rPr lang="en-US" dirty="0" smtClean="0"/>
+                  <a:t>bits </a:t>
+                </a:r>
+                <a:r>
+                  <a:rPr lang="en-US" dirty="0"/>
+                  <a:t>to single integer.</a:t>
                 </a:r>
               </a:p>
               <a:p>
@@ -10517,15 +10537,25 @@
                   <a:buChar char="•"/>
                 </a:pPr>
                 <a:r>
+                  <a:rPr lang="en-US" dirty="0" smtClean="0"/>
+                  <a:t>E.g. 8 </a:t>
+                </a:r>
+                <a:r>
                   <a:rPr lang="en-US" dirty="0"/>
-                  <a:t>For example: 8 bit integer = 8 info bits, 32 bit integer = 32 info bits, 64 bits integer = 64 info bits.</a:t>
+                  <a:t>bit integer = 8 info bits, </a:t>
                 </a:r>
-              </a:p>
-              <a:p>
-                <a:pPr marL="461963" lvl="1" indent="-285750">
-                  <a:buFont typeface="Arial" panose="020B0604020202020204" pitchFamily="34" charset="0"/>
-                  <a:buChar char="•"/>
-                </a:pPr>
+                <a:r>
+                  <a:rPr lang="en-US" dirty="0" smtClean="0"/>
+                  <a:t>64 </a:t>
+                </a:r>
+                <a:r>
+                  <a:rPr lang="en-US" dirty="0"/>
+                  <a:t>bits integer = 64 info bits</a:t>
+                </a:r>
+                <a:r>
+                  <a:rPr lang="en-US" dirty="0" smtClean="0"/>
+                  <a:t>.</a:t>
+                </a:r>
                 <a:endParaRPr lang="en-US" dirty="0"/>
               </a:p>
               <a:p>
@@ -10534,8 +10564,20 @@
                   <a:buChar char="•"/>
                 </a:pPr>
                 <a:r>
+                  <a:rPr lang="en-US" dirty="0" smtClean="0"/>
+                  <a:t>SIMD registers are </a:t>
+                </a:r>
+                <a:r>
                   <a:rPr lang="en-US" dirty="0"/>
-                  <a:t>Processors with SIMD have register size of 256 bits therefore 256 bits can be processed in a single instruction. Resulting in a parallelism factor </a:t>
+                  <a:t>256 bits </a:t>
+                </a:r>
+                <a:r>
+                  <a:rPr lang="en-US" dirty="0" smtClean="0"/>
+                  <a:t>wide, Resulting </a:t>
+                </a:r>
+                <a:r>
+                  <a:rPr lang="en-US" dirty="0"/>
+                  <a:t>in a parallelism factor </a:t>
                 </a:r>
                 <a14:m>
                   <m:oMath xmlns:m="http://schemas.openxmlformats.org/officeDocument/2006/math">
@@ -10559,16 +10601,20 @@
                 </a:r>
               </a:p>
               <a:p>
-                <a:pPr marL="285750" indent="-285750">
+                <a:pPr marL="461963" lvl="1" indent="-285750">
                   <a:buFont typeface="Arial" panose="020B0604020202020204" pitchFamily="34" charset="0"/>
                   <a:buChar char="•"/>
                 </a:pPr>
+                <a:r>
+                  <a:rPr lang="en-US" dirty="0" smtClean="0"/>
+                  <a:t>E.g.</a:t>
+                </a:r>
                 <a:endParaRPr lang="en-US" dirty="0"/>
               </a:p>
             </p:txBody>
           </p:sp>
         </mc:Choice>
-        <mc:Fallback xmlns="">
+        <mc:Fallback>
           <p:sp>
             <p:nvSpPr>
               <p:cNvPr id="2" name="Content Placeholder 1"/>
@@ -10581,13 +10627,13 @@
             </p:nvSpPr>
             <p:spPr>
               <a:xfrm>
-                <a:off x="318009" y="1315960"/>
+                <a:off x="318009" y="1104058"/>
                 <a:ext cx="8508999" cy="5209198"/>
               </a:xfrm>
               <a:blipFill>
                 <a:blip r:embed="rId3"/>
                 <a:stretch>
-                  <a:fillRect l="-1361" t="-1054" r="-1003"/>
+                  <a:fillRect l="-1361" t="-936"/>
                 </a:stretch>
               </a:blipFill>
             </p:spPr>
@@ -10642,7 +10688,7 @@
         </p:nvSpPr>
         <p:spPr>
           <a:xfrm>
-            <a:off x="319090" y="750320"/>
+            <a:off x="318009" y="655047"/>
             <a:ext cx="8508999" cy="410369"/>
           </a:xfrm>
         </p:spPr>
@@ -10683,7 +10729,7 @@
         </p:blipFill>
         <p:spPr>
           <a:xfrm>
-            <a:off x="7180574" y="1225241"/>
+            <a:off x="7180574" y="944001"/>
             <a:ext cx="1240794" cy="1472976"/>
           </a:xfrm>
           <a:prstGeom prst="rect">
@@ -10691,9 +10737,4104 @@
           </a:prstGeom>
         </p:spPr>
       </p:pic>
+      <p:graphicFrame>
+        <p:nvGraphicFramePr>
+          <p:cNvPr id="21" name="Content Placeholder 9"/>
+          <p:cNvGraphicFramePr>
+            <a:graphicFrameLocks/>
+          </p:cNvGraphicFramePr>
+          <p:nvPr>
+            <p:extLst>
+              <p:ext uri="{D42A27DB-BD31-4B8C-83A1-F6EECF244321}">
+                <p14:modId xmlns:p14="http://schemas.microsoft.com/office/powerpoint/2010/main" val="3762971185"/>
+              </p:ext>
+            </p:extLst>
+          </p:nvPr>
+        </p:nvGraphicFramePr>
+        <p:xfrm>
+          <a:off x="2719118" y="4627168"/>
+          <a:ext cx="1666240" cy="1950720"/>
+        </p:xfrm>
+        <a:graphic>
+          <a:graphicData uri="http://schemas.openxmlformats.org/drawingml/2006/table">
+            <a:tbl>
+              <a:tblPr firstRow="1" bandRow="1">
+                <a:tableStyleId>{2D5ABB26-0587-4C30-8999-92F81FD0307C}</a:tableStyleId>
+              </a:tblPr>
+              <a:tblGrid>
+                <a:gridCol w="208280">
+                  <a:extLst>
+                    <a:ext uri="{9D8B030D-6E8A-4147-A177-3AD203B41FA5}">
+                      <a16:colId xmlns:a16="http://schemas.microsoft.com/office/drawing/2014/main" val="1141767595"/>
+                    </a:ext>
+                  </a:extLst>
+                </a:gridCol>
+                <a:gridCol w="208280">
+                  <a:extLst>
+                    <a:ext uri="{9D8B030D-6E8A-4147-A177-3AD203B41FA5}">
+                      <a16:colId xmlns:a16="http://schemas.microsoft.com/office/drawing/2014/main" val="1633635590"/>
+                    </a:ext>
+                  </a:extLst>
+                </a:gridCol>
+                <a:gridCol w="208280">
+                  <a:extLst>
+                    <a:ext uri="{9D8B030D-6E8A-4147-A177-3AD203B41FA5}">
+                      <a16:colId xmlns:a16="http://schemas.microsoft.com/office/drawing/2014/main" val="1021072937"/>
+                    </a:ext>
+                  </a:extLst>
+                </a:gridCol>
+                <a:gridCol w="208280">
+                  <a:extLst>
+                    <a:ext uri="{9D8B030D-6E8A-4147-A177-3AD203B41FA5}">
+                      <a16:colId xmlns:a16="http://schemas.microsoft.com/office/drawing/2014/main" val="1209856850"/>
+                    </a:ext>
+                  </a:extLst>
+                </a:gridCol>
+                <a:gridCol w="208280">
+                  <a:extLst>
+                    <a:ext uri="{9D8B030D-6E8A-4147-A177-3AD203B41FA5}">
+                      <a16:colId xmlns:a16="http://schemas.microsoft.com/office/drawing/2014/main" val="4213650456"/>
+                    </a:ext>
+                  </a:extLst>
+                </a:gridCol>
+                <a:gridCol w="208280">
+                  <a:extLst>
+                    <a:ext uri="{9D8B030D-6E8A-4147-A177-3AD203B41FA5}">
+                      <a16:colId xmlns:a16="http://schemas.microsoft.com/office/drawing/2014/main" val="155755104"/>
+                    </a:ext>
+                  </a:extLst>
+                </a:gridCol>
+                <a:gridCol w="208280">
+                  <a:extLst>
+                    <a:ext uri="{9D8B030D-6E8A-4147-A177-3AD203B41FA5}">
+                      <a16:colId xmlns:a16="http://schemas.microsoft.com/office/drawing/2014/main" val="2207118230"/>
+                    </a:ext>
+                  </a:extLst>
+                </a:gridCol>
+                <a:gridCol w="208280">
+                  <a:extLst>
+                    <a:ext uri="{9D8B030D-6E8A-4147-A177-3AD203B41FA5}">
+                      <a16:colId xmlns:a16="http://schemas.microsoft.com/office/drawing/2014/main" val="1827411247"/>
+                    </a:ext>
+                  </a:extLst>
+                </a:gridCol>
+              </a:tblGrid>
+              <a:tr h="211007">
+                <a:tc>
+                  <a:txBody>
+                    <a:bodyPr/>
+                    <a:lstStyle/>
+                    <a:p>
+                      <a:r>
+                        <a:rPr lang="en-US" sz="1000" dirty="0"/>
+                        <a:t>0</a:t>
+                      </a:r>
+                    </a:p>
+                  </a:txBody>
+                  <a:tcPr>
+                    <a:lnL w="12700" cap="flat" cmpd="sng" algn="ctr">
+                      <a:solidFill>
+                        <a:schemeClr val="tx1"/>
+                      </a:solidFill>
+                      <a:prstDash val="solid"/>
+                      <a:round/>
+                      <a:headEnd type="none" w="med" len="med"/>
+                      <a:tailEnd type="none" w="med" len="med"/>
+                    </a:lnL>
+                    <a:lnR w="12700" cap="flat" cmpd="sng" algn="ctr">
+                      <a:solidFill>
+                        <a:schemeClr val="tx1"/>
+                      </a:solidFill>
+                      <a:prstDash val="solid"/>
+                      <a:round/>
+                      <a:headEnd type="none" w="med" len="med"/>
+                      <a:tailEnd type="none" w="med" len="med"/>
+                    </a:lnR>
+                    <a:lnT w="12700" cap="flat" cmpd="sng" algn="ctr">
+                      <a:solidFill>
+                        <a:schemeClr val="tx1"/>
+                      </a:solidFill>
+                      <a:prstDash val="solid"/>
+                      <a:round/>
+                      <a:headEnd type="none" w="med" len="med"/>
+                      <a:tailEnd type="none" w="med" len="med"/>
+                    </a:lnT>
+                    <a:lnB w="12700" cap="flat" cmpd="sng" algn="ctr">
+                      <a:solidFill>
+                        <a:schemeClr val="tx1"/>
+                      </a:solidFill>
+                      <a:prstDash val="solid"/>
+                      <a:round/>
+                      <a:headEnd type="none" w="med" len="med"/>
+                      <a:tailEnd type="none" w="med" len="med"/>
+                    </a:lnB>
+                  </a:tcPr>
+                </a:tc>
+                <a:tc>
+                  <a:txBody>
+                    <a:bodyPr/>
+                    <a:lstStyle/>
+                    <a:p>
+                      <a:r>
+                        <a:rPr lang="en-US" sz="1000" dirty="0"/>
+                        <a:t>0</a:t>
+                      </a:r>
+                    </a:p>
+                  </a:txBody>
+                  <a:tcPr>
+                    <a:lnL w="12700" cap="flat" cmpd="sng" algn="ctr">
+                      <a:solidFill>
+                        <a:schemeClr val="tx1"/>
+                      </a:solidFill>
+                      <a:prstDash val="solid"/>
+                      <a:round/>
+                      <a:headEnd type="none" w="med" len="med"/>
+                      <a:tailEnd type="none" w="med" len="med"/>
+                    </a:lnL>
+                    <a:lnR w="12700" cap="flat" cmpd="sng" algn="ctr">
+                      <a:solidFill>
+                        <a:schemeClr val="tx1"/>
+                      </a:solidFill>
+                      <a:prstDash val="solid"/>
+                      <a:round/>
+                      <a:headEnd type="none" w="med" len="med"/>
+                      <a:tailEnd type="none" w="med" len="med"/>
+                    </a:lnR>
+                    <a:lnT w="12700" cap="flat" cmpd="sng" algn="ctr">
+                      <a:solidFill>
+                        <a:schemeClr val="tx1"/>
+                      </a:solidFill>
+                      <a:prstDash val="solid"/>
+                      <a:round/>
+                      <a:headEnd type="none" w="med" len="med"/>
+                      <a:tailEnd type="none" w="med" len="med"/>
+                    </a:lnT>
+                    <a:lnB w="12700" cap="flat" cmpd="sng" algn="ctr">
+                      <a:solidFill>
+                        <a:schemeClr val="tx1"/>
+                      </a:solidFill>
+                      <a:prstDash val="solid"/>
+                      <a:round/>
+                      <a:headEnd type="none" w="med" len="med"/>
+                      <a:tailEnd type="none" w="med" len="med"/>
+                    </a:lnB>
+                  </a:tcPr>
+                </a:tc>
+                <a:tc>
+                  <a:txBody>
+                    <a:bodyPr/>
+                    <a:lstStyle/>
+                    <a:p>
+                      <a:r>
+                        <a:rPr lang="en-US" sz="1000" dirty="0"/>
+                        <a:t>0</a:t>
+                      </a:r>
+                    </a:p>
+                  </a:txBody>
+                  <a:tcPr>
+                    <a:lnL w="12700" cap="flat" cmpd="sng" algn="ctr">
+                      <a:solidFill>
+                        <a:schemeClr val="tx1"/>
+                      </a:solidFill>
+                      <a:prstDash val="solid"/>
+                      <a:round/>
+                      <a:headEnd type="none" w="med" len="med"/>
+                      <a:tailEnd type="none" w="med" len="med"/>
+                    </a:lnL>
+                    <a:lnR w="12700" cap="flat" cmpd="sng" algn="ctr">
+                      <a:solidFill>
+                        <a:schemeClr val="tx1"/>
+                      </a:solidFill>
+                      <a:prstDash val="solid"/>
+                      <a:round/>
+                      <a:headEnd type="none" w="med" len="med"/>
+                      <a:tailEnd type="none" w="med" len="med"/>
+                    </a:lnR>
+                    <a:lnT w="12700" cap="flat" cmpd="sng" algn="ctr">
+                      <a:solidFill>
+                        <a:schemeClr val="tx1"/>
+                      </a:solidFill>
+                      <a:prstDash val="solid"/>
+                      <a:round/>
+                      <a:headEnd type="none" w="med" len="med"/>
+                      <a:tailEnd type="none" w="med" len="med"/>
+                    </a:lnT>
+                    <a:lnB w="12700" cap="flat" cmpd="sng" algn="ctr">
+                      <a:solidFill>
+                        <a:schemeClr val="tx1"/>
+                      </a:solidFill>
+                      <a:prstDash val="solid"/>
+                      <a:round/>
+                      <a:headEnd type="none" w="med" len="med"/>
+                      <a:tailEnd type="none" w="med" len="med"/>
+                    </a:lnB>
+                  </a:tcPr>
+                </a:tc>
+                <a:tc>
+                  <a:txBody>
+                    <a:bodyPr/>
+                    <a:lstStyle/>
+                    <a:p>
+                      <a:r>
+                        <a:rPr lang="en-US" sz="1000" dirty="0"/>
+                        <a:t>0</a:t>
+                      </a:r>
+                    </a:p>
+                  </a:txBody>
+                  <a:tcPr>
+                    <a:lnL w="12700" cap="flat" cmpd="sng" algn="ctr">
+                      <a:solidFill>
+                        <a:schemeClr val="tx1"/>
+                      </a:solidFill>
+                      <a:prstDash val="solid"/>
+                      <a:round/>
+                      <a:headEnd type="none" w="med" len="med"/>
+                      <a:tailEnd type="none" w="med" len="med"/>
+                    </a:lnL>
+                    <a:lnR w="12700" cap="flat" cmpd="sng" algn="ctr">
+                      <a:solidFill>
+                        <a:schemeClr val="tx1"/>
+                      </a:solidFill>
+                      <a:prstDash val="solid"/>
+                      <a:round/>
+                      <a:headEnd type="none" w="med" len="med"/>
+                      <a:tailEnd type="none" w="med" len="med"/>
+                    </a:lnR>
+                    <a:lnT w="12700" cap="flat" cmpd="sng" algn="ctr">
+                      <a:solidFill>
+                        <a:schemeClr val="tx1"/>
+                      </a:solidFill>
+                      <a:prstDash val="solid"/>
+                      <a:round/>
+                      <a:headEnd type="none" w="med" len="med"/>
+                      <a:tailEnd type="none" w="med" len="med"/>
+                    </a:lnT>
+                    <a:lnB w="12700" cap="flat" cmpd="sng" algn="ctr">
+                      <a:solidFill>
+                        <a:schemeClr val="tx1"/>
+                      </a:solidFill>
+                      <a:prstDash val="solid"/>
+                      <a:round/>
+                      <a:headEnd type="none" w="med" len="med"/>
+                      <a:tailEnd type="none" w="med" len="med"/>
+                    </a:lnB>
+                  </a:tcPr>
+                </a:tc>
+                <a:tc>
+                  <a:txBody>
+                    <a:bodyPr/>
+                    <a:lstStyle/>
+                    <a:p>
+                      <a:r>
+                        <a:rPr lang="en-US" sz="1000" dirty="0"/>
+                        <a:t>0</a:t>
+                      </a:r>
+                    </a:p>
+                  </a:txBody>
+                  <a:tcPr>
+                    <a:lnL w="12700" cap="flat" cmpd="sng" algn="ctr">
+                      <a:solidFill>
+                        <a:schemeClr val="tx1"/>
+                      </a:solidFill>
+                      <a:prstDash val="solid"/>
+                      <a:round/>
+                      <a:headEnd type="none" w="med" len="med"/>
+                      <a:tailEnd type="none" w="med" len="med"/>
+                    </a:lnL>
+                    <a:lnR w="12700" cap="flat" cmpd="sng" algn="ctr">
+                      <a:solidFill>
+                        <a:schemeClr val="tx1"/>
+                      </a:solidFill>
+                      <a:prstDash val="solid"/>
+                      <a:round/>
+                      <a:headEnd type="none" w="med" len="med"/>
+                      <a:tailEnd type="none" w="med" len="med"/>
+                    </a:lnR>
+                    <a:lnT w="12700" cap="flat" cmpd="sng" algn="ctr">
+                      <a:solidFill>
+                        <a:schemeClr val="tx1"/>
+                      </a:solidFill>
+                      <a:prstDash val="solid"/>
+                      <a:round/>
+                      <a:headEnd type="none" w="med" len="med"/>
+                      <a:tailEnd type="none" w="med" len="med"/>
+                    </a:lnT>
+                    <a:lnB w="12700" cap="flat" cmpd="sng" algn="ctr">
+                      <a:solidFill>
+                        <a:schemeClr val="tx1"/>
+                      </a:solidFill>
+                      <a:prstDash val="solid"/>
+                      <a:round/>
+                      <a:headEnd type="none" w="med" len="med"/>
+                      <a:tailEnd type="none" w="med" len="med"/>
+                    </a:lnB>
+                  </a:tcPr>
+                </a:tc>
+                <a:tc>
+                  <a:txBody>
+                    <a:bodyPr/>
+                    <a:lstStyle/>
+                    <a:p>
+                      <a:r>
+                        <a:rPr lang="en-US" sz="1000" dirty="0"/>
+                        <a:t>0</a:t>
+                      </a:r>
+                    </a:p>
+                  </a:txBody>
+                  <a:tcPr>
+                    <a:lnL w="12700" cap="flat" cmpd="sng" algn="ctr">
+                      <a:solidFill>
+                        <a:schemeClr val="tx1"/>
+                      </a:solidFill>
+                      <a:prstDash val="solid"/>
+                      <a:round/>
+                      <a:headEnd type="none" w="med" len="med"/>
+                      <a:tailEnd type="none" w="med" len="med"/>
+                    </a:lnL>
+                    <a:lnR w="12700" cap="flat" cmpd="sng" algn="ctr">
+                      <a:solidFill>
+                        <a:schemeClr val="tx1"/>
+                      </a:solidFill>
+                      <a:prstDash val="solid"/>
+                      <a:round/>
+                      <a:headEnd type="none" w="med" len="med"/>
+                      <a:tailEnd type="none" w="med" len="med"/>
+                    </a:lnR>
+                    <a:lnT w="12700" cap="flat" cmpd="sng" algn="ctr">
+                      <a:solidFill>
+                        <a:schemeClr val="tx1"/>
+                      </a:solidFill>
+                      <a:prstDash val="solid"/>
+                      <a:round/>
+                      <a:headEnd type="none" w="med" len="med"/>
+                      <a:tailEnd type="none" w="med" len="med"/>
+                    </a:lnT>
+                    <a:lnB w="12700" cap="flat" cmpd="sng" algn="ctr">
+                      <a:solidFill>
+                        <a:schemeClr val="tx1"/>
+                      </a:solidFill>
+                      <a:prstDash val="solid"/>
+                      <a:round/>
+                      <a:headEnd type="none" w="med" len="med"/>
+                      <a:tailEnd type="none" w="med" len="med"/>
+                    </a:lnB>
+                  </a:tcPr>
+                </a:tc>
+                <a:tc>
+                  <a:txBody>
+                    <a:bodyPr/>
+                    <a:lstStyle/>
+                    <a:p>
+                      <a:r>
+                        <a:rPr lang="en-US" sz="1000" dirty="0"/>
+                        <a:t>0</a:t>
+                      </a:r>
+                    </a:p>
+                  </a:txBody>
+                  <a:tcPr>
+                    <a:lnL w="12700" cap="flat" cmpd="sng" algn="ctr">
+                      <a:solidFill>
+                        <a:schemeClr val="tx1"/>
+                      </a:solidFill>
+                      <a:prstDash val="solid"/>
+                      <a:round/>
+                      <a:headEnd type="none" w="med" len="med"/>
+                      <a:tailEnd type="none" w="med" len="med"/>
+                    </a:lnL>
+                    <a:lnR w="12700" cap="flat" cmpd="sng" algn="ctr">
+                      <a:solidFill>
+                        <a:schemeClr val="tx1"/>
+                      </a:solidFill>
+                      <a:prstDash val="solid"/>
+                      <a:round/>
+                      <a:headEnd type="none" w="med" len="med"/>
+                      <a:tailEnd type="none" w="med" len="med"/>
+                    </a:lnR>
+                    <a:lnT w="12700" cap="flat" cmpd="sng" algn="ctr">
+                      <a:solidFill>
+                        <a:schemeClr val="tx1"/>
+                      </a:solidFill>
+                      <a:prstDash val="solid"/>
+                      <a:round/>
+                      <a:headEnd type="none" w="med" len="med"/>
+                      <a:tailEnd type="none" w="med" len="med"/>
+                    </a:lnT>
+                    <a:lnB w="12700" cap="flat" cmpd="sng" algn="ctr">
+                      <a:solidFill>
+                        <a:schemeClr val="tx1"/>
+                      </a:solidFill>
+                      <a:prstDash val="solid"/>
+                      <a:round/>
+                      <a:headEnd type="none" w="med" len="med"/>
+                      <a:tailEnd type="none" w="med" len="med"/>
+                    </a:lnB>
+                  </a:tcPr>
+                </a:tc>
+                <a:tc>
+                  <a:txBody>
+                    <a:bodyPr/>
+                    <a:lstStyle/>
+                    <a:p>
+                      <a:r>
+                        <a:rPr lang="en-US" sz="1000" dirty="0">
+                          <a:solidFill>
+                            <a:schemeClr val="bg2"/>
+                          </a:solidFill>
+                        </a:rPr>
+                        <a:t>1</a:t>
+                      </a:r>
+                    </a:p>
+                  </a:txBody>
+                  <a:tcPr>
+                    <a:lnL w="12700" cap="flat" cmpd="sng" algn="ctr">
+                      <a:solidFill>
+                        <a:schemeClr val="tx1"/>
+                      </a:solidFill>
+                      <a:prstDash val="solid"/>
+                      <a:round/>
+                      <a:headEnd type="none" w="med" len="med"/>
+                      <a:tailEnd type="none" w="med" len="med"/>
+                    </a:lnL>
+                    <a:lnR w="12700" cap="flat" cmpd="sng" algn="ctr">
+                      <a:solidFill>
+                        <a:schemeClr val="tx1"/>
+                      </a:solidFill>
+                      <a:prstDash val="solid"/>
+                      <a:round/>
+                      <a:headEnd type="none" w="med" len="med"/>
+                      <a:tailEnd type="none" w="med" len="med"/>
+                    </a:lnR>
+                    <a:lnT w="12700" cap="flat" cmpd="sng" algn="ctr">
+                      <a:solidFill>
+                        <a:schemeClr val="tx1"/>
+                      </a:solidFill>
+                      <a:prstDash val="solid"/>
+                      <a:round/>
+                      <a:headEnd type="none" w="med" len="med"/>
+                      <a:tailEnd type="none" w="med" len="med"/>
+                    </a:lnT>
+                    <a:lnB w="12700" cap="flat" cmpd="sng" algn="ctr">
+                      <a:solidFill>
+                        <a:schemeClr val="tx1"/>
+                      </a:solidFill>
+                      <a:prstDash val="solid"/>
+                      <a:round/>
+                      <a:headEnd type="none" w="med" len="med"/>
+                      <a:tailEnd type="none" w="med" len="med"/>
+                    </a:lnB>
+                  </a:tcPr>
+                </a:tc>
+                <a:extLst>
+                  <a:ext uri="{0D108BD9-81ED-4DB2-BD59-A6C34878D82A}">
+                    <a16:rowId xmlns:a16="http://schemas.microsoft.com/office/drawing/2014/main" val="4170227996"/>
+                  </a:ext>
+                </a:extLst>
+              </a:tr>
+              <a:tr h="211007">
+                <a:tc>
+                  <a:txBody>
+                    <a:bodyPr/>
+                    <a:lstStyle/>
+                    <a:p>
+                      <a:r>
+                        <a:rPr lang="en-US" sz="1000" dirty="0"/>
+                        <a:t>0</a:t>
+                      </a:r>
+                    </a:p>
+                  </a:txBody>
+                  <a:tcPr>
+                    <a:lnL w="12700" cap="flat" cmpd="sng" algn="ctr">
+                      <a:solidFill>
+                        <a:schemeClr val="tx1"/>
+                      </a:solidFill>
+                      <a:prstDash val="solid"/>
+                      <a:round/>
+                      <a:headEnd type="none" w="med" len="med"/>
+                      <a:tailEnd type="none" w="med" len="med"/>
+                    </a:lnL>
+                    <a:lnR w="12700" cap="flat" cmpd="sng" algn="ctr">
+                      <a:solidFill>
+                        <a:schemeClr val="tx1"/>
+                      </a:solidFill>
+                      <a:prstDash val="solid"/>
+                      <a:round/>
+                      <a:headEnd type="none" w="med" len="med"/>
+                      <a:tailEnd type="none" w="med" len="med"/>
+                    </a:lnR>
+                    <a:lnT w="12700" cap="flat" cmpd="sng" algn="ctr">
+                      <a:solidFill>
+                        <a:schemeClr val="tx1"/>
+                      </a:solidFill>
+                      <a:prstDash val="solid"/>
+                      <a:round/>
+                      <a:headEnd type="none" w="med" len="med"/>
+                      <a:tailEnd type="none" w="med" len="med"/>
+                    </a:lnT>
+                    <a:lnB w="12700" cap="flat" cmpd="sng" algn="ctr">
+                      <a:solidFill>
+                        <a:schemeClr val="tx1"/>
+                      </a:solidFill>
+                      <a:prstDash val="solid"/>
+                      <a:round/>
+                      <a:headEnd type="none" w="med" len="med"/>
+                      <a:tailEnd type="none" w="med" len="med"/>
+                    </a:lnB>
+                  </a:tcPr>
+                </a:tc>
+                <a:tc>
+                  <a:txBody>
+                    <a:bodyPr/>
+                    <a:lstStyle/>
+                    <a:p>
+                      <a:r>
+                        <a:rPr lang="en-US" sz="1000" dirty="0"/>
+                        <a:t>0</a:t>
+                      </a:r>
+                    </a:p>
+                  </a:txBody>
+                  <a:tcPr>
+                    <a:lnL w="12700" cap="flat" cmpd="sng" algn="ctr">
+                      <a:solidFill>
+                        <a:schemeClr val="tx1"/>
+                      </a:solidFill>
+                      <a:prstDash val="solid"/>
+                      <a:round/>
+                      <a:headEnd type="none" w="med" len="med"/>
+                      <a:tailEnd type="none" w="med" len="med"/>
+                    </a:lnL>
+                    <a:lnR w="12700" cap="flat" cmpd="sng" algn="ctr">
+                      <a:solidFill>
+                        <a:schemeClr val="tx1"/>
+                      </a:solidFill>
+                      <a:prstDash val="solid"/>
+                      <a:round/>
+                      <a:headEnd type="none" w="med" len="med"/>
+                      <a:tailEnd type="none" w="med" len="med"/>
+                    </a:lnR>
+                    <a:lnT w="12700" cap="flat" cmpd="sng" algn="ctr">
+                      <a:solidFill>
+                        <a:schemeClr val="tx1"/>
+                      </a:solidFill>
+                      <a:prstDash val="solid"/>
+                      <a:round/>
+                      <a:headEnd type="none" w="med" len="med"/>
+                      <a:tailEnd type="none" w="med" len="med"/>
+                    </a:lnT>
+                    <a:lnB w="12700" cap="flat" cmpd="sng" algn="ctr">
+                      <a:solidFill>
+                        <a:schemeClr val="tx1"/>
+                      </a:solidFill>
+                      <a:prstDash val="solid"/>
+                      <a:round/>
+                      <a:headEnd type="none" w="med" len="med"/>
+                      <a:tailEnd type="none" w="med" len="med"/>
+                    </a:lnB>
+                  </a:tcPr>
+                </a:tc>
+                <a:tc>
+                  <a:txBody>
+                    <a:bodyPr/>
+                    <a:lstStyle/>
+                    <a:p>
+                      <a:r>
+                        <a:rPr lang="en-US" sz="1000" dirty="0"/>
+                        <a:t>0</a:t>
+                      </a:r>
+                    </a:p>
+                  </a:txBody>
+                  <a:tcPr>
+                    <a:lnL w="12700" cap="flat" cmpd="sng" algn="ctr">
+                      <a:solidFill>
+                        <a:schemeClr val="tx1"/>
+                      </a:solidFill>
+                      <a:prstDash val="solid"/>
+                      <a:round/>
+                      <a:headEnd type="none" w="med" len="med"/>
+                      <a:tailEnd type="none" w="med" len="med"/>
+                    </a:lnL>
+                    <a:lnR w="12700" cap="flat" cmpd="sng" algn="ctr">
+                      <a:solidFill>
+                        <a:schemeClr val="tx1"/>
+                      </a:solidFill>
+                      <a:prstDash val="solid"/>
+                      <a:round/>
+                      <a:headEnd type="none" w="med" len="med"/>
+                      <a:tailEnd type="none" w="med" len="med"/>
+                    </a:lnR>
+                    <a:lnT w="12700" cap="flat" cmpd="sng" algn="ctr">
+                      <a:solidFill>
+                        <a:schemeClr val="tx1"/>
+                      </a:solidFill>
+                      <a:prstDash val="solid"/>
+                      <a:round/>
+                      <a:headEnd type="none" w="med" len="med"/>
+                      <a:tailEnd type="none" w="med" len="med"/>
+                    </a:lnT>
+                    <a:lnB w="12700" cap="flat" cmpd="sng" algn="ctr">
+                      <a:solidFill>
+                        <a:schemeClr val="tx1"/>
+                      </a:solidFill>
+                      <a:prstDash val="solid"/>
+                      <a:round/>
+                      <a:headEnd type="none" w="med" len="med"/>
+                      <a:tailEnd type="none" w="med" len="med"/>
+                    </a:lnB>
+                  </a:tcPr>
+                </a:tc>
+                <a:tc>
+                  <a:txBody>
+                    <a:bodyPr/>
+                    <a:lstStyle/>
+                    <a:p>
+                      <a:r>
+                        <a:rPr lang="en-US" sz="1000" dirty="0"/>
+                        <a:t>0</a:t>
+                      </a:r>
+                    </a:p>
+                  </a:txBody>
+                  <a:tcPr>
+                    <a:lnL w="12700" cap="flat" cmpd="sng" algn="ctr">
+                      <a:solidFill>
+                        <a:schemeClr val="tx1"/>
+                      </a:solidFill>
+                      <a:prstDash val="solid"/>
+                      <a:round/>
+                      <a:headEnd type="none" w="med" len="med"/>
+                      <a:tailEnd type="none" w="med" len="med"/>
+                    </a:lnL>
+                    <a:lnR w="12700" cap="flat" cmpd="sng" algn="ctr">
+                      <a:solidFill>
+                        <a:schemeClr val="tx1"/>
+                      </a:solidFill>
+                      <a:prstDash val="solid"/>
+                      <a:round/>
+                      <a:headEnd type="none" w="med" len="med"/>
+                      <a:tailEnd type="none" w="med" len="med"/>
+                    </a:lnR>
+                    <a:lnT w="12700" cap="flat" cmpd="sng" algn="ctr">
+                      <a:solidFill>
+                        <a:schemeClr val="tx1"/>
+                      </a:solidFill>
+                      <a:prstDash val="solid"/>
+                      <a:round/>
+                      <a:headEnd type="none" w="med" len="med"/>
+                      <a:tailEnd type="none" w="med" len="med"/>
+                    </a:lnT>
+                    <a:lnB w="12700" cap="flat" cmpd="sng" algn="ctr">
+                      <a:solidFill>
+                        <a:schemeClr val="tx1"/>
+                      </a:solidFill>
+                      <a:prstDash val="solid"/>
+                      <a:round/>
+                      <a:headEnd type="none" w="med" len="med"/>
+                      <a:tailEnd type="none" w="med" len="med"/>
+                    </a:lnB>
+                  </a:tcPr>
+                </a:tc>
+                <a:tc>
+                  <a:txBody>
+                    <a:bodyPr/>
+                    <a:lstStyle/>
+                    <a:p>
+                      <a:r>
+                        <a:rPr lang="en-US" sz="1000" dirty="0"/>
+                        <a:t>0</a:t>
+                      </a:r>
+                    </a:p>
+                  </a:txBody>
+                  <a:tcPr>
+                    <a:lnL w="12700" cap="flat" cmpd="sng" algn="ctr">
+                      <a:solidFill>
+                        <a:schemeClr val="tx1"/>
+                      </a:solidFill>
+                      <a:prstDash val="solid"/>
+                      <a:round/>
+                      <a:headEnd type="none" w="med" len="med"/>
+                      <a:tailEnd type="none" w="med" len="med"/>
+                    </a:lnL>
+                    <a:lnR w="12700" cap="flat" cmpd="sng" algn="ctr">
+                      <a:solidFill>
+                        <a:schemeClr val="tx1"/>
+                      </a:solidFill>
+                      <a:prstDash val="solid"/>
+                      <a:round/>
+                      <a:headEnd type="none" w="med" len="med"/>
+                      <a:tailEnd type="none" w="med" len="med"/>
+                    </a:lnR>
+                    <a:lnT w="12700" cap="flat" cmpd="sng" algn="ctr">
+                      <a:solidFill>
+                        <a:schemeClr val="tx1"/>
+                      </a:solidFill>
+                      <a:prstDash val="solid"/>
+                      <a:round/>
+                      <a:headEnd type="none" w="med" len="med"/>
+                      <a:tailEnd type="none" w="med" len="med"/>
+                    </a:lnT>
+                    <a:lnB w="12700" cap="flat" cmpd="sng" algn="ctr">
+                      <a:solidFill>
+                        <a:schemeClr val="tx1"/>
+                      </a:solidFill>
+                      <a:prstDash val="solid"/>
+                      <a:round/>
+                      <a:headEnd type="none" w="med" len="med"/>
+                      <a:tailEnd type="none" w="med" len="med"/>
+                    </a:lnB>
+                  </a:tcPr>
+                </a:tc>
+                <a:tc>
+                  <a:txBody>
+                    <a:bodyPr/>
+                    <a:lstStyle/>
+                    <a:p>
+                      <a:r>
+                        <a:rPr lang="en-US" sz="1000" dirty="0"/>
+                        <a:t>0</a:t>
+                      </a:r>
+                    </a:p>
+                  </a:txBody>
+                  <a:tcPr>
+                    <a:lnL w="12700" cap="flat" cmpd="sng" algn="ctr">
+                      <a:solidFill>
+                        <a:schemeClr val="tx1"/>
+                      </a:solidFill>
+                      <a:prstDash val="solid"/>
+                      <a:round/>
+                      <a:headEnd type="none" w="med" len="med"/>
+                      <a:tailEnd type="none" w="med" len="med"/>
+                    </a:lnL>
+                    <a:lnR w="12700" cap="flat" cmpd="sng" algn="ctr">
+                      <a:solidFill>
+                        <a:schemeClr val="tx1"/>
+                      </a:solidFill>
+                      <a:prstDash val="solid"/>
+                      <a:round/>
+                      <a:headEnd type="none" w="med" len="med"/>
+                      <a:tailEnd type="none" w="med" len="med"/>
+                    </a:lnR>
+                    <a:lnT w="12700" cap="flat" cmpd="sng" algn="ctr">
+                      <a:solidFill>
+                        <a:schemeClr val="tx1"/>
+                      </a:solidFill>
+                      <a:prstDash val="solid"/>
+                      <a:round/>
+                      <a:headEnd type="none" w="med" len="med"/>
+                      <a:tailEnd type="none" w="med" len="med"/>
+                    </a:lnT>
+                    <a:lnB w="12700" cap="flat" cmpd="sng" algn="ctr">
+                      <a:solidFill>
+                        <a:schemeClr val="tx1"/>
+                      </a:solidFill>
+                      <a:prstDash val="solid"/>
+                      <a:round/>
+                      <a:headEnd type="none" w="med" len="med"/>
+                      <a:tailEnd type="none" w="med" len="med"/>
+                    </a:lnB>
+                  </a:tcPr>
+                </a:tc>
+                <a:tc>
+                  <a:txBody>
+                    <a:bodyPr/>
+                    <a:lstStyle/>
+                    <a:p>
+                      <a:r>
+                        <a:rPr lang="en-US" sz="1000" dirty="0"/>
+                        <a:t>0</a:t>
+                      </a:r>
+                    </a:p>
+                  </a:txBody>
+                  <a:tcPr>
+                    <a:lnL w="12700" cap="flat" cmpd="sng" algn="ctr">
+                      <a:solidFill>
+                        <a:schemeClr val="tx1"/>
+                      </a:solidFill>
+                      <a:prstDash val="solid"/>
+                      <a:round/>
+                      <a:headEnd type="none" w="med" len="med"/>
+                      <a:tailEnd type="none" w="med" len="med"/>
+                    </a:lnL>
+                    <a:lnR w="12700" cap="flat" cmpd="sng" algn="ctr">
+                      <a:solidFill>
+                        <a:schemeClr val="tx1"/>
+                      </a:solidFill>
+                      <a:prstDash val="solid"/>
+                      <a:round/>
+                      <a:headEnd type="none" w="med" len="med"/>
+                      <a:tailEnd type="none" w="med" len="med"/>
+                    </a:lnR>
+                    <a:lnT w="12700" cap="flat" cmpd="sng" algn="ctr">
+                      <a:solidFill>
+                        <a:schemeClr val="tx1"/>
+                      </a:solidFill>
+                      <a:prstDash val="solid"/>
+                      <a:round/>
+                      <a:headEnd type="none" w="med" len="med"/>
+                      <a:tailEnd type="none" w="med" len="med"/>
+                    </a:lnT>
+                    <a:lnB w="12700" cap="flat" cmpd="sng" algn="ctr">
+                      <a:solidFill>
+                        <a:schemeClr val="tx1"/>
+                      </a:solidFill>
+                      <a:prstDash val="solid"/>
+                      <a:round/>
+                      <a:headEnd type="none" w="med" len="med"/>
+                      <a:tailEnd type="none" w="med" len="med"/>
+                    </a:lnB>
+                  </a:tcPr>
+                </a:tc>
+                <a:tc>
+                  <a:txBody>
+                    <a:bodyPr/>
+                    <a:lstStyle/>
+                    <a:p>
+                      <a:r>
+                        <a:rPr lang="en-US" sz="1000" dirty="0">
+                          <a:solidFill>
+                            <a:schemeClr val="bg2"/>
+                          </a:solidFill>
+                        </a:rPr>
+                        <a:t>0</a:t>
+                      </a:r>
+                    </a:p>
+                  </a:txBody>
+                  <a:tcPr>
+                    <a:lnL w="12700" cap="flat" cmpd="sng" algn="ctr">
+                      <a:solidFill>
+                        <a:schemeClr val="tx1"/>
+                      </a:solidFill>
+                      <a:prstDash val="solid"/>
+                      <a:round/>
+                      <a:headEnd type="none" w="med" len="med"/>
+                      <a:tailEnd type="none" w="med" len="med"/>
+                    </a:lnL>
+                    <a:lnR w="12700" cap="flat" cmpd="sng" algn="ctr">
+                      <a:solidFill>
+                        <a:schemeClr val="tx1"/>
+                      </a:solidFill>
+                      <a:prstDash val="solid"/>
+                      <a:round/>
+                      <a:headEnd type="none" w="med" len="med"/>
+                      <a:tailEnd type="none" w="med" len="med"/>
+                    </a:lnR>
+                    <a:lnT w="12700" cap="flat" cmpd="sng" algn="ctr">
+                      <a:solidFill>
+                        <a:schemeClr val="tx1"/>
+                      </a:solidFill>
+                      <a:prstDash val="solid"/>
+                      <a:round/>
+                      <a:headEnd type="none" w="med" len="med"/>
+                      <a:tailEnd type="none" w="med" len="med"/>
+                    </a:lnT>
+                    <a:lnB w="12700" cap="flat" cmpd="sng" algn="ctr">
+                      <a:solidFill>
+                        <a:schemeClr val="tx1"/>
+                      </a:solidFill>
+                      <a:prstDash val="solid"/>
+                      <a:round/>
+                      <a:headEnd type="none" w="med" len="med"/>
+                      <a:tailEnd type="none" w="med" len="med"/>
+                    </a:lnB>
+                  </a:tcPr>
+                </a:tc>
+                <a:extLst>
+                  <a:ext uri="{0D108BD9-81ED-4DB2-BD59-A6C34878D82A}">
+                    <a16:rowId xmlns:a16="http://schemas.microsoft.com/office/drawing/2014/main" val="1263453280"/>
+                  </a:ext>
+                </a:extLst>
+              </a:tr>
+              <a:tr h="211007">
+                <a:tc>
+                  <a:txBody>
+                    <a:bodyPr/>
+                    <a:lstStyle/>
+                    <a:p>
+                      <a:r>
+                        <a:rPr lang="en-US" sz="1000" dirty="0"/>
+                        <a:t>0</a:t>
+                      </a:r>
+                    </a:p>
+                  </a:txBody>
+                  <a:tcPr>
+                    <a:lnL w="12700" cap="flat" cmpd="sng" algn="ctr">
+                      <a:solidFill>
+                        <a:schemeClr val="tx1"/>
+                      </a:solidFill>
+                      <a:prstDash val="solid"/>
+                      <a:round/>
+                      <a:headEnd type="none" w="med" len="med"/>
+                      <a:tailEnd type="none" w="med" len="med"/>
+                    </a:lnL>
+                    <a:lnR w="12700" cap="flat" cmpd="sng" algn="ctr">
+                      <a:solidFill>
+                        <a:schemeClr val="tx1"/>
+                      </a:solidFill>
+                      <a:prstDash val="solid"/>
+                      <a:round/>
+                      <a:headEnd type="none" w="med" len="med"/>
+                      <a:tailEnd type="none" w="med" len="med"/>
+                    </a:lnR>
+                    <a:lnT w="12700" cap="flat" cmpd="sng" algn="ctr">
+                      <a:solidFill>
+                        <a:schemeClr val="tx1"/>
+                      </a:solidFill>
+                      <a:prstDash val="solid"/>
+                      <a:round/>
+                      <a:headEnd type="none" w="med" len="med"/>
+                      <a:tailEnd type="none" w="med" len="med"/>
+                    </a:lnT>
+                    <a:lnB w="12700" cap="flat" cmpd="sng" algn="ctr">
+                      <a:solidFill>
+                        <a:schemeClr val="tx1"/>
+                      </a:solidFill>
+                      <a:prstDash val="solid"/>
+                      <a:round/>
+                      <a:headEnd type="none" w="med" len="med"/>
+                      <a:tailEnd type="none" w="med" len="med"/>
+                    </a:lnB>
+                  </a:tcPr>
+                </a:tc>
+                <a:tc>
+                  <a:txBody>
+                    <a:bodyPr/>
+                    <a:lstStyle/>
+                    <a:p>
+                      <a:r>
+                        <a:rPr lang="en-US" sz="1000" dirty="0"/>
+                        <a:t>0</a:t>
+                      </a:r>
+                    </a:p>
+                  </a:txBody>
+                  <a:tcPr>
+                    <a:lnL w="12700" cap="flat" cmpd="sng" algn="ctr">
+                      <a:solidFill>
+                        <a:schemeClr val="tx1"/>
+                      </a:solidFill>
+                      <a:prstDash val="solid"/>
+                      <a:round/>
+                      <a:headEnd type="none" w="med" len="med"/>
+                      <a:tailEnd type="none" w="med" len="med"/>
+                    </a:lnL>
+                    <a:lnR w="12700" cap="flat" cmpd="sng" algn="ctr">
+                      <a:solidFill>
+                        <a:schemeClr val="tx1"/>
+                      </a:solidFill>
+                      <a:prstDash val="solid"/>
+                      <a:round/>
+                      <a:headEnd type="none" w="med" len="med"/>
+                      <a:tailEnd type="none" w="med" len="med"/>
+                    </a:lnR>
+                    <a:lnT w="12700" cap="flat" cmpd="sng" algn="ctr">
+                      <a:solidFill>
+                        <a:schemeClr val="tx1"/>
+                      </a:solidFill>
+                      <a:prstDash val="solid"/>
+                      <a:round/>
+                      <a:headEnd type="none" w="med" len="med"/>
+                      <a:tailEnd type="none" w="med" len="med"/>
+                    </a:lnT>
+                    <a:lnB w="12700" cap="flat" cmpd="sng" algn="ctr">
+                      <a:solidFill>
+                        <a:schemeClr val="tx1"/>
+                      </a:solidFill>
+                      <a:prstDash val="solid"/>
+                      <a:round/>
+                      <a:headEnd type="none" w="med" len="med"/>
+                      <a:tailEnd type="none" w="med" len="med"/>
+                    </a:lnB>
+                  </a:tcPr>
+                </a:tc>
+                <a:tc>
+                  <a:txBody>
+                    <a:bodyPr/>
+                    <a:lstStyle/>
+                    <a:p>
+                      <a:r>
+                        <a:rPr lang="en-US" sz="1000" dirty="0"/>
+                        <a:t>0</a:t>
+                      </a:r>
+                    </a:p>
+                  </a:txBody>
+                  <a:tcPr>
+                    <a:lnL w="12700" cap="flat" cmpd="sng" algn="ctr">
+                      <a:solidFill>
+                        <a:schemeClr val="tx1"/>
+                      </a:solidFill>
+                      <a:prstDash val="solid"/>
+                      <a:round/>
+                      <a:headEnd type="none" w="med" len="med"/>
+                      <a:tailEnd type="none" w="med" len="med"/>
+                    </a:lnL>
+                    <a:lnR w="12700" cap="flat" cmpd="sng" algn="ctr">
+                      <a:solidFill>
+                        <a:schemeClr val="tx1"/>
+                      </a:solidFill>
+                      <a:prstDash val="solid"/>
+                      <a:round/>
+                      <a:headEnd type="none" w="med" len="med"/>
+                      <a:tailEnd type="none" w="med" len="med"/>
+                    </a:lnR>
+                    <a:lnT w="12700" cap="flat" cmpd="sng" algn="ctr">
+                      <a:solidFill>
+                        <a:schemeClr val="tx1"/>
+                      </a:solidFill>
+                      <a:prstDash val="solid"/>
+                      <a:round/>
+                      <a:headEnd type="none" w="med" len="med"/>
+                      <a:tailEnd type="none" w="med" len="med"/>
+                    </a:lnT>
+                    <a:lnB w="12700" cap="flat" cmpd="sng" algn="ctr">
+                      <a:solidFill>
+                        <a:schemeClr val="tx1"/>
+                      </a:solidFill>
+                      <a:prstDash val="solid"/>
+                      <a:round/>
+                      <a:headEnd type="none" w="med" len="med"/>
+                      <a:tailEnd type="none" w="med" len="med"/>
+                    </a:lnB>
+                  </a:tcPr>
+                </a:tc>
+                <a:tc>
+                  <a:txBody>
+                    <a:bodyPr/>
+                    <a:lstStyle/>
+                    <a:p>
+                      <a:r>
+                        <a:rPr lang="en-US" sz="1000" dirty="0"/>
+                        <a:t>0</a:t>
+                      </a:r>
+                    </a:p>
+                  </a:txBody>
+                  <a:tcPr>
+                    <a:lnL w="12700" cap="flat" cmpd="sng" algn="ctr">
+                      <a:solidFill>
+                        <a:schemeClr val="tx1"/>
+                      </a:solidFill>
+                      <a:prstDash val="solid"/>
+                      <a:round/>
+                      <a:headEnd type="none" w="med" len="med"/>
+                      <a:tailEnd type="none" w="med" len="med"/>
+                    </a:lnL>
+                    <a:lnR w="12700" cap="flat" cmpd="sng" algn="ctr">
+                      <a:solidFill>
+                        <a:schemeClr val="tx1"/>
+                      </a:solidFill>
+                      <a:prstDash val="solid"/>
+                      <a:round/>
+                      <a:headEnd type="none" w="med" len="med"/>
+                      <a:tailEnd type="none" w="med" len="med"/>
+                    </a:lnR>
+                    <a:lnT w="12700" cap="flat" cmpd="sng" algn="ctr">
+                      <a:solidFill>
+                        <a:schemeClr val="tx1"/>
+                      </a:solidFill>
+                      <a:prstDash val="solid"/>
+                      <a:round/>
+                      <a:headEnd type="none" w="med" len="med"/>
+                      <a:tailEnd type="none" w="med" len="med"/>
+                    </a:lnT>
+                    <a:lnB w="12700" cap="flat" cmpd="sng" algn="ctr">
+                      <a:solidFill>
+                        <a:schemeClr val="tx1"/>
+                      </a:solidFill>
+                      <a:prstDash val="solid"/>
+                      <a:round/>
+                      <a:headEnd type="none" w="med" len="med"/>
+                      <a:tailEnd type="none" w="med" len="med"/>
+                    </a:lnB>
+                  </a:tcPr>
+                </a:tc>
+                <a:tc>
+                  <a:txBody>
+                    <a:bodyPr/>
+                    <a:lstStyle/>
+                    <a:p>
+                      <a:r>
+                        <a:rPr lang="en-US" sz="1000" dirty="0"/>
+                        <a:t>0</a:t>
+                      </a:r>
+                    </a:p>
+                  </a:txBody>
+                  <a:tcPr>
+                    <a:lnL w="12700" cap="flat" cmpd="sng" algn="ctr">
+                      <a:solidFill>
+                        <a:schemeClr val="tx1"/>
+                      </a:solidFill>
+                      <a:prstDash val="solid"/>
+                      <a:round/>
+                      <a:headEnd type="none" w="med" len="med"/>
+                      <a:tailEnd type="none" w="med" len="med"/>
+                    </a:lnL>
+                    <a:lnR w="12700" cap="flat" cmpd="sng" algn="ctr">
+                      <a:solidFill>
+                        <a:schemeClr val="tx1"/>
+                      </a:solidFill>
+                      <a:prstDash val="solid"/>
+                      <a:round/>
+                      <a:headEnd type="none" w="med" len="med"/>
+                      <a:tailEnd type="none" w="med" len="med"/>
+                    </a:lnR>
+                    <a:lnT w="12700" cap="flat" cmpd="sng" algn="ctr">
+                      <a:solidFill>
+                        <a:schemeClr val="tx1"/>
+                      </a:solidFill>
+                      <a:prstDash val="solid"/>
+                      <a:round/>
+                      <a:headEnd type="none" w="med" len="med"/>
+                      <a:tailEnd type="none" w="med" len="med"/>
+                    </a:lnT>
+                    <a:lnB w="12700" cap="flat" cmpd="sng" algn="ctr">
+                      <a:solidFill>
+                        <a:schemeClr val="tx1"/>
+                      </a:solidFill>
+                      <a:prstDash val="solid"/>
+                      <a:round/>
+                      <a:headEnd type="none" w="med" len="med"/>
+                      <a:tailEnd type="none" w="med" len="med"/>
+                    </a:lnB>
+                  </a:tcPr>
+                </a:tc>
+                <a:tc>
+                  <a:txBody>
+                    <a:bodyPr/>
+                    <a:lstStyle/>
+                    <a:p>
+                      <a:r>
+                        <a:rPr lang="en-US" sz="1000" dirty="0"/>
+                        <a:t>0</a:t>
+                      </a:r>
+                    </a:p>
+                  </a:txBody>
+                  <a:tcPr>
+                    <a:lnL w="12700" cap="flat" cmpd="sng" algn="ctr">
+                      <a:solidFill>
+                        <a:schemeClr val="tx1"/>
+                      </a:solidFill>
+                      <a:prstDash val="solid"/>
+                      <a:round/>
+                      <a:headEnd type="none" w="med" len="med"/>
+                      <a:tailEnd type="none" w="med" len="med"/>
+                    </a:lnL>
+                    <a:lnR w="12700" cap="flat" cmpd="sng" algn="ctr">
+                      <a:solidFill>
+                        <a:schemeClr val="tx1"/>
+                      </a:solidFill>
+                      <a:prstDash val="solid"/>
+                      <a:round/>
+                      <a:headEnd type="none" w="med" len="med"/>
+                      <a:tailEnd type="none" w="med" len="med"/>
+                    </a:lnR>
+                    <a:lnT w="12700" cap="flat" cmpd="sng" algn="ctr">
+                      <a:solidFill>
+                        <a:schemeClr val="tx1"/>
+                      </a:solidFill>
+                      <a:prstDash val="solid"/>
+                      <a:round/>
+                      <a:headEnd type="none" w="med" len="med"/>
+                      <a:tailEnd type="none" w="med" len="med"/>
+                    </a:lnT>
+                    <a:lnB w="12700" cap="flat" cmpd="sng" algn="ctr">
+                      <a:solidFill>
+                        <a:schemeClr val="tx1"/>
+                      </a:solidFill>
+                      <a:prstDash val="solid"/>
+                      <a:round/>
+                      <a:headEnd type="none" w="med" len="med"/>
+                      <a:tailEnd type="none" w="med" len="med"/>
+                    </a:lnB>
+                  </a:tcPr>
+                </a:tc>
+                <a:tc>
+                  <a:txBody>
+                    <a:bodyPr/>
+                    <a:lstStyle/>
+                    <a:p>
+                      <a:r>
+                        <a:rPr lang="en-US" sz="1000" dirty="0"/>
+                        <a:t>0</a:t>
+                      </a:r>
+                    </a:p>
+                  </a:txBody>
+                  <a:tcPr>
+                    <a:lnL w="12700" cap="flat" cmpd="sng" algn="ctr">
+                      <a:solidFill>
+                        <a:schemeClr val="tx1"/>
+                      </a:solidFill>
+                      <a:prstDash val="solid"/>
+                      <a:round/>
+                      <a:headEnd type="none" w="med" len="med"/>
+                      <a:tailEnd type="none" w="med" len="med"/>
+                    </a:lnL>
+                    <a:lnR w="12700" cap="flat" cmpd="sng" algn="ctr">
+                      <a:solidFill>
+                        <a:schemeClr val="tx1"/>
+                      </a:solidFill>
+                      <a:prstDash val="solid"/>
+                      <a:round/>
+                      <a:headEnd type="none" w="med" len="med"/>
+                      <a:tailEnd type="none" w="med" len="med"/>
+                    </a:lnR>
+                    <a:lnT w="12700" cap="flat" cmpd="sng" algn="ctr">
+                      <a:solidFill>
+                        <a:schemeClr val="tx1"/>
+                      </a:solidFill>
+                      <a:prstDash val="solid"/>
+                      <a:round/>
+                      <a:headEnd type="none" w="med" len="med"/>
+                      <a:tailEnd type="none" w="med" len="med"/>
+                    </a:lnT>
+                    <a:lnB w="12700" cap="flat" cmpd="sng" algn="ctr">
+                      <a:solidFill>
+                        <a:schemeClr val="tx1"/>
+                      </a:solidFill>
+                      <a:prstDash val="solid"/>
+                      <a:round/>
+                      <a:headEnd type="none" w="med" len="med"/>
+                      <a:tailEnd type="none" w="med" len="med"/>
+                    </a:lnB>
+                  </a:tcPr>
+                </a:tc>
+                <a:tc>
+                  <a:txBody>
+                    <a:bodyPr/>
+                    <a:lstStyle/>
+                    <a:p>
+                      <a:r>
+                        <a:rPr lang="en-US" sz="1000" dirty="0">
+                          <a:solidFill>
+                            <a:schemeClr val="bg2"/>
+                          </a:solidFill>
+                        </a:rPr>
+                        <a:t>0</a:t>
+                      </a:r>
+                    </a:p>
+                  </a:txBody>
+                  <a:tcPr>
+                    <a:lnL w="12700" cap="flat" cmpd="sng" algn="ctr">
+                      <a:solidFill>
+                        <a:schemeClr val="tx1"/>
+                      </a:solidFill>
+                      <a:prstDash val="solid"/>
+                      <a:round/>
+                      <a:headEnd type="none" w="med" len="med"/>
+                      <a:tailEnd type="none" w="med" len="med"/>
+                    </a:lnL>
+                    <a:lnR w="12700" cap="flat" cmpd="sng" algn="ctr">
+                      <a:solidFill>
+                        <a:schemeClr val="tx1"/>
+                      </a:solidFill>
+                      <a:prstDash val="solid"/>
+                      <a:round/>
+                      <a:headEnd type="none" w="med" len="med"/>
+                      <a:tailEnd type="none" w="med" len="med"/>
+                    </a:lnR>
+                    <a:lnT w="12700" cap="flat" cmpd="sng" algn="ctr">
+                      <a:solidFill>
+                        <a:schemeClr val="tx1"/>
+                      </a:solidFill>
+                      <a:prstDash val="solid"/>
+                      <a:round/>
+                      <a:headEnd type="none" w="med" len="med"/>
+                      <a:tailEnd type="none" w="med" len="med"/>
+                    </a:lnT>
+                    <a:lnB w="12700" cap="flat" cmpd="sng" algn="ctr">
+                      <a:solidFill>
+                        <a:schemeClr val="tx1"/>
+                      </a:solidFill>
+                      <a:prstDash val="solid"/>
+                      <a:round/>
+                      <a:headEnd type="none" w="med" len="med"/>
+                      <a:tailEnd type="none" w="med" len="med"/>
+                    </a:lnB>
+                  </a:tcPr>
+                </a:tc>
+                <a:extLst>
+                  <a:ext uri="{0D108BD9-81ED-4DB2-BD59-A6C34878D82A}">
+                    <a16:rowId xmlns:a16="http://schemas.microsoft.com/office/drawing/2014/main" val="1174403260"/>
+                  </a:ext>
+                </a:extLst>
+              </a:tr>
+              <a:tr h="211007">
+                <a:tc>
+                  <a:txBody>
+                    <a:bodyPr/>
+                    <a:lstStyle/>
+                    <a:p>
+                      <a:r>
+                        <a:rPr lang="en-US" sz="1000" dirty="0"/>
+                        <a:t>0</a:t>
+                      </a:r>
+                    </a:p>
+                  </a:txBody>
+                  <a:tcPr>
+                    <a:lnL w="12700" cap="flat" cmpd="sng" algn="ctr">
+                      <a:solidFill>
+                        <a:schemeClr val="tx1"/>
+                      </a:solidFill>
+                      <a:prstDash val="solid"/>
+                      <a:round/>
+                      <a:headEnd type="none" w="med" len="med"/>
+                      <a:tailEnd type="none" w="med" len="med"/>
+                    </a:lnL>
+                    <a:lnR w="12700" cap="flat" cmpd="sng" algn="ctr">
+                      <a:solidFill>
+                        <a:schemeClr val="tx1"/>
+                      </a:solidFill>
+                      <a:prstDash val="solid"/>
+                      <a:round/>
+                      <a:headEnd type="none" w="med" len="med"/>
+                      <a:tailEnd type="none" w="med" len="med"/>
+                    </a:lnR>
+                    <a:lnT w="12700" cap="flat" cmpd="sng" algn="ctr">
+                      <a:solidFill>
+                        <a:schemeClr val="tx1"/>
+                      </a:solidFill>
+                      <a:prstDash val="solid"/>
+                      <a:round/>
+                      <a:headEnd type="none" w="med" len="med"/>
+                      <a:tailEnd type="none" w="med" len="med"/>
+                    </a:lnT>
+                    <a:lnB w="12700" cap="flat" cmpd="sng" algn="ctr">
+                      <a:solidFill>
+                        <a:schemeClr val="tx1"/>
+                      </a:solidFill>
+                      <a:prstDash val="solid"/>
+                      <a:round/>
+                      <a:headEnd type="none" w="med" len="med"/>
+                      <a:tailEnd type="none" w="med" len="med"/>
+                    </a:lnB>
+                  </a:tcPr>
+                </a:tc>
+                <a:tc>
+                  <a:txBody>
+                    <a:bodyPr/>
+                    <a:lstStyle/>
+                    <a:p>
+                      <a:r>
+                        <a:rPr lang="en-US" sz="1000" dirty="0"/>
+                        <a:t>0</a:t>
+                      </a:r>
+                    </a:p>
+                  </a:txBody>
+                  <a:tcPr>
+                    <a:lnL w="12700" cap="flat" cmpd="sng" algn="ctr">
+                      <a:solidFill>
+                        <a:schemeClr val="tx1"/>
+                      </a:solidFill>
+                      <a:prstDash val="solid"/>
+                      <a:round/>
+                      <a:headEnd type="none" w="med" len="med"/>
+                      <a:tailEnd type="none" w="med" len="med"/>
+                    </a:lnL>
+                    <a:lnR w="12700" cap="flat" cmpd="sng" algn="ctr">
+                      <a:solidFill>
+                        <a:schemeClr val="tx1"/>
+                      </a:solidFill>
+                      <a:prstDash val="solid"/>
+                      <a:round/>
+                      <a:headEnd type="none" w="med" len="med"/>
+                      <a:tailEnd type="none" w="med" len="med"/>
+                    </a:lnR>
+                    <a:lnT w="12700" cap="flat" cmpd="sng" algn="ctr">
+                      <a:solidFill>
+                        <a:schemeClr val="tx1"/>
+                      </a:solidFill>
+                      <a:prstDash val="solid"/>
+                      <a:round/>
+                      <a:headEnd type="none" w="med" len="med"/>
+                      <a:tailEnd type="none" w="med" len="med"/>
+                    </a:lnT>
+                    <a:lnB w="12700" cap="flat" cmpd="sng" algn="ctr">
+                      <a:solidFill>
+                        <a:schemeClr val="tx1"/>
+                      </a:solidFill>
+                      <a:prstDash val="solid"/>
+                      <a:round/>
+                      <a:headEnd type="none" w="med" len="med"/>
+                      <a:tailEnd type="none" w="med" len="med"/>
+                    </a:lnB>
+                  </a:tcPr>
+                </a:tc>
+                <a:tc>
+                  <a:txBody>
+                    <a:bodyPr/>
+                    <a:lstStyle/>
+                    <a:p>
+                      <a:r>
+                        <a:rPr lang="en-US" sz="1000" dirty="0"/>
+                        <a:t>0</a:t>
+                      </a:r>
+                    </a:p>
+                  </a:txBody>
+                  <a:tcPr>
+                    <a:lnL w="12700" cap="flat" cmpd="sng" algn="ctr">
+                      <a:solidFill>
+                        <a:schemeClr val="tx1"/>
+                      </a:solidFill>
+                      <a:prstDash val="solid"/>
+                      <a:round/>
+                      <a:headEnd type="none" w="med" len="med"/>
+                      <a:tailEnd type="none" w="med" len="med"/>
+                    </a:lnL>
+                    <a:lnR w="12700" cap="flat" cmpd="sng" algn="ctr">
+                      <a:solidFill>
+                        <a:schemeClr val="tx1"/>
+                      </a:solidFill>
+                      <a:prstDash val="solid"/>
+                      <a:round/>
+                      <a:headEnd type="none" w="med" len="med"/>
+                      <a:tailEnd type="none" w="med" len="med"/>
+                    </a:lnR>
+                    <a:lnT w="12700" cap="flat" cmpd="sng" algn="ctr">
+                      <a:solidFill>
+                        <a:schemeClr val="tx1"/>
+                      </a:solidFill>
+                      <a:prstDash val="solid"/>
+                      <a:round/>
+                      <a:headEnd type="none" w="med" len="med"/>
+                      <a:tailEnd type="none" w="med" len="med"/>
+                    </a:lnT>
+                    <a:lnB w="12700" cap="flat" cmpd="sng" algn="ctr">
+                      <a:solidFill>
+                        <a:schemeClr val="tx1"/>
+                      </a:solidFill>
+                      <a:prstDash val="solid"/>
+                      <a:round/>
+                      <a:headEnd type="none" w="med" len="med"/>
+                      <a:tailEnd type="none" w="med" len="med"/>
+                    </a:lnB>
+                  </a:tcPr>
+                </a:tc>
+                <a:tc>
+                  <a:txBody>
+                    <a:bodyPr/>
+                    <a:lstStyle/>
+                    <a:p>
+                      <a:r>
+                        <a:rPr lang="en-US" sz="1000" dirty="0"/>
+                        <a:t>0</a:t>
+                      </a:r>
+                    </a:p>
+                  </a:txBody>
+                  <a:tcPr>
+                    <a:lnL w="12700" cap="flat" cmpd="sng" algn="ctr">
+                      <a:solidFill>
+                        <a:schemeClr val="tx1"/>
+                      </a:solidFill>
+                      <a:prstDash val="solid"/>
+                      <a:round/>
+                      <a:headEnd type="none" w="med" len="med"/>
+                      <a:tailEnd type="none" w="med" len="med"/>
+                    </a:lnL>
+                    <a:lnR w="12700" cap="flat" cmpd="sng" algn="ctr">
+                      <a:solidFill>
+                        <a:schemeClr val="tx1"/>
+                      </a:solidFill>
+                      <a:prstDash val="solid"/>
+                      <a:round/>
+                      <a:headEnd type="none" w="med" len="med"/>
+                      <a:tailEnd type="none" w="med" len="med"/>
+                    </a:lnR>
+                    <a:lnT w="12700" cap="flat" cmpd="sng" algn="ctr">
+                      <a:solidFill>
+                        <a:schemeClr val="tx1"/>
+                      </a:solidFill>
+                      <a:prstDash val="solid"/>
+                      <a:round/>
+                      <a:headEnd type="none" w="med" len="med"/>
+                      <a:tailEnd type="none" w="med" len="med"/>
+                    </a:lnT>
+                    <a:lnB w="12700" cap="flat" cmpd="sng" algn="ctr">
+                      <a:solidFill>
+                        <a:schemeClr val="tx1"/>
+                      </a:solidFill>
+                      <a:prstDash val="solid"/>
+                      <a:round/>
+                      <a:headEnd type="none" w="med" len="med"/>
+                      <a:tailEnd type="none" w="med" len="med"/>
+                    </a:lnB>
+                  </a:tcPr>
+                </a:tc>
+                <a:tc>
+                  <a:txBody>
+                    <a:bodyPr/>
+                    <a:lstStyle/>
+                    <a:p>
+                      <a:r>
+                        <a:rPr lang="en-US" sz="1000" dirty="0"/>
+                        <a:t>0</a:t>
+                      </a:r>
+                    </a:p>
+                  </a:txBody>
+                  <a:tcPr>
+                    <a:lnL w="12700" cap="flat" cmpd="sng" algn="ctr">
+                      <a:solidFill>
+                        <a:schemeClr val="tx1"/>
+                      </a:solidFill>
+                      <a:prstDash val="solid"/>
+                      <a:round/>
+                      <a:headEnd type="none" w="med" len="med"/>
+                      <a:tailEnd type="none" w="med" len="med"/>
+                    </a:lnL>
+                    <a:lnR w="12700" cap="flat" cmpd="sng" algn="ctr">
+                      <a:solidFill>
+                        <a:schemeClr val="tx1"/>
+                      </a:solidFill>
+                      <a:prstDash val="solid"/>
+                      <a:round/>
+                      <a:headEnd type="none" w="med" len="med"/>
+                      <a:tailEnd type="none" w="med" len="med"/>
+                    </a:lnR>
+                    <a:lnT w="12700" cap="flat" cmpd="sng" algn="ctr">
+                      <a:solidFill>
+                        <a:schemeClr val="tx1"/>
+                      </a:solidFill>
+                      <a:prstDash val="solid"/>
+                      <a:round/>
+                      <a:headEnd type="none" w="med" len="med"/>
+                      <a:tailEnd type="none" w="med" len="med"/>
+                    </a:lnT>
+                    <a:lnB w="12700" cap="flat" cmpd="sng" algn="ctr">
+                      <a:solidFill>
+                        <a:schemeClr val="tx1"/>
+                      </a:solidFill>
+                      <a:prstDash val="solid"/>
+                      <a:round/>
+                      <a:headEnd type="none" w="med" len="med"/>
+                      <a:tailEnd type="none" w="med" len="med"/>
+                    </a:lnB>
+                  </a:tcPr>
+                </a:tc>
+                <a:tc>
+                  <a:txBody>
+                    <a:bodyPr/>
+                    <a:lstStyle/>
+                    <a:p>
+                      <a:r>
+                        <a:rPr lang="en-US" sz="1000" dirty="0"/>
+                        <a:t>0</a:t>
+                      </a:r>
+                    </a:p>
+                  </a:txBody>
+                  <a:tcPr>
+                    <a:lnL w="12700" cap="flat" cmpd="sng" algn="ctr">
+                      <a:solidFill>
+                        <a:schemeClr val="tx1"/>
+                      </a:solidFill>
+                      <a:prstDash val="solid"/>
+                      <a:round/>
+                      <a:headEnd type="none" w="med" len="med"/>
+                      <a:tailEnd type="none" w="med" len="med"/>
+                    </a:lnL>
+                    <a:lnR w="12700" cap="flat" cmpd="sng" algn="ctr">
+                      <a:solidFill>
+                        <a:schemeClr val="tx1"/>
+                      </a:solidFill>
+                      <a:prstDash val="solid"/>
+                      <a:round/>
+                      <a:headEnd type="none" w="med" len="med"/>
+                      <a:tailEnd type="none" w="med" len="med"/>
+                    </a:lnR>
+                    <a:lnT w="12700" cap="flat" cmpd="sng" algn="ctr">
+                      <a:solidFill>
+                        <a:schemeClr val="tx1"/>
+                      </a:solidFill>
+                      <a:prstDash val="solid"/>
+                      <a:round/>
+                      <a:headEnd type="none" w="med" len="med"/>
+                      <a:tailEnd type="none" w="med" len="med"/>
+                    </a:lnT>
+                    <a:lnB w="12700" cap="flat" cmpd="sng" algn="ctr">
+                      <a:solidFill>
+                        <a:schemeClr val="tx1"/>
+                      </a:solidFill>
+                      <a:prstDash val="solid"/>
+                      <a:round/>
+                      <a:headEnd type="none" w="med" len="med"/>
+                      <a:tailEnd type="none" w="med" len="med"/>
+                    </a:lnB>
+                  </a:tcPr>
+                </a:tc>
+                <a:tc>
+                  <a:txBody>
+                    <a:bodyPr/>
+                    <a:lstStyle/>
+                    <a:p>
+                      <a:r>
+                        <a:rPr lang="en-US" sz="1000" dirty="0"/>
+                        <a:t>0</a:t>
+                      </a:r>
+                    </a:p>
+                  </a:txBody>
+                  <a:tcPr>
+                    <a:lnL w="12700" cap="flat" cmpd="sng" algn="ctr">
+                      <a:solidFill>
+                        <a:schemeClr val="tx1"/>
+                      </a:solidFill>
+                      <a:prstDash val="solid"/>
+                      <a:round/>
+                      <a:headEnd type="none" w="med" len="med"/>
+                      <a:tailEnd type="none" w="med" len="med"/>
+                    </a:lnL>
+                    <a:lnR w="12700" cap="flat" cmpd="sng" algn="ctr">
+                      <a:solidFill>
+                        <a:schemeClr val="tx1"/>
+                      </a:solidFill>
+                      <a:prstDash val="solid"/>
+                      <a:round/>
+                      <a:headEnd type="none" w="med" len="med"/>
+                      <a:tailEnd type="none" w="med" len="med"/>
+                    </a:lnR>
+                    <a:lnT w="12700" cap="flat" cmpd="sng" algn="ctr">
+                      <a:solidFill>
+                        <a:schemeClr val="tx1"/>
+                      </a:solidFill>
+                      <a:prstDash val="solid"/>
+                      <a:round/>
+                      <a:headEnd type="none" w="med" len="med"/>
+                      <a:tailEnd type="none" w="med" len="med"/>
+                    </a:lnT>
+                    <a:lnB w="12700" cap="flat" cmpd="sng" algn="ctr">
+                      <a:solidFill>
+                        <a:schemeClr val="tx1"/>
+                      </a:solidFill>
+                      <a:prstDash val="solid"/>
+                      <a:round/>
+                      <a:headEnd type="none" w="med" len="med"/>
+                      <a:tailEnd type="none" w="med" len="med"/>
+                    </a:lnB>
+                  </a:tcPr>
+                </a:tc>
+                <a:tc>
+                  <a:txBody>
+                    <a:bodyPr/>
+                    <a:lstStyle/>
+                    <a:p>
+                      <a:r>
+                        <a:rPr lang="en-US" sz="1000" dirty="0">
+                          <a:solidFill>
+                            <a:schemeClr val="bg2"/>
+                          </a:solidFill>
+                        </a:rPr>
+                        <a:t>1</a:t>
+                      </a:r>
+                    </a:p>
+                  </a:txBody>
+                  <a:tcPr>
+                    <a:lnL w="12700" cap="flat" cmpd="sng" algn="ctr">
+                      <a:solidFill>
+                        <a:schemeClr val="tx1"/>
+                      </a:solidFill>
+                      <a:prstDash val="solid"/>
+                      <a:round/>
+                      <a:headEnd type="none" w="med" len="med"/>
+                      <a:tailEnd type="none" w="med" len="med"/>
+                    </a:lnL>
+                    <a:lnR w="12700" cap="flat" cmpd="sng" algn="ctr">
+                      <a:solidFill>
+                        <a:schemeClr val="tx1"/>
+                      </a:solidFill>
+                      <a:prstDash val="solid"/>
+                      <a:round/>
+                      <a:headEnd type="none" w="med" len="med"/>
+                      <a:tailEnd type="none" w="med" len="med"/>
+                    </a:lnR>
+                    <a:lnT w="12700" cap="flat" cmpd="sng" algn="ctr">
+                      <a:solidFill>
+                        <a:schemeClr val="tx1"/>
+                      </a:solidFill>
+                      <a:prstDash val="solid"/>
+                      <a:round/>
+                      <a:headEnd type="none" w="med" len="med"/>
+                      <a:tailEnd type="none" w="med" len="med"/>
+                    </a:lnT>
+                    <a:lnB w="12700" cap="flat" cmpd="sng" algn="ctr">
+                      <a:solidFill>
+                        <a:schemeClr val="tx1"/>
+                      </a:solidFill>
+                      <a:prstDash val="solid"/>
+                      <a:round/>
+                      <a:headEnd type="none" w="med" len="med"/>
+                      <a:tailEnd type="none" w="med" len="med"/>
+                    </a:lnB>
+                  </a:tcPr>
+                </a:tc>
+                <a:extLst>
+                  <a:ext uri="{0D108BD9-81ED-4DB2-BD59-A6C34878D82A}">
+                    <a16:rowId xmlns:a16="http://schemas.microsoft.com/office/drawing/2014/main" val="158324812"/>
+                  </a:ext>
+                </a:extLst>
+              </a:tr>
+              <a:tr h="211007">
+                <a:tc>
+                  <a:txBody>
+                    <a:bodyPr/>
+                    <a:lstStyle/>
+                    <a:p>
+                      <a:r>
+                        <a:rPr lang="en-US" sz="1000" dirty="0"/>
+                        <a:t>0</a:t>
+                      </a:r>
+                    </a:p>
+                  </a:txBody>
+                  <a:tcPr>
+                    <a:lnL w="12700" cap="flat" cmpd="sng" algn="ctr">
+                      <a:solidFill>
+                        <a:schemeClr val="tx1"/>
+                      </a:solidFill>
+                      <a:prstDash val="solid"/>
+                      <a:round/>
+                      <a:headEnd type="none" w="med" len="med"/>
+                      <a:tailEnd type="none" w="med" len="med"/>
+                    </a:lnL>
+                    <a:lnR w="12700" cap="flat" cmpd="sng" algn="ctr">
+                      <a:solidFill>
+                        <a:schemeClr val="tx1"/>
+                      </a:solidFill>
+                      <a:prstDash val="solid"/>
+                      <a:round/>
+                      <a:headEnd type="none" w="med" len="med"/>
+                      <a:tailEnd type="none" w="med" len="med"/>
+                    </a:lnR>
+                    <a:lnT w="12700" cap="flat" cmpd="sng" algn="ctr">
+                      <a:solidFill>
+                        <a:schemeClr val="tx1"/>
+                      </a:solidFill>
+                      <a:prstDash val="solid"/>
+                      <a:round/>
+                      <a:headEnd type="none" w="med" len="med"/>
+                      <a:tailEnd type="none" w="med" len="med"/>
+                    </a:lnT>
+                    <a:lnB w="12700" cap="flat" cmpd="sng" algn="ctr">
+                      <a:solidFill>
+                        <a:schemeClr val="tx1"/>
+                      </a:solidFill>
+                      <a:prstDash val="solid"/>
+                      <a:round/>
+                      <a:headEnd type="none" w="med" len="med"/>
+                      <a:tailEnd type="none" w="med" len="med"/>
+                    </a:lnB>
+                  </a:tcPr>
+                </a:tc>
+                <a:tc>
+                  <a:txBody>
+                    <a:bodyPr/>
+                    <a:lstStyle/>
+                    <a:p>
+                      <a:r>
+                        <a:rPr lang="en-US" sz="1000" dirty="0"/>
+                        <a:t>0</a:t>
+                      </a:r>
+                    </a:p>
+                  </a:txBody>
+                  <a:tcPr>
+                    <a:lnL w="12700" cap="flat" cmpd="sng" algn="ctr">
+                      <a:solidFill>
+                        <a:schemeClr val="tx1"/>
+                      </a:solidFill>
+                      <a:prstDash val="solid"/>
+                      <a:round/>
+                      <a:headEnd type="none" w="med" len="med"/>
+                      <a:tailEnd type="none" w="med" len="med"/>
+                    </a:lnL>
+                    <a:lnR w="12700" cap="flat" cmpd="sng" algn="ctr">
+                      <a:solidFill>
+                        <a:schemeClr val="tx1"/>
+                      </a:solidFill>
+                      <a:prstDash val="solid"/>
+                      <a:round/>
+                      <a:headEnd type="none" w="med" len="med"/>
+                      <a:tailEnd type="none" w="med" len="med"/>
+                    </a:lnR>
+                    <a:lnT w="12700" cap="flat" cmpd="sng" algn="ctr">
+                      <a:solidFill>
+                        <a:schemeClr val="tx1"/>
+                      </a:solidFill>
+                      <a:prstDash val="solid"/>
+                      <a:round/>
+                      <a:headEnd type="none" w="med" len="med"/>
+                      <a:tailEnd type="none" w="med" len="med"/>
+                    </a:lnT>
+                    <a:lnB w="12700" cap="flat" cmpd="sng" algn="ctr">
+                      <a:solidFill>
+                        <a:schemeClr val="tx1"/>
+                      </a:solidFill>
+                      <a:prstDash val="solid"/>
+                      <a:round/>
+                      <a:headEnd type="none" w="med" len="med"/>
+                      <a:tailEnd type="none" w="med" len="med"/>
+                    </a:lnB>
+                  </a:tcPr>
+                </a:tc>
+                <a:tc>
+                  <a:txBody>
+                    <a:bodyPr/>
+                    <a:lstStyle/>
+                    <a:p>
+                      <a:r>
+                        <a:rPr lang="en-US" sz="1000" dirty="0"/>
+                        <a:t>0</a:t>
+                      </a:r>
+                    </a:p>
+                  </a:txBody>
+                  <a:tcPr>
+                    <a:lnL w="12700" cap="flat" cmpd="sng" algn="ctr">
+                      <a:solidFill>
+                        <a:schemeClr val="tx1"/>
+                      </a:solidFill>
+                      <a:prstDash val="solid"/>
+                      <a:round/>
+                      <a:headEnd type="none" w="med" len="med"/>
+                      <a:tailEnd type="none" w="med" len="med"/>
+                    </a:lnL>
+                    <a:lnR w="12700" cap="flat" cmpd="sng" algn="ctr">
+                      <a:solidFill>
+                        <a:schemeClr val="tx1"/>
+                      </a:solidFill>
+                      <a:prstDash val="solid"/>
+                      <a:round/>
+                      <a:headEnd type="none" w="med" len="med"/>
+                      <a:tailEnd type="none" w="med" len="med"/>
+                    </a:lnR>
+                    <a:lnT w="12700" cap="flat" cmpd="sng" algn="ctr">
+                      <a:solidFill>
+                        <a:schemeClr val="tx1"/>
+                      </a:solidFill>
+                      <a:prstDash val="solid"/>
+                      <a:round/>
+                      <a:headEnd type="none" w="med" len="med"/>
+                      <a:tailEnd type="none" w="med" len="med"/>
+                    </a:lnT>
+                    <a:lnB w="12700" cap="flat" cmpd="sng" algn="ctr">
+                      <a:solidFill>
+                        <a:schemeClr val="tx1"/>
+                      </a:solidFill>
+                      <a:prstDash val="solid"/>
+                      <a:round/>
+                      <a:headEnd type="none" w="med" len="med"/>
+                      <a:tailEnd type="none" w="med" len="med"/>
+                    </a:lnB>
+                  </a:tcPr>
+                </a:tc>
+                <a:tc>
+                  <a:txBody>
+                    <a:bodyPr/>
+                    <a:lstStyle/>
+                    <a:p>
+                      <a:r>
+                        <a:rPr lang="en-US" sz="1000" dirty="0"/>
+                        <a:t>0</a:t>
+                      </a:r>
+                    </a:p>
+                  </a:txBody>
+                  <a:tcPr>
+                    <a:lnL w="12700" cap="flat" cmpd="sng" algn="ctr">
+                      <a:solidFill>
+                        <a:schemeClr val="tx1"/>
+                      </a:solidFill>
+                      <a:prstDash val="solid"/>
+                      <a:round/>
+                      <a:headEnd type="none" w="med" len="med"/>
+                      <a:tailEnd type="none" w="med" len="med"/>
+                    </a:lnL>
+                    <a:lnR w="12700" cap="flat" cmpd="sng" algn="ctr">
+                      <a:solidFill>
+                        <a:schemeClr val="tx1"/>
+                      </a:solidFill>
+                      <a:prstDash val="solid"/>
+                      <a:round/>
+                      <a:headEnd type="none" w="med" len="med"/>
+                      <a:tailEnd type="none" w="med" len="med"/>
+                    </a:lnR>
+                    <a:lnT w="12700" cap="flat" cmpd="sng" algn="ctr">
+                      <a:solidFill>
+                        <a:schemeClr val="tx1"/>
+                      </a:solidFill>
+                      <a:prstDash val="solid"/>
+                      <a:round/>
+                      <a:headEnd type="none" w="med" len="med"/>
+                      <a:tailEnd type="none" w="med" len="med"/>
+                    </a:lnT>
+                    <a:lnB w="12700" cap="flat" cmpd="sng" algn="ctr">
+                      <a:solidFill>
+                        <a:schemeClr val="tx1"/>
+                      </a:solidFill>
+                      <a:prstDash val="solid"/>
+                      <a:round/>
+                      <a:headEnd type="none" w="med" len="med"/>
+                      <a:tailEnd type="none" w="med" len="med"/>
+                    </a:lnB>
+                  </a:tcPr>
+                </a:tc>
+                <a:tc>
+                  <a:txBody>
+                    <a:bodyPr/>
+                    <a:lstStyle/>
+                    <a:p>
+                      <a:r>
+                        <a:rPr lang="en-US" sz="1000" dirty="0"/>
+                        <a:t>0</a:t>
+                      </a:r>
+                    </a:p>
+                  </a:txBody>
+                  <a:tcPr>
+                    <a:lnL w="12700" cap="flat" cmpd="sng" algn="ctr">
+                      <a:solidFill>
+                        <a:schemeClr val="tx1"/>
+                      </a:solidFill>
+                      <a:prstDash val="solid"/>
+                      <a:round/>
+                      <a:headEnd type="none" w="med" len="med"/>
+                      <a:tailEnd type="none" w="med" len="med"/>
+                    </a:lnL>
+                    <a:lnR w="12700" cap="flat" cmpd="sng" algn="ctr">
+                      <a:solidFill>
+                        <a:schemeClr val="tx1"/>
+                      </a:solidFill>
+                      <a:prstDash val="solid"/>
+                      <a:round/>
+                      <a:headEnd type="none" w="med" len="med"/>
+                      <a:tailEnd type="none" w="med" len="med"/>
+                    </a:lnR>
+                    <a:lnT w="12700" cap="flat" cmpd="sng" algn="ctr">
+                      <a:solidFill>
+                        <a:schemeClr val="tx1"/>
+                      </a:solidFill>
+                      <a:prstDash val="solid"/>
+                      <a:round/>
+                      <a:headEnd type="none" w="med" len="med"/>
+                      <a:tailEnd type="none" w="med" len="med"/>
+                    </a:lnT>
+                    <a:lnB w="12700" cap="flat" cmpd="sng" algn="ctr">
+                      <a:solidFill>
+                        <a:schemeClr val="tx1"/>
+                      </a:solidFill>
+                      <a:prstDash val="solid"/>
+                      <a:round/>
+                      <a:headEnd type="none" w="med" len="med"/>
+                      <a:tailEnd type="none" w="med" len="med"/>
+                    </a:lnB>
+                  </a:tcPr>
+                </a:tc>
+                <a:tc>
+                  <a:txBody>
+                    <a:bodyPr/>
+                    <a:lstStyle/>
+                    <a:p>
+                      <a:r>
+                        <a:rPr lang="en-US" sz="1000" dirty="0"/>
+                        <a:t>0</a:t>
+                      </a:r>
+                    </a:p>
+                  </a:txBody>
+                  <a:tcPr>
+                    <a:lnL w="12700" cap="flat" cmpd="sng" algn="ctr">
+                      <a:solidFill>
+                        <a:schemeClr val="tx1"/>
+                      </a:solidFill>
+                      <a:prstDash val="solid"/>
+                      <a:round/>
+                      <a:headEnd type="none" w="med" len="med"/>
+                      <a:tailEnd type="none" w="med" len="med"/>
+                    </a:lnL>
+                    <a:lnR w="12700" cap="flat" cmpd="sng" algn="ctr">
+                      <a:solidFill>
+                        <a:schemeClr val="tx1"/>
+                      </a:solidFill>
+                      <a:prstDash val="solid"/>
+                      <a:round/>
+                      <a:headEnd type="none" w="med" len="med"/>
+                      <a:tailEnd type="none" w="med" len="med"/>
+                    </a:lnR>
+                    <a:lnT w="12700" cap="flat" cmpd="sng" algn="ctr">
+                      <a:solidFill>
+                        <a:schemeClr val="tx1"/>
+                      </a:solidFill>
+                      <a:prstDash val="solid"/>
+                      <a:round/>
+                      <a:headEnd type="none" w="med" len="med"/>
+                      <a:tailEnd type="none" w="med" len="med"/>
+                    </a:lnT>
+                    <a:lnB w="12700" cap="flat" cmpd="sng" algn="ctr">
+                      <a:solidFill>
+                        <a:schemeClr val="tx1"/>
+                      </a:solidFill>
+                      <a:prstDash val="solid"/>
+                      <a:round/>
+                      <a:headEnd type="none" w="med" len="med"/>
+                      <a:tailEnd type="none" w="med" len="med"/>
+                    </a:lnB>
+                  </a:tcPr>
+                </a:tc>
+                <a:tc>
+                  <a:txBody>
+                    <a:bodyPr/>
+                    <a:lstStyle/>
+                    <a:p>
+                      <a:r>
+                        <a:rPr lang="en-US" sz="1000" dirty="0"/>
+                        <a:t>0</a:t>
+                      </a:r>
+                    </a:p>
+                  </a:txBody>
+                  <a:tcPr>
+                    <a:lnL w="12700" cap="flat" cmpd="sng" algn="ctr">
+                      <a:solidFill>
+                        <a:schemeClr val="tx1"/>
+                      </a:solidFill>
+                      <a:prstDash val="solid"/>
+                      <a:round/>
+                      <a:headEnd type="none" w="med" len="med"/>
+                      <a:tailEnd type="none" w="med" len="med"/>
+                    </a:lnL>
+                    <a:lnR w="12700" cap="flat" cmpd="sng" algn="ctr">
+                      <a:solidFill>
+                        <a:schemeClr val="tx1"/>
+                      </a:solidFill>
+                      <a:prstDash val="solid"/>
+                      <a:round/>
+                      <a:headEnd type="none" w="med" len="med"/>
+                      <a:tailEnd type="none" w="med" len="med"/>
+                    </a:lnR>
+                    <a:lnT w="12700" cap="flat" cmpd="sng" algn="ctr">
+                      <a:solidFill>
+                        <a:schemeClr val="tx1"/>
+                      </a:solidFill>
+                      <a:prstDash val="solid"/>
+                      <a:round/>
+                      <a:headEnd type="none" w="med" len="med"/>
+                      <a:tailEnd type="none" w="med" len="med"/>
+                    </a:lnT>
+                    <a:lnB w="12700" cap="flat" cmpd="sng" algn="ctr">
+                      <a:solidFill>
+                        <a:schemeClr val="tx1"/>
+                      </a:solidFill>
+                      <a:prstDash val="solid"/>
+                      <a:round/>
+                      <a:headEnd type="none" w="med" len="med"/>
+                      <a:tailEnd type="none" w="med" len="med"/>
+                    </a:lnB>
+                  </a:tcPr>
+                </a:tc>
+                <a:tc>
+                  <a:txBody>
+                    <a:bodyPr/>
+                    <a:lstStyle/>
+                    <a:p>
+                      <a:r>
+                        <a:rPr lang="en-US" sz="1000" dirty="0">
+                          <a:solidFill>
+                            <a:schemeClr val="bg2"/>
+                          </a:solidFill>
+                        </a:rPr>
+                        <a:t>0</a:t>
+                      </a:r>
+                    </a:p>
+                  </a:txBody>
+                  <a:tcPr>
+                    <a:lnL w="12700" cap="flat" cmpd="sng" algn="ctr">
+                      <a:solidFill>
+                        <a:schemeClr val="tx1"/>
+                      </a:solidFill>
+                      <a:prstDash val="solid"/>
+                      <a:round/>
+                      <a:headEnd type="none" w="med" len="med"/>
+                      <a:tailEnd type="none" w="med" len="med"/>
+                    </a:lnL>
+                    <a:lnR w="12700" cap="flat" cmpd="sng" algn="ctr">
+                      <a:solidFill>
+                        <a:schemeClr val="tx1"/>
+                      </a:solidFill>
+                      <a:prstDash val="solid"/>
+                      <a:round/>
+                      <a:headEnd type="none" w="med" len="med"/>
+                      <a:tailEnd type="none" w="med" len="med"/>
+                    </a:lnR>
+                    <a:lnT w="12700" cap="flat" cmpd="sng" algn="ctr">
+                      <a:solidFill>
+                        <a:schemeClr val="tx1"/>
+                      </a:solidFill>
+                      <a:prstDash val="solid"/>
+                      <a:round/>
+                      <a:headEnd type="none" w="med" len="med"/>
+                      <a:tailEnd type="none" w="med" len="med"/>
+                    </a:lnT>
+                    <a:lnB w="12700" cap="flat" cmpd="sng" algn="ctr">
+                      <a:solidFill>
+                        <a:schemeClr val="tx1"/>
+                      </a:solidFill>
+                      <a:prstDash val="solid"/>
+                      <a:round/>
+                      <a:headEnd type="none" w="med" len="med"/>
+                      <a:tailEnd type="none" w="med" len="med"/>
+                    </a:lnB>
+                  </a:tcPr>
+                </a:tc>
+                <a:extLst>
+                  <a:ext uri="{0D108BD9-81ED-4DB2-BD59-A6C34878D82A}">
+                    <a16:rowId xmlns:a16="http://schemas.microsoft.com/office/drawing/2014/main" val="1013668978"/>
+                  </a:ext>
+                </a:extLst>
+              </a:tr>
+              <a:tr h="211007">
+                <a:tc>
+                  <a:txBody>
+                    <a:bodyPr/>
+                    <a:lstStyle/>
+                    <a:p>
+                      <a:r>
+                        <a:rPr lang="en-US" sz="1000" dirty="0"/>
+                        <a:t>0</a:t>
+                      </a:r>
+                    </a:p>
+                  </a:txBody>
+                  <a:tcPr>
+                    <a:lnL w="12700" cap="flat" cmpd="sng" algn="ctr">
+                      <a:solidFill>
+                        <a:schemeClr val="tx1"/>
+                      </a:solidFill>
+                      <a:prstDash val="solid"/>
+                      <a:round/>
+                      <a:headEnd type="none" w="med" len="med"/>
+                      <a:tailEnd type="none" w="med" len="med"/>
+                    </a:lnL>
+                    <a:lnR w="12700" cap="flat" cmpd="sng" algn="ctr">
+                      <a:solidFill>
+                        <a:schemeClr val="tx1"/>
+                      </a:solidFill>
+                      <a:prstDash val="solid"/>
+                      <a:round/>
+                      <a:headEnd type="none" w="med" len="med"/>
+                      <a:tailEnd type="none" w="med" len="med"/>
+                    </a:lnR>
+                    <a:lnT w="12700" cap="flat" cmpd="sng" algn="ctr">
+                      <a:solidFill>
+                        <a:schemeClr val="tx1"/>
+                      </a:solidFill>
+                      <a:prstDash val="solid"/>
+                      <a:round/>
+                      <a:headEnd type="none" w="med" len="med"/>
+                      <a:tailEnd type="none" w="med" len="med"/>
+                    </a:lnT>
+                    <a:lnB w="12700" cap="flat" cmpd="sng" algn="ctr">
+                      <a:solidFill>
+                        <a:schemeClr val="tx1"/>
+                      </a:solidFill>
+                      <a:prstDash val="solid"/>
+                      <a:round/>
+                      <a:headEnd type="none" w="med" len="med"/>
+                      <a:tailEnd type="none" w="med" len="med"/>
+                    </a:lnB>
+                  </a:tcPr>
+                </a:tc>
+                <a:tc>
+                  <a:txBody>
+                    <a:bodyPr/>
+                    <a:lstStyle/>
+                    <a:p>
+                      <a:r>
+                        <a:rPr lang="en-US" sz="1000" dirty="0"/>
+                        <a:t>0</a:t>
+                      </a:r>
+                    </a:p>
+                  </a:txBody>
+                  <a:tcPr>
+                    <a:lnL w="12700" cap="flat" cmpd="sng" algn="ctr">
+                      <a:solidFill>
+                        <a:schemeClr val="tx1"/>
+                      </a:solidFill>
+                      <a:prstDash val="solid"/>
+                      <a:round/>
+                      <a:headEnd type="none" w="med" len="med"/>
+                      <a:tailEnd type="none" w="med" len="med"/>
+                    </a:lnL>
+                    <a:lnR w="12700" cap="flat" cmpd="sng" algn="ctr">
+                      <a:solidFill>
+                        <a:schemeClr val="tx1"/>
+                      </a:solidFill>
+                      <a:prstDash val="solid"/>
+                      <a:round/>
+                      <a:headEnd type="none" w="med" len="med"/>
+                      <a:tailEnd type="none" w="med" len="med"/>
+                    </a:lnR>
+                    <a:lnT w="12700" cap="flat" cmpd="sng" algn="ctr">
+                      <a:solidFill>
+                        <a:schemeClr val="tx1"/>
+                      </a:solidFill>
+                      <a:prstDash val="solid"/>
+                      <a:round/>
+                      <a:headEnd type="none" w="med" len="med"/>
+                      <a:tailEnd type="none" w="med" len="med"/>
+                    </a:lnT>
+                    <a:lnB w="12700" cap="flat" cmpd="sng" algn="ctr">
+                      <a:solidFill>
+                        <a:schemeClr val="tx1"/>
+                      </a:solidFill>
+                      <a:prstDash val="solid"/>
+                      <a:round/>
+                      <a:headEnd type="none" w="med" len="med"/>
+                      <a:tailEnd type="none" w="med" len="med"/>
+                    </a:lnB>
+                  </a:tcPr>
+                </a:tc>
+                <a:tc>
+                  <a:txBody>
+                    <a:bodyPr/>
+                    <a:lstStyle/>
+                    <a:p>
+                      <a:r>
+                        <a:rPr lang="en-US" sz="1000" dirty="0"/>
+                        <a:t>0</a:t>
+                      </a:r>
+                    </a:p>
+                  </a:txBody>
+                  <a:tcPr>
+                    <a:lnL w="12700" cap="flat" cmpd="sng" algn="ctr">
+                      <a:solidFill>
+                        <a:schemeClr val="tx1"/>
+                      </a:solidFill>
+                      <a:prstDash val="solid"/>
+                      <a:round/>
+                      <a:headEnd type="none" w="med" len="med"/>
+                      <a:tailEnd type="none" w="med" len="med"/>
+                    </a:lnL>
+                    <a:lnR w="12700" cap="flat" cmpd="sng" algn="ctr">
+                      <a:solidFill>
+                        <a:schemeClr val="tx1"/>
+                      </a:solidFill>
+                      <a:prstDash val="solid"/>
+                      <a:round/>
+                      <a:headEnd type="none" w="med" len="med"/>
+                      <a:tailEnd type="none" w="med" len="med"/>
+                    </a:lnR>
+                    <a:lnT w="12700" cap="flat" cmpd="sng" algn="ctr">
+                      <a:solidFill>
+                        <a:schemeClr val="tx1"/>
+                      </a:solidFill>
+                      <a:prstDash val="solid"/>
+                      <a:round/>
+                      <a:headEnd type="none" w="med" len="med"/>
+                      <a:tailEnd type="none" w="med" len="med"/>
+                    </a:lnT>
+                    <a:lnB w="12700" cap="flat" cmpd="sng" algn="ctr">
+                      <a:solidFill>
+                        <a:schemeClr val="tx1"/>
+                      </a:solidFill>
+                      <a:prstDash val="solid"/>
+                      <a:round/>
+                      <a:headEnd type="none" w="med" len="med"/>
+                      <a:tailEnd type="none" w="med" len="med"/>
+                    </a:lnB>
+                  </a:tcPr>
+                </a:tc>
+                <a:tc>
+                  <a:txBody>
+                    <a:bodyPr/>
+                    <a:lstStyle/>
+                    <a:p>
+                      <a:r>
+                        <a:rPr lang="en-US" sz="1000" dirty="0"/>
+                        <a:t>0</a:t>
+                      </a:r>
+                    </a:p>
+                  </a:txBody>
+                  <a:tcPr>
+                    <a:lnL w="12700" cap="flat" cmpd="sng" algn="ctr">
+                      <a:solidFill>
+                        <a:schemeClr val="tx1"/>
+                      </a:solidFill>
+                      <a:prstDash val="solid"/>
+                      <a:round/>
+                      <a:headEnd type="none" w="med" len="med"/>
+                      <a:tailEnd type="none" w="med" len="med"/>
+                    </a:lnL>
+                    <a:lnR w="12700" cap="flat" cmpd="sng" algn="ctr">
+                      <a:solidFill>
+                        <a:schemeClr val="tx1"/>
+                      </a:solidFill>
+                      <a:prstDash val="solid"/>
+                      <a:round/>
+                      <a:headEnd type="none" w="med" len="med"/>
+                      <a:tailEnd type="none" w="med" len="med"/>
+                    </a:lnR>
+                    <a:lnT w="12700" cap="flat" cmpd="sng" algn="ctr">
+                      <a:solidFill>
+                        <a:schemeClr val="tx1"/>
+                      </a:solidFill>
+                      <a:prstDash val="solid"/>
+                      <a:round/>
+                      <a:headEnd type="none" w="med" len="med"/>
+                      <a:tailEnd type="none" w="med" len="med"/>
+                    </a:lnT>
+                    <a:lnB w="12700" cap="flat" cmpd="sng" algn="ctr">
+                      <a:solidFill>
+                        <a:schemeClr val="tx1"/>
+                      </a:solidFill>
+                      <a:prstDash val="solid"/>
+                      <a:round/>
+                      <a:headEnd type="none" w="med" len="med"/>
+                      <a:tailEnd type="none" w="med" len="med"/>
+                    </a:lnB>
+                  </a:tcPr>
+                </a:tc>
+                <a:tc>
+                  <a:txBody>
+                    <a:bodyPr/>
+                    <a:lstStyle/>
+                    <a:p>
+                      <a:r>
+                        <a:rPr lang="en-US" sz="1000" dirty="0"/>
+                        <a:t>0</a:t>
+                      </a:r>
+                    </a:p>
+                  </a:txBody>
+                  <a:tcPr>
+                    <a:lnL w="12700" cap="flat" cmpd="sng" algn="ctr">
+                      <a:solidFill>
+                        <a:schemeClr val="tx1"/>
+                      </a:solidFill>
+                      <a:prstDash val="solid"/>
+                      <a:round/>
+                      <a:headEnd type="none" w="med" len="med"/>
+                      <a:tailEnd type="none" w="med" len="med"/>
+                    </a:lnL>
+                    <a:lnR w="12700" cap="flat" cmpd="sng" algn="ctr">
+                      <a:solidFill>
+                        <a:schemeClr val="tx1"/>
+                      </a:solidFill>
+                      <a:prstDash val="solid"/>
+                      <a:round/>
+                      <a:headEnd type="none" w="med" len="med"/>
+                      <a:tailEnd type="none" w="med" len="med"/>
+                    </a:lnR>
+                    <a:lnT w="12700" cap="flat" cmpd="sng" algn="ctr">
+                      <a:solidFill>
+                        <a:schemeClr val="tx1"/>
+                      </a:solidFill>
+                      <a:prstDash val="solid"/>
+                      <a:round/>
+                      <a:headEnd type="none" w="med" len="med"/>
+                      <a:tailEnd type="none" w="med" len="med"/>
+                    </a:lnT>
+                    <a:lnB w="12700" cap="flat" cmpd="sng" algn="ctr">
+                      <a:solidFill>
+                        <a:schemeClr val="tx1"/>
+                      </a:solidFill>
+                      <a:prstDash val="solid"/>
+                      <a:round/>
+                      <a:headEnd type="none" w="med" len="med"/>
+                      <a:tailEnd type="none" w="med" len="med"/>
+                    </a:lnB>
+                  </a:tcPr>
+                </a:tc>
+                <a:tc>
+                  <a:txBody>
+                    <a:bodyPr/>
+                    <a:lstStyle/>
+                    <a:p>
+                      <a:r>
+                        <a:rPr lang="en-US" sz="1000" dirty="0"/>
+                        <a:t>0</a:t>
+                      </a:r>
+                    </a:p>
+                  </a:txBody>
+                  <a:tcPr>
+                    <a:lnL w="12700" cap="flat" cmpd="sng" algn="ctr">
+                      <a:solidFill>
+                        <a:schemeClr val="tx1"/>
+                      </a:solidFill>
+                      <a:prstDash val="solid"/>
+                      <a:round/>
+                      <a:headEnd type="none" w="med" len="med"/>
+                      <a:tailEnd type="none" w="med" len="med"/>
+                    </a:lnL>
+                    <a:lnR w="12700" cap="flat" cmpd="sng" algn="ctr">
+                      <a:solidFill>
+                        <a:schemeClr val="tx1"/>
+                      </a:solidFill>
+                      <a:prstDash val="solid"/>
+                      <a:round/>
+                      <a:headEnd type="none" w="med" len="med"/>
+                      <a:tailEnd type="none" w="med" len="med"/>
+                    </a:lnR>
+                    <a:lnT w="12700" cap="flat" cmpd="sng" algn="ctr">
+                      <a:solidFill>
+                        <a:schemeClr val="tx1"/>
+                      </a:solidFill>
+                      <a:prstDash val="solid"/>
+                      <a:round/>
+                      <a:headEnd type="none" w="med" len="med"/>
+                      <a:tailEnd type="none" w="med" len="med"/>
+                    </a:lnT>
+                    <a:lnB w="12700" cap="flat" cmpd="sng" algn="ctr">
+                      <a:solidFill>
+                        <a:schemeClr val="tx1"/>
+                      </a:solidFill>
+                      <a:prstDash val="solid"/>
+                      <a:round/>
+                      <a:headEnd type="none" w="med" len="med"/>
+                      <a:tailEnd type="none" w="med" len="med"/>
+                    </a:lnB>
+                  </a:tcPr>
+                </a:tc>
+                <a:tc>
+                  <a:txBody>
+                    <a:bodyPr/>
+                    <a:lstStyle/>
+                    <a:p>
+                      <a:r>
+                        <a:rPr lang="en-US" sz="1000" dirty="0"/>
+                        <a:t>0</a:t>
+                      </a:r>
+                    </a:p>
+                  </a:txBody>
+                  <a:tcPr>
+                    <a:lnL w="12700" cap="flat" cmpd="sng" algn="ctr">
+                      <a:solidFill>
+                        <a:schemeClr val="tx1"/>
+                      </a:solidFill>
+                      <a:prstDash val="solid"/>
+                      <a:round/>
+                      <a:headEnd type="none" w="med" len="med"/>
+                      <a:tailEnd type="none" w="med" len="med"/>
+                    </a:lnL>
+                    <a:lnR w="12700" cap="flat" cmpd="sng" algn="ctr">
+                      <a:solidFill>
+                        <a:schemeClr val="tx1"/>
+                      </a:solidFill>
+                      <a:prstDash val="solid"/>
+                      <a:round/>
+                      <a:headEnd type="none" w="med" len="med"/>
+                      <a:tailEnd type="none" w="med" len="med"/>
+                    </a:lnR>
+                    <a:lnT w="12700" cap="flat" cmpd="sng" algn="ctr">
+                      <a:solidFill>
+                        <a:schemeClr val="tx1"/>
+                      </a:solidFill>
+                      <a:prstDash val="solid"/>
+                      <a:round/>
+                      <a:headEnd type="none" w="med" len="med"/>
+                      <a:tailEnd type="none" w="med" len="med"/>
+                    </a:lnT>
+                    <a:lnB w="12700" cap="flat" cmpd="sng" algn="ctr">
+                      <a:solidFill>
+                        <a:schemeClr val="tx1"/>
+                      </a:solidFill>
+                      <a:prstDash val="solid"/>
+                      <a:round/>
+                      <a:headEnd type="none" w="med" len="med"/>
+                      <a:tailEnd type="none" w="med" len="med"/>
+                    </a:lnB>
+                  </a:tcPr>
+                </a:tc>
+                <a:tc>
+                  <a:txBody>
+                    <a:bodyPr/>
+                    <a:lstStyle/>
+                    <a:p>
+                      <a:r>
+                        <a:rPr lang="en-US" sz="1000" dirty="0">
+                          <a:solidFill>
+                            <a:schemeClr val="bg2"/>
+                          </a:solidFill>
+                        </a:rPr>
+                        <a:t>0</a:t>
+                      </a:r>
+                    </a:p>
+                  </a:txBody>
+                  <a:tcPr>
+                    <a:lnL w="12700" cap="flat" cmpd="sng" algn="ctr">
+                      <a:solidFill>
+                        <a:schemeClr val="tx1"/>
+                      </a:solidFill>
+                      <a:prstDash val="solid"/>
+                      <a:round/>
+                      <a:headEnd type="none" w="med" len="med"/>
+                      <a:tailEnd type="none" w="med" len="med"/>
+                    </a:lnL>
+                    <a:lnR w="12700" cap="flat" cmpd="sng" algn="ctr">
+                      <a:solidFill>
+                        <a:schemeClr val="tx1"/>
+                      </a:solidFill>
+                      <a:prstDash val="solid"/>
+                      <a:round/>
+                      <a:headEnd type="none" w="med" len="med"/>
+                      <a:tailEnd type="none" w="med" len="med"/>
+                    </a:lnR>
+                    <a:lnT w="12700" cap="flat" cmpd="sng" algn="ctr">
+                      <a:solidFill>
+                        <a:schemeClr val="tx1"/>
+                      </a:solidFill>
+                      <a:prstDash val="solid"/>
+                      <a:round/>
+                      <a:headEnd type="none" w="med" len="med"/>
+                      <a:tailEnd type="none" w="med" len="med"/>
+                    </a:lnT>
+                    <a:lnB w="12700" cap="flat" cmpd="sng" algn="ctr">
+                      <a:solidFill>
+                        <a:schemeClr val="tx1"/>
+                      </a:solidFill>
+                      <a:prstDash val="solid"/>
+                      <a:round/>
+                      <a:headEnd type="none" w="med" len="med"/>
+                      <a:tailEnd type="none" w="med" len="med"/>
+                    </a:lnB>
+                  </a:tcPr>
+                </a:tc>
+                <a:extLst>
+                  <a:ext uri="{0D108BD9-81ED-4DB2-BD59-A6C34878D82A}">
+                    <a16:rowId xmlns:a16="http://schemas.microsoft.com/office/drawing/2014/main" val="746952450"/>
+                  </a:ext>
+                </a:extLst>
+              </a:tr>
+              <a:tr h="211007">
+                <a:tc>
+                  <a:txBody>
+                    <a:bodyPr/>
+                    <a:lstStyle/>
+                    <a:p>
+                      <a:r>
+                        <a:rPr lang="en-US" sz="1000" dirty="0"/>
+                        <a:t>0</a:t>
+                      </a:r>
+                    </a:p>
+                  </a:txBody>
+                  <a:tcPr>
+                    <a:lnL w="12700" cap="flat" cmpd="sng" algn="ctr">
+                      <a:solidFill>
+                        <a:schemeClr val="tx1"/>
+                      </a:solidFill>
+                      <a:prstDash val="solid"/>
+                      <a:round/>
+                      <a:headEnd type="none" w="med" len="med"/>
+                      <a:tailEnd type="none" w="med" len="med"/>
+                    </a:lnL>
+                    <a:lnR w="12700" cap="flat" cmpd="sng" algn="ctr">
+                      <a:solidFill>
+                        <a:schemeClr val="tx1"/>
+                      </a:solidFill>
+                      <a:prstDash val="solid"/>
+                      <a:round/>
+                      <a:headEnd type="none" w="med" len="med"/>
+                      <a:tailEnd type="none" w="med" len="med"/>
+                    </a:lnR>
+                    <a:lnT w="12700" cap="flat" cmpd="sng" algn="ctr">
+                      <a:solidFill>
+                        <a:schemeClr val="tx1"/>
+                      </a:solidFill>
+                      <a:prstDash val="solid"/>
+                      <a:round/>
+                      <a:headEnd type="none" w="med" len="med"/>
+                      <a:tailEnd type="none" w="med" len="med"/>
+                    </a:lnT>
+                    <a:lnB w="12700" cap="flat" cmpd="sng" algn="ctr">
+                      <a:solidFill>
+                        <a:schemeClr val="tx1"/>
+                      </a:solidFill>
+                      <a:prstDash val="solid"/>
+                      <a:round/>
+                      <a:headEnd type="none" w="med" len="med"/>
+                      <a:tailEnd type="none" w="med" len="med"/>
+                    </a:lnB>
+                  </a:tcPr>
+                </a:tc>
+                <a:tc>
+                  <a:txBody>
+                    <a:bodyPr/>
+                    <a:lstStyle/>
+                    <a:p>
+                      <a:r>
+                        <a:rPr lang="en-US" sz="1000" dirty="0"/>
+                        <a:t>0</a:t>
+                      </a:r>
+                    </a:p>
+                  </a:txBody>
+                  <a:tcPr>
+                    <a:lnL w="12700" cap="flat" cmpd="sng" algn="ctr">
+                      <a:solidFill>
+                        <a:schemeClr val="tx1"/>
+                      </a:solidFill>
+                      <a:prstDash val="solid"/>
+                      <a:round/>
+                      <a:headEnd type="none" w="med" len="med"/>
+                      <a:tailEnd type="none" w="med" len="med"/>
+                    </a:lnL>
+                    <a:lnR w="12700" cap="flat" cmpd="sng" algn="ctr">
+                      <a:solidFill>
+                        <a:schemeClr val="tx1"/>
+                      </a:solidFill>
+                      <a:prstDash val="solid"/>
+                      <a:round/>
+                      <a:headEnd type="none" w="med" len="med"/>
+                      <a:tailEnd type="none" w="med" len="med"/>
+                    </a:lnR>
+                    <a:lnT w="12700" cap="flat" cmpd="sng" algn="ctr">
+                      <a:solidFill>
+                        <a:schemeClr val="tx1"/>
+                      </a:solidFill>
+                      <a:prstDash val="solid"/>
+                      <a:round/>
+                      <a:headEnd type="none" w="med" len="med"/>
+                      <a:tailEnd type="none" w="med" len="med"/>
+                    </a:lnT>
+                    <a:lnB w="12700" cap="flat" cmpd="sng" algn="ctr">
+                      <a:solidFill>
+                        <a:schemeClr val="tx1"/>
+                      </a:solidFill>
+                      <a:prstDash val="solid"/>
+                      <a:round/>
+                      <a:headEnd type="none" w="med" len="med"/>
+                      <a:tailEnd type="none" w="med" len="med"/>
+                    </a:lnB>
+                  </a:tcPr>
+                </a:tc>
+                <a:tc>
+                  <a:txBody>
+                    <a:bodyPr/>
+                    <a:lstStyle/>
+                    <a:p>
+                      <a:r>
+                        <a:rPr lang="en-US" sz="1000" dirty="0"/>
+                        <a:t>0</a:t>
+                      </a:r>
+                    </a:p>
+                  </a:txBody>
+                  <a:tcPr>
+                    <a:lnL w="12700" cap="flat" cmpd="sng" algn="ctr">
+                      <a:solidFill>
+                        <a:schemeClr val="tx1"/>
+                      </a:solidFill>
+                      <a:prstDash val="solid"/>
+                      <a:round/>
+                      <a:headEnd type="none" w="med" len="med"/>
+                      <a:tailEnd type="none" w="med" len="med"/>
+                    </a:lnL>
+                    <a:lnR w="12700" cap="flat" cmpd="sng" algn="ctr">
+                      <a:solidFill>
+                        <a:schemeClr val="tx1"/>
+                      </a:solidFill>
+                      <a:prstDash val="solid"/>
+                      <a:round/>
+                      <a:headEnd type="none" w="med" len="med"/>
+                      <a:tailEnd type="none" w="med" len="med"/>
+                    </a:lnR>
+                    <a:lnT w="12700" cap="flat" cmpd="sng" algn="ctr">
+                      <a:solidFill>
+                        <a:schemeClr val="tx1"/>
+                      </a:solidFill>
+                      <a:prstDash val="solid"/>
+                      <a:round/>
+                      <a:headEnd type="none" w="med" len="med"/>
+                      <a:tailEnd type="none" w="med" len="med"/>
+                    </a:lnT>
+                    <a:lnB w="12700" cap="flat" cmpd="sng" algn="ctr">
+                      <a:solidFill>
+                        <a:schemeClr val="tx1"/>
+                      </a:solidFill>
+                      <a:prstDash val="solid"/>
+                      <a:round/>
+                      <a:headEnd type="none" w="med" len="med"/>
+                      <a:tailEnd type="none" w="med" len="med"/>
+                    </a:lnB>
+                  </a:tcPr>
+                </a:tc>
+                <a:tc>
+                  <a:txBody>
+                    <a:bodyPr/>
+                    <a:lstStyle/>
+                    <a:p>
+                      <a:r>
+                        <a:rPr lang="en-US" sz="1000" dirty="0"/>
+                        <a:t>0</a:t>
+                      </a:r>
+                    </a:p>
+                  </a:txBody>
+                  <a:tcPr>
+                    <a:lnL w="12700" cap="flat" cmpd="sng" algn="ctr">
+                      <a:solidFill>
+                        <a:schemeClr val="tx1"/>
+                      </a:solidFill>
+                      <a:prstDash val="solid"/>
+                      <a:round/>
+                      <a:headEnd type="none" w="med" len="med"/>
+                      <a:tailEnd type="none" w="med" len="med"/>
+                    </a:lnL>
+                    <a:lnR w="12700" cap="flat" cmpd="sng" algn="ctr">
+                      <a:solidFill>
+                        <a:schemeClr val="tx1"/>
+                      </a:solidFill>
+                      <a:prstDash val="solid"/>
+                      <a:round/>
+                      <a:headEnd type="none" w="med" len="med"/>
+                      <a:tailEnd type="none" w="med" len="med"/>
+                    </a:lnR>
+                    <a:lnT w="12700" cap="flat" cmpd="sng" algn="ctr">
+                      <a:solidFill>
+                        <a:schemeClr val="tx1"/>
+                      </a:solidFill>
+                      <a:prstDash val="solid"/>
+                      <a:round/>
+                      <a:headEnd type="none" w="med" len="med"/>
+                      <a:tailEnd type="none" w="med" len="med"/>
+                    </a:lnT>
+                    <a:lnB w="12700" cap="flat" cmpd="sng" algn="ctr">
+                      <a:solidFill>
+                        <a:schemeClr val="tx1"/>
+                      </a:solidFill>
+                      <a:prstDash val="solid"/>
+                      <a:round/>
+                      <a:headEnd type="none" w="med" len="med"/>
+                      <a:tailEnd type="none" w="med" len="med"/>
+                    </a:lnB>
+                  </a:tcPr>
+                </a:tc>
+                <a:tc>
+                  <a:txBody>
+                    <a:bodyPr/>
+                    <a:lstStyle/>
+                    <a:p>
+                      <a:r>
+                        <a:rPr lang="en-US" sz="1000" dirty="0"/>
+                        <a:t>0</a:t>
+                      </a:r>
+                    </a:p>
+                  </a:txBody>
+                  <a:tcPr>
+                    <a:lnL w="12700" cap="flat" cmpd="sng" algn="ctr">
+                      <a:solidFill>
+                        <a:schemeClr val="tx1"/>
+                      </a:solidFill>
+                      <a:prstDash val="solid"/>
+                      <a:round/>
+                      <a:headEnd type="none" w="med" len="med"/>
+                      <a:tailEnd type="none" w="med" len="med"/>
+                    </a:lnL>
+                    <a:lnR w="12700" cap="flat" cmpd="sng" algn="ctr">
+                      <a:solidFill>
+                        <a:schemeClr val="tx1"/>
+                      </a:solidFill>
+                      <a:prstDash val="solid"/>
+                      <a:round/>
+                      <a:headEnd type="none" w="med" len="med"/>
+                      <a:tailEnd type="none" w="med" len="med"/>
+                    </a:lnR>
+                    <a:lnT w="12700" cap="flat" cmpd="sng" algn="ctr">
+                      <a:solidFill>
+                        <a:schemeClr val="tx1"/>
+                      </a:solidFill>
+                      <a:prstDash val="solid"/>
+                      <a:round/>
+                      <a:headEnd type="none" w="med" len="med"/>
+                      <a:tailEnd type="none" w="med" len="med"/>
+                    </a:lnT>
+                    <a:lnB w="12700" cap="flat" cmpd="sng" algn="ctr">
+                      <a:solidFill>
+                        <a:schemeClr val="tx1"/>
+                      </a:solidFill>
+                      <a:prstDash val="solid"/>
+                      <a:round/>
+                      <a:headEnd type="none" w="med" len="med"/>
+                      <a:tailEnd type="none" w="med" len="med"/>
+                    </a:lnB>
+                  </a:tcPr>
+                </a:tc>
+                <a:tc>
+                  <a:txBody>
+                    <a:bodyPr/>
+                    <a:lstStyle/>
+                    <a:p>
+                      <a:r>
+                        <a:rPr lang="en-US" sz="1000" dirty="0"/>
+                        <a:t>0</a:t>
+                      </a:r>
+                    </a:p>
+                  </a:txBody>
+                  <a:tcPr>
+                    <a:lnL w="12700" cap="flat" cmpd="sng" algn="ctr">
+                      <a:solidFill>
+                        <a:schemeClr val="tx1"/>
+                      </a:solidFill>
+                      <a:prstDash val="solid"/>
+                      <a:round/>
+                      <a:headEnd type="none" w="med" len="med"/>
+                      <a:tailEnd type="none" w="med" len="med"/>
+                    </a:lnL>
+                    <a:lnR w="12700" cap="flat" cmpd="sng" algn="ctr">
+                      <a:solidFill>
+                        <a:schemeClr val="tx1"/>
+                      </a:solidFill>
+                      <a:prstDash val="solid"/>
+                      <a:round/>
+                      <a:headEnd type="none" w="med" len="med"/>
+                      <a:tailEnd type="none" w="med" len="med"/>
+                    </a:lnR>
+                    <a:lnT w="12700" cap="flat" cmpd="sng" algn="ctr">
+                      <a:solidFill>
+                        <a:schemeClr val="tx1"/>
+                      </a:solidFill>
+                      <a:prstDash val="solid"/>
+                      <a:round/>
+                      <a:headEnd type="none" w="med" len="med"/>
+                      <a:tailEnd type="none" w="med" len="med"/>
+                    </a:lnT>
+                    <a:lnB w="12700" cap="flat" cmpd="sng" algn="ctr">
+                      <a:solidFill>
+                        <a:schemeClr val="tx1"/>
+                      </a:solidFill>
+                      <a:prstDash val="solid"/>
+                      <a:round/>
+                      <a:headEnd type="none" w="med" len="med"/>
+                      <a:tailEnd type="none" w="med" len="med"/>
+                    </a:lnB>
+                  </a:tcPr>
+                </a:tc>
+                <a:tc>
+                  <a:txBody>
+                    <a:bodyPr/>
+                    <a:lstStyle/>
+                    <a:p>
+                      <a:r>
+                        <a:rPr lang="en-US" sz="1000" dirty="0"/>
+                        <a:t>0</a:t>
+                      </a:r>
+                    </a:p>
+                  </a:txBody>
+                  <a:tcPr>
+                    <a:lnL w="12700" cap="flat" cmpd="sng" algn="ctr">
+                      <a:solidFill>
+                        <a:schemeClr val="tx1"/>
+                      </a:solidFill>
+                      <a:prstDash val="solid"/>
+                      <a:round/>
+                      <a:headEnd type="none" w="med" len="med"/>
+                      <a:tailEnd type="none" w="med" len="med"/>
+                    </a:lnL>
+                    <a:lnR w="12700" cap="flat" cmpd="sng" algn="ctr">
+                      <a:solidFill>
+                        <a:schemeClr val="tx1"/>
+                      </a:solidFill>
+                      <a:prstDash val="solid"/>
+                      <a:round/>
+                      <a:headEnd type="none" w="med" len="med"/>
+                      <a:tailEnd type="none" w="med" len="med"/>
+                    </a:lnR>
+                    <a:lnT w="12700" cap="flat" cmpd="sng" algn="ctr">
+                      <a:solidFill>
+                        <a:schemeClr val="tx1"/>
+                      </a:solidFill>
+                      <a:prstDash val="solid"/>
+                      <a:round/>
+                      <a:headEnd type="none" w="med" len="med"/>
+                      <a:tailEnd type="none" w="med" len="med"/>
+                    </a:lnT>
+                    <a:lnB w="12700" cap="flat" cmpd="sng" algn="ctr">
+                      <a:solidFill>
+                        <a:schemeClr val="tx1"/>
+                      </a:solidFill>
+                      <a:prstDash val="solid"/>
+                      <a:round/>
+                      <a:headEnd type="none" w="med" len="med"/>
+                      <a:tailEnd type="none" w="med" len="med"/>
+                    </a:lnB>
+                  </a:tcPr>
+                </a:tc>
+                <a:tc>
+                  <a:txBody>
+                    <a:bodyPr/>
+                    <a:lstStyle/>
+                    <a:p>
+                      <a:r>
+                        <a:rPr lang="en-US" sz="1000" dirty="0">
+                          <a:solidFill>
+                            <a:schemeClr val="bg2"/>
+                          </a:solidFill>
+                        </a:rPr>
+                        <a:t>1</a:t>
+                      </a:r>
+                    </a:p>
+                  </a:txBody>
+                  <a:tcPr>
+                    <a:lnL w="12700" cap="flat" cmpd="sng" algn="ctr">
+                      <a:solidFill>
+                        <a:schemeClr val="tx1"/>
+                      </a:solidFill>
+                      <a:prstDash val="solid"/>
+                      <a:round/>
+                      <a:headEnd type="none" w="med" len="med"/>
+                      <a:tailEnd type="none" w="med" len="med"/>
+                    </a:lnL>
+                    <a:lnR w="12700" cap="flat" cmpd="sng" algn="ctr">
+                      <a:solidFill>
+                        <a:schemeClr val="tx1"/>
+                      </a:solidFill>
+                      <a:prstDash val="solid"/>
+                      <a:round/>
+                      <a:headEnd type="none" w="med" len="med"/>
+                      <a:tailEnd type="none" w="med" len="med"/>
+                    </a:lnR>
+                    <a:lnT w="12700" cap="flat" cmpd="sng" algn="ctr">
+                      <a:solidFill>
+                        <a:schemeClr val="tx1"/>
+                      </a:solidFill>
+                      <a:prstDash val="solid"/>
+                      <a:round/>
+                      <a:headEnd type="none" w="med" len="med"/>
+                      <a:tailEnd type="none" w="med" len="med"/>
+                    </a:lnT>
+                    <a:lnB w="12700" cap="flat" cmpd="sng" algn="ctr">
+                      <a:solidFill>
+                        <a:schemeClr val="tx1"/>
+                      </a:solidFill>
+                      <a:prstDash val="solid"/>
+                      <a:round/>
+                      <a:headEnd type="none" w="med" len="med"/>
+                      <a:tailEnd type="none" w="med" len="med"/>
+                    </a:lnB>
+                  </a:tcPr>
+                </a:tc>
+                <a:extLst>
+                  <a:ext uri="{0D108BD9-81ED-4DB2-BD59-A6C34878D82A}">
+                    <a16:rowId xmlns:a16="http://schemas.microsoft.com/office/drawing/2014/main" val="2246640018"/>
+                  </a:ext>
+                </a:extLst>
+              </a:tr>
+              <a:tr h="211007">
+                <a:tc>
+                  <a:txBody>
+                    <a:bodyPr/>
+                    <a:lstStyle/>
+                    <a:p>
+                      <a:r>
+                        <a:rPr lang="en-US" sz="1000" dirty="0"/>
+                        <a:t>0</a:t>
+                      </a:r>
+                    </a:p>
+                  </a:txBody>
+                  <a:tcPr>
+                    <a:lnL w="12700" cap="flat" cmpd="sng" algn="ctr">
+                      <a:solidFill>
+                        <a:schemeClr val="tx1"/>
+                      </a:solidFill>
+                      <a:prstDash val="solid"/>
+                      <a:round/>
+                      <a:headEnd type="none" w="med" len="med"/>
+                      <a:tailEnd type="none" w="med" len="med"/>
+                    </a:lnL>
+                    <a:lnR w="12700" cap="flat" cmpd="sng" algn="ctr">
+                      <a:solidFill>
+                        <a:schemeClr val="tx1"/>
+                      </a:solidFill>
+                      <a:prstDash val="solid"/>
+                      <a:round/>
+                      <a:headEnd type="none" w="med" len="med"/>
+                      <a:tailEnd type="none" w="med" len="med"/>
+                    </a:lnR>
+                    <a:lnT w="12700" cap="flat" cmpd="sng" algn="ctr">
+                      <a:solidFill>
+                        <a:schemeClr val="tx1"/>
+                      </a:solidFill>
+                      <a:prstDash val="solid"/>
+                      <a:round/>
+                      <a:headEnd type="none" w="med" len="med"/>
+                      <a:tailEnd type="none" w="med" len="med"/>
+                    </a:lnT>
+                    <a:lnB w="12700" cap="flat" cmpd="sng" algn="ctr">
+                      <a:solidFill>
+                        <a:schemeClr val="tx1"/>
+                      </a:solidFill>
+                      <a:prstDash val="solid"/>
+                      <a:round/>
+                      <a:headEnd type="none" w="med" len="med"/>
+                      <a:tailEnd type="none" w="med" len="med"/>
+                    </a:lnB>
+                  </a:tcPr>
+                </a:tc>
+                <a:tc>
+                  <a:txBody>
+                    <a:bodyPr/>
+                    <a:lstStyle/>
+                    <a:p>
+                      <a:r>
+                        <a:rPr lang="en-US" sz="1000" dirty="0"/>
+                        <a:t>0</a:t>
+                      </a:r>
+                    </a:p>
+                  </a:txBody>
+                  <a:tcPr>
+                    <a:lnL w="12700" cap="flat" cmpd="sng" algn="ctr">
+                      <a:solidFill>
+                        <a:schemeClr val="tx1"/>
+                      </a:solidFill>
+                      <a:prstDash val="solid"/>
+                      <a:round/>
+                      <a:headEnd type="none" w="med" len="med"/>
+                      <a:tailEnd type="none" w="med" len="med"/>
+                    </a:lnL>
+                    <a:lnR w="12700" cap="flat" cmpd="sng" algn="ctr">
+                      <a:solidFill>
+                        <a:schemeClr val="tx1"/>
+                      </a:solidFill>
+                      <a:prstDash val="solid"/>
+                      <a:round/>
+                      <a:headEnd type="none" w="med" len="med"/>
+                      <a:tailEnd type="none" w="med" len="med"/>
+                    </a:lnR>
+                    <a:lnT w="12700" cap="flat" cmpd="sng" algn="ctr">
+                      <a:solidFill>
+                        <a:schemeClr val="tx1"/>
+                      </a:solidFill>
+                      <a:prstDash val="solid"/>
+                      <a:round/>
+                      <a:headEnd type="none" w="med" len="med"/>
+                      <a:tailEnd type="none" w="med" len="med"/>
+                    </a:lnT>
+                    <a:lnB w="12700" cap="flat" cmpd="sng" algn="ctr">
+                      <a:solidFill>
+                        <a:schemeClr val="tx1"/>
+                      </a:solidFill>
+                      <a:prstDash val="solid"/>
+                      <a:round/>
+                      <a:headEnd type="none" w="med" len="med"/>
+                      <a:tailEnd type="none" w="med" len="med"/>
+                    </a:lnB>
+                  </a:tcPr>
+                </a:tc>
+                <a:tc>
+                  <a:txBody>
+                    <a:bodyPr/>
+                    <a:lstStyle/>
+                    <a:p>
+                      <a:r>
+                        <a:rPr lang="en-US" sz="1000" dirty="0"/>
+                        <a:t>0</a:t>
+                      </a:r>
+                    </a:p>
+                  </a:txBody>
+                  <a:tcPr>
+                    <a:lnL w="12700" cap="flat" cmpd="sng" algn="ctr">
+                      <a:solidFill>
+                        <a:schemeClr val="tx1"/>
+                      </a:solidFill>
+                      <a:prstDash val="solid"/>
+                      <a:round/>
+                      <a:headEnd type="none" w="med" len="med"/>
+                      <a:tailEnd type="none" w="med" len="med"/>
+                    </a:lnL>
+                    <a:lnR w="12700" cap="flat" cmpd="sng" algn="ctr">
+                      <a:solidFill>
+                        <a:schemeClr val="tx1"/>
+                      </a:solidFill>
+                      <a:prstDash val="solid"/>
+                      <a:round/>
+                      <a:headEnd type="none" w="med" len="med"/>
+                      <a:tailEnd type="none" w="med" len="med"/>
+                    </a:lnR>
+                    <a:lnT w="12700" cap="flat" cmpd="sng" algn="ctr">
+                      <a:solidFill>
+                        <a:schemeClr val="tx1"/>
+                      </a:solidFill>
+                      <a:prstDash val="solid"/>
+                      <a:round/>
+                      <a:headEnd type="none" w="med" len="med"/>
+                      <a:tailEnd type="none" w="med" len="med"/>
+                    </a:lnT>
+                    <a:lnB w="12700" cap="flat" cmpd="sng" algn="ctr">
+                      <a:solidFill>
+                        <a:schemeClr val="tx1"/>
+                      </a:solidFill>
+                      <a:prstDash val="solid"/>
+                      <a:round/>
+                      <a:headEnd type="none" w="med" len="med"/>
+                      <a:tailEnd type="none" w="med" len="med"/>
+                    </a:lnB>
+                  </a:tcPr>
+                </a:tc>
+                <a:tc>
+                  <a:txBody>
+                    <a:bodyPr/>
+                    <a:lstStyle/>
+                    <a:p>
+                      <a:r>
+                        <a:rPr lang="en-US" sz="1000" dirty="0"/>
+                        <a:t>0</a:t>
+                      </a:r>
+                    </a:p>
+                  </a:txBody>
+                  <a:tcPr>
+                    <a:lnL w="12700" cap="flat" cmpd="sng" algn="ctr">
+                      <a:solidFill>
+                        <a:schemeClr val="tx1"/>
+                      </a:solidFill>
+                      <a:prstDash val="solid"/>
+                      <a:round/>
+                      <a:headEnd type="none" w="med" len="med"/>
+                      <a:tailEnd type="none" w="med" len="med"/>
+                    </a:lnL>
+                    <a:lnR w="12700" cap="flat" cmpd="sng" algn="ctr">
+                      <a:solidFill>
+                        <a:schemeClr val="tx1"/>
+                      </a:solidFill>
+                      <a:prstDash val="solid"/>
+                      <a:round/>
+                      <a:headEnd type="none" w="med" len="med"/>
+                      <a:tailEnd type="none" w="med" len="med"/>
+                    </a:lnR>
+                    <a:lnT w="12700" cap="flat" cmpd="sng" algn="ctr">
+                      <a:solidFill>
+                        <a:schemeClr val="tx1"/>
+                      </a:solidFill>
+                      <a:prstDash val="solid"/>
+                      <a:round/>
+                      <a:headEnd type="none" w="med" len="med"/>
+                      <a:tailEnd type="none" w="med" len="med"/>
+                    </a:lnT>
+                    <a:lnB w="12700" cap="flat" cmpd="sng" algn="ctr">
+                      <a:solidFill>
+                        <a:schemeClr val="tx1"/>
+                      </a:solidFill>
+                      <a:prstDash val="solid"/>
+                      <a:round/>
+                      <a:headEnd type="none" w="med" len="med"/>
+                      <a:tailEnd type="none" w="med" len="med"/>
+                    </a:lnB>
+                  </a:tcPr>
+                </a:tc>
+                <a:tc>
+                  <a:txBody>
+                    <a:bodyPr/>
+                    <a:lstStyle/>
+                    <a:p>
+                      <a:r>
+                        <a:rPr lang="en-US" sz="1000" dirty="0"/>
+                        <a:t>0</a:t>
+                      </a:r>
+                    </a:p>
+                  </a:txBody>
+                  <a:tcPr>
+                    <a:lnL w="12700" cap="flat" cmpd="sng" algn="ctr">
+                      <a:solidFill>
+                        <a:schemeClr val="tx1"/>
+                      </a:solidFill>
+                      <a:prstDash val="solid"/>
+                      <a:round/>
+                      <a:headEnd type="none" w="med" len="med"/>
+                      <a:tailEnd type="none" w="med" len="med"/>
+                    </a:lnL>
+                    <a:lnR w="12700" cap="flat" cmpd="sng" algn="ctr">
+                      <a:solidFill>
+                        <a:schemeClr val="tx1"/>
+                      </a:solidFill>
+                      <a:prstDash val="solid"/>
+                      <a:round/>
+                      <a:headEnd type="none" w="med" len="med"/>
+                      <a:tailEnd type="none" w="med" len="med"/>
+                    </a:lnR>
+                    <a:lnT w="12700" cap="flat" cmpd="sng" algn="ctr">
+                      <a:solidFill>
+                        <a:schemeClr val="tx1"/>
+                      </a:solidFill>
+                      <a:prstDash val="solid"/>
+                      <a:round/>
+                      <a:headEnd type="none" w="med" len="med"/>
+                      <a:tailEnd type="none" w="med" len="med"/>
+                    </a:lnT>
+                    <a:lnB w="12700" cap="flat" cmpd="sng" algn="ctr">
+                      <a:solidFill>
+                        <a:schemeClr val="tx1"/>
+                      </a:solidFill>
+                      <a:prstDash val="solid"/>
+                      <a:round/>
+                      <a:headEnd type="none" w="med" len="med"/>
+                      <a:tailEnd type="none" w="med" len="med"/>
+                    </a:lnB>
+                  </a:tcPr>
+                </a:tc>
+                <a:tc>
+                  <a:txBody>
+                    <a:bodyPr/>
+                    <a:lstStyle/>
+                    <a:p>
+                      <a:r>
+                        <a:rPr lang="en-US" sz="1000" dirty="0"/>
+                        <a:t>0</a:t>
+                      </a:r>
+                    </a:p>
+                  </a:txBody>
+                  <a:tcPr>
+                    <a:lnL w="12700" cap="flat" cmpd="sng" algn="ctr">
+                      <a:solidFill>
+                        <a:schemeClr val="tx1"/>
+                      </a:solidFill>
+                      <a:prstDash val="solid"/>
+                      <a:round/>
+                      <a:headEnd type="none" w="med" len="med"/>
+                      <a:tailEnd type="none" w="med" len="med"/>
+                    </a:lnL>
+                    <a:lnR w="12700" cap="flat" cmpd="sng" algn="ctr">
+                      <a:solidFill>
+                        <a:schemeClr val="tx1"/>
+                      </a:solidFill>
+                      <a:prstDash val="solid"/>
+                      <a:round/>
+                      <a:headEnd type="none" w="med" len="med"/>
+                      <a:tailEnd type="none" w="med" len="med"/>
+                    </a:lnR>
+                    <a:lnT w="12700" cap="flat" cmpd="sng" algn="ctr">
+                      <a:solidFill>
+                        <a:schemeClr val="tx1"/>
+                      </a:solidFill>
+                      <a:prstDash val="solid"/>
+                      <a:round/>
+                      <a:headEnd type="none" w="med" len="med"/>
+                      <a:tailEnd type="none" w="med" len="med"/>
+                    </a:lnT>
+                    <a:lnB w="12700" cap="flat" cmpd="sng" algn="ctr">
+                      <a:solidFill>
+                        <a:schemeClr val="tx1"/>
+                      </a:solidFill>
+                      <a:prstDash val="solid"/>
+                      <a:round/>
+                      <a:headEnd type="none" w="med" len="med"/>
+                      <a:tailEnd type="none" w="med" len="med"/>
+                    </a:lnB>
+                  </a:tcPr>
+                </a:tc>
+                <a:tc>
+                  <a:txBody>
+                    <a:bodyPr/>
+                    <a:lstStyle/>
+                    <a:p>
+                      <a:r>
+                        <a:rPr lang="en-US" sz="1000" dirty="0"/>
+                        <a:t>0</a:t>
+                      </a:r>
+                    </a:p>
+                  </a:txBody>
+                  <a:tcPr>
+                    <a:lnL w="12700" cap="flat" cmpd="sng" algn="ctr">
+                      <a:solidFill>
+                        <a:schemeClr val="tx1"/>
+                      </a:solidFill>
+                      <a:prstDash val="solid"/>
+                      <a:round/>
+                      <a:headEnd type="none" w="med" len="med"/>
+                      <a:tailEnd type="none" w="med" len="med"/>
+                    </a:lnL>
+                    <a:lnR w="12700" cap="flat" cmpd="sng" algn="ctr">
+                      <a:solidFill>
+                        <a:schemeClr val="tx1"/>
+                      </a:solidFill>
+                      <a:prstDash val="solid"/>
+                      <a:round/>
+                      <a:headEnd type="none" w="med" len="med"/>
+                      <a:tailEnd type="none" w="med" len="med"/>
+                    </a:lnR>
+                    <a:lnT w="12700" cap="flat" cmpd="sng" algn="ctr">
+                      <a:solidFill>
+                        <a:schemeClr val="tx1"/>
+                      </a:solidFill>
+                      <a:prstDash val="solid"/>
+                      <a:round/>
+                      <a:headEnd type="none" w="med" len="med"/>
+                      <a:tailEnd type="none" w="med" len="med"/>
+                    </a:lnT>
+                    <a:lnB w="12700" cap="flat" cmpd="sng" algn="ctr">
+                      <a:solidFill>
+                        <a:schemeClr val="tx1"/>
+                      </a:solidFill>
+                      <a:prstDash val="solid"/>
+                      <a:round/>
+                      <a:headEnd type="none" w="med" len="med"/>
+                      <a:tailEnd type="none" w="med" len="med"/>
+                    </a:lnB>
+                  </a:tcPr>
+                </a:tc>
+                <a:tc>
+                  <a:txBody>
+                    <a:bodyPr/>
+                    <a:lstStyle/>
+                    <a:p>
+                      <a:r>
+                        <a:rPr lang="en-US" sz="1000" dirty="0">
+                          <a:solidFill>
+                            <a:schemeClr val="bg2"/>
+                          </a:solidFill>
+                        </a:rPr>
+                        <a:t>1</a:t>
+                      </a:r>
+                    </a:p>
+                  </a:txBody>
+                  <a:tcPr>
+                    <a:lnL w="12700" cap="flat" cmpd="sng" algn="ctr">
+                      <a:solidFill>
+                        <a:schemeClr val="tx1"/>
+                      </a:solidFill>
+                      <a:prstDash val="solid"/>
+                      <a:round/>
+                      <a:headEnd type="none" w="med" len="med"/>
+                      <a:tailEnd type="none" w="med" len="med"/>
+                    </a:lnL>
+                    <a:lnR w="12700" cap="flat" cmpd="sng" algn="ctr">
+                      <a:solidFill>
+                        <a:schemeClr val="tx1"/>
+                      </a:solidFill>
+                      <a:prstDash val="solid"/>
+                      <a:round/>
+                      <a:headEnd type="none" w="med" len="med"/>
+                      <a:tailEnd type="none" w="med" len="med"/>
+                    </a:lnR>
+                    <a:lnT w="12700" cap="flat" cmpd="sng" algn="ctr">
+                      <a:solidFill>
+                        <a:schemeClr val="tx1"/>
+                      </a:solidFill>
+                      <a:prstDash val="solid"/>
+                      <a:round/>
+                      <a:headEnd type="none" w="med" len="med"/>
+                      <a:tailEnd type="none" w="med" len="med"/>
+                    </a:lnT>
+                    <a:lnB w="12700" cap="flat" cmpd="sng" algn="ctr">
+                      <a:solidFill>
+                        <a:schemeClr val="tx1"/>
+                      </a:solidFill>
+                      <a:prstDash val="solid"/>
+                      <a:round/>
+                      <a:headEnd type="none" w="med" len="med"/>
+                      <a:tailEnd type="none" w="med" len="med"/>
+                    </a:lnB>
+                  </a:tcPr>
+                </a:tc>
+                <a:extLst>
+                  <a:ext uri="{0D108BD9-81ED-4DB2-BD59-A6C34878D82A}">
+                    <a16:rowId xmlns:a16="http://schemas.microsoft.com/office/drawing/2014/main" val="346739431"/>
+                  </a:ext>
+                </a:extLst>
+              </a:tr>
+            </a:tbl>
+          </a:graphicData>
+        </a:graphic>
+      </p:graphicFrame>
       <p:sp>
         <p:nvSpPr>
-          <p:cNvPr id="14" name="RS_Classification_Standard"/>
+          <p:cNvPr id="28" name="TextBox 27"/>
+          <p:cNvSpPr txBox="1"/>
+          <p:nvPr/>
+        </p:nvSpPr>
+        <p:spPr>
+          <a:xfrm>
+            <a:off x="811110" y="4590221"/>
+            <a:ext cx="1622624" cy="553998"/>
+          </a:xfrm>
+          <a:prstGeom prst="rect">
+            <a:avLst/>
+          </a:prstGeom>
+          <a:noFill/>
+        </p:spPr>
+        <p:txBody>
+          <a:bodyPr wrap="square" rtlCol="0">
+            <a:spAutoFit/>
+          </a:bodyPr>
+          <a:lstStyle/>
+          <a:p>
+            <a:r>
+              <a:rPr lang="en-US" sz="1000" dirty="0"/>
+              <a:t>Each row represents 8 bit integer representing one info bit. </a:t>
+            </a:r>
+          </a:p>
+        </p:txBody>
+      </p:sp>
+      <p:cxnSp>
+        <p:nvCxnSpPr>
+          <p:cNvPr id="29" name="Straight Arrow Connector 28"/>
+          <p:cNvCxnSpPr/>
+          <p:nvPr/>
+        </p:nvCxnSpPr>
+        <p:spPr>
+          <a:xfrm flipV="1">
+            <a:off x="2356249" y="4761094"/>
+            <a:ext cx="362869" cy="129"/>
+          </a:xfrm>
+          <a:prstGeom prst="straightConnector1">
+            <a:avLst/>
+          </a:prstGeom>
+          <a:ln w="38100">
+            <a:tailEnd type="triangle"/>
+          </a:ln>
+        </p:spPr>
+        <p:style>
+          <a:lnRef idx="1">
+            <a:schemeClr val="accent1"/>
+          </a:lnRef>
+          <a:fillRef idx="0">
+            <a:schemeClr val="accent1"/>
+          </a:fillRef>
+          <a:effectRef idx="0">
+            <a:schemeClr val="accent1"/>
+          </a:effectRef>
+          <a:fontRef idx="minor">
+            <a:schemeClr val="tx1"/>
+          </a:fontRef>
+        </p:style>
+      </p:cxnSp>
+      <p:sp>
+        <p:nvSpPr>
+          <p:cNvPr id="31" name="Right Arrow 30"/>
+          <p:cNvSpPr/>
+          <p:nvPr/>
+        </p:nvSpPr>
+        <p:spPr>
+          <a:xfrm>
+            <a:off x="4499207" y="5508345"/>
+            <a:ext cx="946376" cy="314554"/>
+          </a:xfrm>
+          <a:prstGeom prst="rightArrow">
+            <a:avLst/>
+          </a:prstGeom>
+          <a:ln>
+            <a:noFill/>
+          </a:ln>
+        </p:spPr>
+        <p:style>
+          <a:lnRef idx="2">
+            <a:schemeClr val="accent1">
+              <a:shade val="50000"/>
+            </a:schemeClr>
+          </a:lnRef>
+          <a:fillRef idx="1">
+            <a:schemeClr val="accent1"/>
+          </a:fillRef>
+          <a:effectRef idx="0">
+            <a:schemeClr val="accent1"/>
+          </a:effectRef>
+          <a:fontRef idx="minor">
+            <a:schemeClr val="lt1"/>
+          </a:fontRef>
+        </p:style>
+        <p:txBody>
+          <a:bodyPr rtlCol="0" anchor="t"/>
+          <a:lstStyle/>
+          <a:p>
+            <a:pPr algn="ctr"/>
+            <a:endParaRPr lang="en-US" sz="1500" dirty="0" err="1"/>
+          </a:p>
+        </p:txBody>
+      </p:sp>
+      <p:sp>
+        <p:nvSpPr>
+          <p:cNvPr id="32" name="TextBox 31"/>
+          <p:cNvSpPr txBox="1"/>
+          <p:nvPr/>
+        </p:nvSpPr>
+        <p:spPr>
+          <a:xfrm>
+            <a:off x="4339066" y="4284971"/>
+            <a:ext cx="2284801" cy="246221"/>
+          </a:xfrm>
+          <a:prstGeom prst="rect">
+            <a:avLst/>
+          </a:prstGeom>
+          <a:noFill/>
+        </p:spPr>
+        <p:txBody>
+          <a:bodyPr wrap="square" rtlCol="0">
+            <a:spAutoFit/>
+          </a:bodyPr>
+          <a:lstStyle/>
+          <a:p>
+            <a:r>
+              <a:rPr lang="en-US" sz="1000" dirty="0"/>
+              <a:t>Only last column contains info bits</a:t>
+            </a:r>
+          </a:p>
+        </p:txBody>
+      </p:sp>
+      <p:cxnSp>
+        <p:nvCxnSpPr>
+          <p:cNvPr id="33" name="Straight Arrow Connector 32"/>
+          <p:cNvCxnSpPr/>
+          <p:nvPr/>
+        </p:nvCxnSpPr>
+        <p:spPr>
+          <a:xfrm>
+            <a:off x="4298065" y="4284971"/>
+            <a:ext cx="0" cy="305250"/>
+          </a:xfrm>
+          <a:prstGeom prst="straightConnector1">
+            <a:avLst/>
+          </a:prstGeom>
+          <a:ln w="38100">
+            <a:tailEnd type="triangle"/>
+          </a:ln>
+        </p:spPr>
+        <p:style>
+          <a:lnRef idx="1">
+            <a:schemeClr val="accent1"/>
+          </a:lnRef>
+          <a:fillRef idx="0">
+            <a:schemeClr val="accent1"/>
+          </a:fillRef>
+          <a:effectRef idx="0">
+            <a:schemeClr val="accent1"/>
+          </a:effectRef>
+          <a:fontRef idx="minor">
+            <a:schemeClr val="tx1"/>
+          </a:fontRef>
+        </p:style>
+      </p:cxnSp>
+      <p:graphicFrame>
+        <p:nvGraphicFramePr>
+          <p:cNvPr id="36" name="Table 35"/>
+          <p:cNvGraphicFramePr>
+            <a:graphicFrameLocks noGrp="1"/>
+          </p:cNvGraphicFramePr>
+          <p:nvPr>
+            <p:extLst>
+              <p:ext uri="{D42A27DB-BD31-4B8C-83A1-F6EECF244321}">
+                <p14:modId xmlns:p14="http://schemas.microsoft.com/office/powerpoint/2010/main" val="741040504"/>
+              </p:ext>
+            </p:extLst>
+          </p:nvPr>
+        </p:nvGraphicFramePr>
+        <p:xfrm>
+          <a:off x="5593377" y="5543702"/>
+          <a:ext cx="1743872" cy="243840"/>
+        </p:xfrm>
+        <a:graphic>
+          <a:graphicData uri="http://schemas.openxmlformats.org/drawingml/2006/table">
+            <a:tbl>
+              <a:tblPr firstRow="1" bandRow="1">
+                <a:tableStyleId>{2D5ABB26-0587-4C30-8999-92F81FD0307C}</a:tableStyleId>
+              </a:tblPr>
+              <a:tblGrid>
+                <a:gridCol w="217984">
+                  <a:extLst>
+                    <a:ext uri="{9D8B030D-6E8A-4147-A177-3AD203B41FA5}">
+                      <a16:colId xmlns:a16="http://schemas.microsoft.com/office/drawing/2014/main" val="2280016881"/>
+                    </a:ext>
+                  </a:extLst>
+                </a:gridCol>
+                <a:gridCol w="217984">
+                  <a:extLst>
+                    <a:ext uri="{9D8B030D-6E8A-4147-A177-3AD203B41FA5}">
+                      <a16:colId xmlns:a16="http://schemas.microsoft.com/office/drawing/2014/main" val="3908149629"/>
+                    </a:ext>
+                  </a:extLst>
+                </a:gridCol>
+                <a:gridCol w="217984">
+                  <a:extLst>
+                    <a:ext uri="{9D8B030D-6E8A-4147-A177-3AD203B41FA5}">
+                      <a16:colId xmlns:a16="http://schemas.microsoft.com/office/drawing/2014/main" val="2169261290"/>
+                    </a:ext>
+                  </a:extLst>
+                </a:gridCol>
+                <a:gridCol w="217984">
+                  <a:extLst>
+                    <a:ext uri="{9D8B030D-6E8A-4147-A177-3AD203B41FA5}">
+                      <a16:colId xmlns:a16="http://schemas.microsoft.com/office/drawing/2014/main" val="3845126130"/>
+                    </a:ext>
+                  </a:extLst>
+                </a:gridCol>
+                <a:gridCol w="217984">
+                  <a:extLst>
+                    <a:ext uri="{9D8B030D-6E8A-4147-A177-3AD203B41FA5}">
+                      <a16:colId xmlns:a16="http://schemas.microsoft.com/office/drawing/2014/main" val="3332483309"/>
+                    </a:ext>
+                  </a:extLst>
+                </a:gridCol>
+                <a:gridCol w="217984">
+                  <a:extLst>
+                    <a:ext uri="{9D8B030D-6E8A-4147-A177-3AD203B41FA5}">
+                      <a16:colId xmlns:a16="http://schemas.microsoft.com/office/drawing/2014/main" val="1261234340"/>
+                    </a:ext>
+                  </a:extLst>
+                </a:gridCol>
+                <a:gridCol w="217984">
+                  <a:extLst>
+                    <a:ext uri="{9D8B030D-6E8A-4147-A177-3AD203B41FA5}">
+                      <a16:colId xmlns:a16="http://schemas.microsoft.com/office/drawing/2014/main" val="148710499"/>
+                    </a:ext>
+                  </a:extLst>
+                </a:gridCol>
+                <a:gridCol w="217984">
+                  <a:extLst>
+                    <a:ext uri="{9D8B030D-6E8A-4147-A177-3AD203B41FA5}">
+                      <a16:colId xmlns:a16="http://schemas.microsoft.com/office/drawing/2014/main" val="202493747"/>
+                    </a:ext>
+                  </a:extLst>
+                </a:gridCol>
+              </a:tblGrid>
+              <a:tr h="136666">
+                <a:tc>
+                  <a:txBody>
+                    <a:bodyPr/>
+                    <a:lstStyle/>
+                    <a:p>
+                      <a:r>
+                        <a:rPr lang="en-US" sz="1000" dirty="0">
+                          <a:solidFill>
+                            <a:schemeClr val="bg2"/>
+                          </a:solidFill>
+                        </a:rPr>
+                        <a:t>1</a:t>
+                      </a:r>
+                    </a:p>
+                  </a:txBody>
+                  <a:tcPr>
+                    <a:lnL w="12700" cap="flat" cmpd="sng" algn="ctr">
+                      <a:solidFill>
+                        <a:schemeClr val="tx1"/>
+                      </a:solidFill>
+                      <a:prstDash val="solid"/>
+                      <a:round/>
+                      <a:headEnd type="none" w="med" len="med"/>
+                      <a:tailEnd type="none" w="med" len="med"/>
+                    </a:lnL>
+                    <a:lnR w="12700" cap="flat" cmpd="sng" algn="ctr">
+                      <a:solidFill>
+                        <a:schemeClr val="tx1"/>
+                      </a:solidFill>
+                      <a:prstDash val="solid"/>
+                      <a:round/>
+                      <a:headEnd type="none" w="med" len="med"/>
+                      <a:tailEnd type="none" w="med" len="med"/>
+                    </a:lnR>
+                    <a:lnT w="12700" cap="flat" cmpd="sng" algn="ctr">
+                      <a:solidFill>
+                        <a:schemeClr val="tx1"/>
+                      </a:solidFill>
+                      <a:prstDash val="solid"/>
+                      <a:round/>
+                      <a:headEnd type="none" w="med" len="med"/>
+                      <a:tailEnd type="none" w="med" len="med"/>
+                    </a:lnT>
+                    <a:lnB w="12700" cap="flat" cmpd="sng" algn="ctr">
+                      <a:solidFill>
+                        <a:schemeClr val="tx1"/>
+                      </a:solidFill>
+                      <a:prstDash val="solid"/>
+                      <a:round/>
+                      <a:headEnd type="none" w="med" len="med"/>
+                      <a:tailEnd type="none" w="med" len="med"/>
+                    </a:lnB>
+                  </a:tcPr>
+                </a:tc>
+                <a:tc>
+                  <a:txBody>
+                    <a:bodyPr/>
+                    <a:lstStyle/>
+                    <a:p>
+                      <a:r>
+                        <a:rPr lang="en-US" sz="1000" dirty="0">
+                          <a:solidFill>
+                            <a:schemeClr val="bg2"/>
+                          </a:solidFill>
+                        </a:rPr>
+                        <a:t>0</a:t>
+                      </a:r>
+                    </a:p>
+                  </a:txBody>
+                  <a:tcPr>
+                    <a:lnL w="12700" cap="flat" cmpd="sng" algn="ctr">
+                      <a:solidFill>
+                        <a:schemeClr val="tx1"/>
+                      </a:solidFill>
+                      <a:prstDash val="solid"/>
+                      <a:round/>
+                      <a:headEnd type="none" w="med" len="med"/>
+                      <a:tailEnd type="none" w="med" len="med"/>
+                    </a:lnL>
+                    <a:lnR w="12700" cap="flat" cmpd="sng" algn="ctr">
+                      <a:solidFill>
+                        <a:schemeClr val="tx1"/>
+                      </a:solidFill>
+                      <a:prstDash val="solid"/>
+                      <a:round/>
+                      <a:headEnd type="none" w="med" len="med"/>
+                      <a:tailEnd type="none" w="med" len="med"/>
+                    </a:lnR>
+                    <a:lnT w="12700" cap="flat" cmpd="sng" algn="ctr">
+                      <a:solidFill>
+                        <a:schemeClr val="tx1"/>
+                      </a:solidFill>
+                      <a:prstDash val="solid"/>
+                      <a:round/>
+                      <a:headEnd type="none" w="med" len="med"/>
+                      <a:tailEnd type="none" w="med" len="med"/>
+                    </a:lnT>
+                    <a:lnB w="12700" cap="flat" cmpd="sng" algn="ctr">
+                      <a:solidFill>
+                        <a:schemeClr val="tx1"/>
+                      </a:solidFill>
+                      <a:prstDash val="solid"/>
+                      <a:round/>
+                      <a:headEnd type="none" w="med" len="med"/>
+                      <a:tailEnd type="none" w="med" len="med"/>
+                    </a:lnB>
+                  </a:tcPr>
+                </a:tc>
+                <a:tc>
+                  <a:txBody>
+                    <a:bodyPr/>
+                    <a:lstStyle/>
+                    <a:p>
+                      <a:r>
+                        <a:rPr lang="en-US" sz="1000" dirty="0">
+                          <a:solidFill>
+                            <a:schemeClr val="bg2"/>
+                          </a:solidFill>
+                        </a:rPr>
+                        <a:t>0</a:t>
+                      </a:r>
+                    </a:p>
+                  </a:txBody>
+                  <a:tcPr>
+                    <a:lnL w="12700" cap="flat" cmpd="sng" algn="ctr">
+                      <a:solidFill>
+                        <a:schemeClr val="tx1"/>
+                      </a:solidFill>
+                      <a:prstDash val="solid"/>
+                      <a:round/>
+                      <a:headEnd type="none" w="med" len="med"/>
+                      <a:tailEnd type="none" w="med" len="med"/>
+                    </a:lnL>
+                    <a:lnR w="12700" cap="flat" cmpd="sng" algn="ctr">
+                      <a:solidFill>
+                        <a:schemeClr val="tx1"/>
+                      </a:solidFill>
+                      <a:prstDash val="solid"/>
+                      <a:round/>
+                      <a:headEnd type="none" w="med" len="med"/>
+                      <a:tailEnd type="none" w="med" len="med"/>
+                    </a:lnR>
+                    <a:lnT w="12700" cap="flat" cmpd="sng" algn="ctr">
+                      <a:solidFill>
+                        <a:schemeClr val="tx1"/>
+                      </a:solidFill>
+                      <a:prstDash val="solid"/>
+                      <a:round/>
+                      <a:headEnd type="none" w="med" len="med"/>
+                      <a:tailEnd type="none" w="med" len="med"/>
+                    </a:lnT>
+                    <a:lnB w="12700" cap="flat" cmpd="sng" algn="ctr">
+                      <a:solidFill>
+                        <a:schemeClr val="tx1"/>
+                      </a:solidFill>
+                      <a:prstDash val="solid"/>
+                      <a:round/>
+                      <a:headEnd type="none" w="med" len="med"/>
+                      <a:tailEnd type="none" w="med" len="med"/>
+                    </a:lnB>
+                  </a:tcPr>
+                </a:tc>
+                <a:tc>
+                  <a:txBody>
+                    <a:bodyPr/>
+                    <a:lstStyle/>
+                    <a:p>
+                      <a:r>
+                        <a:rPr lang="en-US" sz="1000" dirty="0">
+                          <a:solidFill>
+                            <a:schemeClr val="bg2"/>
+                          </a:solidFill>
+                        </a:rPr>
+                        <a:t>1</a:t>
+                      </a:r>
+                    </a:p>
+                  </a:txBody>
+                  <a:tcPr>
+                    <a:lnL w="12700" cap="flat" cmpd="sng" algn="ctr">
+                      <a:solidFill>
+                        <a:schemeClr val="tx1"/>
+                      </a:solidFill>
+                      <a:prstDash val="solid"/>
+                      <a:round/>
+                      <a:headEnd type="none" w="med" len="med"/>
+                      <a:tailEnd type="none" w="med" len="med"/>
+                    </a:lnL>
+                    <a:lnR w="12700" cap="flat" cmpd="sng" algn="ctr">
+                      <a:solidFill>
+                        <a:schemeClr val="tx1"/>
+                      </a:solidFill>
+                      <a:prstDash val="solid"/>
+                      <a:round/>
+                      <a:headEnd type="none" w="med" len="med"/>
+                      <a:tailEnd type="none" w="med" len="med"/>
+                    </a:lnR>
+                    <a:lnT w="12700" cap="flat" cmpd="sng" algn="ctr">
+                      <a:solidFill>
+                        <a:schemeClr val="tx1"/>
+                      </a:solidFill>
+                      <a:prstDash val="solid"/>
+                      <a:round/>
+                      <a:headEnd type="none" w="med" len="med"/>
+                      <a:tailEnd type="none" w="med" len="med"/>
+                    </a:lnT>
+                    <a:lnB w="12700" cap="flat" cmpd="sng" algn="ctr">
+                      <a:solidFill>
+                        <a:schemeClr val="tx1"/>
+                      </a:solidFill>
+                      <a:prstDash val="solid"/>
+                      <a:round/>
+                      <a:headEnd type="none" w="med" len="med"/>
+                      <a:tailEnd type="none" w="med" len="med"/>
+                    </a:lnB>
+                  </a:tcPr>
+                </a:tc>
+                <a:tc>
+                  <a:txBody>
+                    <a:bodyPr/>
+                    <a:lstStyle/>
+                    <a:p>
+                      <a:r>
+                        <a:rPr lang="en-US" sz="1000" dirty="0">
+                          <a:solidFill>
+                            <a:schemeClr val="bg2"/>
+                          </a:solidFill>
+                        </a:rPr>
+                        <a:t>0</a:t>
+                      </a:r>
+                    </a:p>
+                  </a:txBody>
+                  <a:tcPr>
+                    <a:lnL w="12700" cap="flat" cmpd="sng" algn="ctr">
+                      <a:solidFill>
+                        <a:schemeClr val="tx1"/>
+                      </a:solidFill>
+                      <a:prstDash val="solid"/>
+                      <a:round/>
+                      <a:headEnd type="none" w="med" len="med"/>
+                      <a:tailEnd type="none" w="med" len="med"/>
+                    </a:lnL>
+                    <a:lnR w="12700" cap="flat" cmpd="sng" algn="ctr">
+                      <a:solidFill>
+                        <a:schemeClr val="tx1"/>
+                      </a:solidFill>
+                      <a:prstDash val="solid"/>
+                      <a:round/>
+                      <a:headEnd type="none" w="med" len="med"/>
+                      <a:tailEnd type="none" w="med" len="med"/>
+                    </a:lnR>
+                    <a:lnT w="12700" cap="flat" cmpd="sng" algn="ctr">
+                      <a:solidFill>
+                        <a:schemeClr val="tx1"/>
+                      </a:solidFill>
+                      <a:prstDash val="solid"/>
+                      <a:round/>
+                      <a:headEnd type="none" w="med" len="med"/>
+                      <a:tailEnd type="none" w="med" len="med"/>
+                    </a:lnT>
+                    <a:lnB w="12700" cap="flat" cmpd="sng" algn="ctr">
+                      <a:solidFill>
+                        <a:schemeClr val="tx1"/>
+                      </a:solidFill>
+                      <a:prstDash val="solid"/>
+                      <a:round/>
+                      <a:headEnd type="none" w="med" len="med"/>
+                      <a:tailEnd type="none" w="med" len="med"/>
+                    </a:lnB>
+                  </a:tcPr>
+                </a:tc>
+                <a:tc>
+                  <a:txBody>
+                    <a:bodyPr/>
+                    <a:lstStyle/>
+                    <a:p>
+                      <a:r>
+                        <a:rPr lang="en-US" sz="1000" dirty="0">
+                          <a:solidFill>
+                            <a:schemeClr val="bg2"/>
+                          </a:solidFill>
+                        </a:rPr>
+                        <a:t>0</a:t>
+                      </a:r>
+                    </a:p>
+                  </a:txBody>
+                  <a:tcPr>
+                    <a:lnL w="12700" cap="flat" cmpd="sng" algn="ctr">
+                      <a:solidFill>
+                        <a:schemeClr val="tx1"/>
+                      </a:solidFill>
+                      <a:prstDash val="solid"/>
+                      <a:round/>
+                      <a:headEnd type="none" w="med" len="med"/>
+                      <a:tailEnd type="none" w="med" len="med"/>
+                    </a:lnL>
+                    <a:lnR w="12700" cap="flat" cmpd="sng" algn="ctr">
+                      <a:solidFill>
+                        <a:schemeClr val="tx1"/>
+                      </a:solidFill>
+                      <a:prstDash val="solid"/>
+                      <a:round/>
+                      <a:headEnd type="none" w="med" len="med"/>
+                      <a:tailEnd type="none" w="med" len="med"/>
+                    </a:lnR>
+                    <a:lnT w="12700" cap="flat" cmpd="sng" algn="ctr">
+                      <a:solidFill>
+                        <a:schemeClr val="tx1"/>
+                      </a:solidFill>
+                      <a:prstDash val="solid"/>
+                      <a:round/>
+                      <a:headEnd type="none" w="med" len="med"/>
+                      <a:tailEnd type="none" w="med" len="med"/>
+                    </a:lnT>
+                    <a:lnB w="12700" cap="flat" cmpd="sng" algn="ctr">
+                      <a:solidFill>
+                        <a:schemeClr val="tx1"/>
+                      </a:solidFill>
+                      <a:prstDash val="solid"/>
+                      <a:round/>
+                      <a:headEnd type="none" w="med" len="med"/>
+                      <a:tailEnd type="none" w="med" len="med"/>
+                    </a:lnB>
+                  </a:tcPr>
+                </a:tc>
+                <a:tc>
+                  <a:txBody>
+                    <a:bodyPr/>
+                    <a:lstStyle/>
+                    <a:p>
+                      <a:r>
+                        <a:rPr lang="en-US" sz="1000" dirty="0">
+                          <a:solidFill>
+                            <a:schemeClr val="bg2"/>
+                          </a:solidFill>
+                        </a:rPr>
+                        <a:t>1</a:t>
+                      </a:r>
+                    </a:p>
+                  </a:txBody>
+                  <a:tcPr>
+                    <a:lnL w="12700" cap="flat" cmpd="sng" algn="ctr">
+                      <a:solidFill>
+                        <a:schemeClr val="tx1"/>
+                      </a:solidFill>
+                      <a:prstDash val="solid"/>
+                      <a:round/>
+                      <a:headEnd type="none" w="med" len="med"/>
+                      <a:tailEnd type="none" w="med" len="med"/>
+                    </a:lnL>
+                    <a:lnR w="12700" cap="flat" cmpd="sng" algn="ctr">
+                      <a:solidFill>
+                        <a:schemeClr val="tx1"/>
+                      </a:solidFill>
+                      <a:prstDash val="solid"/>
+                      <a:round/>
+                      <a:headEnd type="none" w="med" len="med"/>
+                      <a:tailEnd type="none" w="med" len="med"/>
+                    </a:lnR>
+                    <a:lnT w="12700" cap="flat" cmpd="sng" algn="ctr">
+                      <a:solidFill>
+                        <a:schemeClr val="tx1"/>
+                      </a:solidFill>
+                      <a:prstDash val="solid"/>
+                      <a:round/>
+                      <a:headEnd type="none" w="med" len="med"/>
+                      <a:tailEnd type="none" w="med" len="med"/>
+                    </a:lnT>
+                    <a:lnB w="12700" cap="flat" cmpd="sng" algn="ctr">
+                      <a:solidFill>
+                        <a:schemeClr val="tx1"/>
+                      </a:solidFill>
+                      <a:prstDash val="solid"/>
+                      <a:round/>
+                      <a:headEnd type="none" w="med" len="med"/>
+                      <a:tailEnd type="none" w="med" len="med"/>
+                    </a:lnB>
+                  </a:tcPr>
+                </a:tc>
+                <a:tc>
+                  <a:txBody>
+                    <a:bodyPr/>
+                    <a:lstStyle/>
+                    <a:p>
+                      <a:r>
+                        <a:rPr lang="en-US" sz="1000" dirty="0">
+                          <a:solidFill>
+                            <a:schemeClr val="bg2"/>
+                          </a:solidFill>
+                        </a:rPr>
+                        <a:t>1</a:t>
+                      </a:r>
+                    </a:p>
+                  </a:txBody>
+                  <a:tcPr>
+                    <a:lnL w="12700" cap="flat" cmpd="sng" algn="ctr">
+                      <a:solidFill>
+                        <a:schemeClr val="tx1"/>
+                      </a:solidFill>
+                      <a:prstDash val="solid"/>
+                      <a:round/>
+                      <a:headEnd type="none" w="med" len="med"/>
+                      <a:tailEnd type="none" w="med" len="med"/>
+                    </a:lnL>
+                    <a:lnR w="12700" cap="flat" cmpd="sng" algn="ctr">
+                      <a:solidFill>
+                        <a:schemeClr val="tx1"/>
+                      </a:solidFill>
+                      <a:prstDash val="solid"/>
+                      <a:round/>
+                      <a:headEnd type="none" w="med" len="med"/>
+                      <a:tailEnd type="none" w="med" len="med"/>
+                    </a:lnR>
+                    <a:lnT w="12700" cap="flat" cmpd="sng" algn="ctr">
+                      <a:solidFill>
+                        <a:schemeClr val="tx1"/>
+                      </a:solidFill>
+                      <a:prstDash val="solid"/>
+                      <a:round/>
+                      <a:headEnd type="none" w="med" len="med"/>
+                      <a:tailEnd type="none" w="med" len="med"/>
+                    </a:lnT>
+                    <a:lnB w="12700" cap="flat" cmpd="sng" algn="ctr">
+                      <a:solidFill>
+                        <a:schemeClr val="tx1"/>
+                      </a:solidFill>
+                      <a:prstDash val="solid"/>
+                      <a:round/>
+                      <a:headEnd type="none" w="med" len="med"/>
+                      <a:tailEnd type="none" w="med" len="med"/>
+                    </a:lnB>
+                  </a:tcPr>
+                </a:tc>
+                <a:extLst>
+                  <a:ext uri="{0D108BD9-81ED-4DB2-BD59-A6C34878D82A}">
+                    <a16:rowId xmlns:a16="http://schemas.microsoft.com/office/drawing/2014/main" val="3491471734"/>
+                  </a:ext>
+                </a:extLst>
+              </a:tr>
+            </a:tbl>
+          </a:graphicData>
+        </a:graphic>
+      </p:graphicFrame>
+      <p:sp>
+        <p:nvSpPr>
+          <p:cNvPr id="37" name="TextBox 36"/>
+          <p:cNvSpPr txBox="1"/>
+          <p:nvPr/>
+        </p:nvSpPr>
+        <p:spPr>
+          <a:xfrm>
+            <a:off x="5593377" y="5217452"/>
+            <a:ext cx="2101271" cy="246221"/>
+          </a:xfrm>
+          <a:prstGeom prst="rect">
+            <a:avLst/>
+          </a:prstGeom>
+          <a:noFill/>
+        </p:spPr>
+        <p:txBody>
+          <a:bodyPr wrap="square" rtlCol="0">
+            <a:spAutoFit/>
+          </a:bodyPr>
+          <a:lstStyle/>
+          <a:p>
+            <a:r>
+              <a:rPr lang="en-US" sz="1000" dirty="0"/>
+              <a:t>8 bits grouped as one integer.</a:t>
+            </a:r>
+          </a:p>
+        </p:txBody>
+      </p:sp>
+      <p:sp>
+        <p:nvSpPr>
+          <p:cNvPr id="454" name="RS_Classification_Standard"/>
           <p:cNvSpPr txBox="1"/>
           <p:nvPr/>
         </p:nvSpPr>
@@ -10739,6 +14880,13 @@
   <p:clrMapOvr>
     <a:masterClrMapping/>
   </p:clrMapOvr>
+  <p:timing>
+    <p:tnLst>
+      <p:par>
+        <p:cTn id="1" dur="indefinite" restart="never" nodeType="tmRoot"/>
+      </p:par>
+    </p:tnLst>
+  </p:timing>
 </p:sld>
 </file>
 
@@ -10828,14 +14976,14 @@
           <p:nvPr>
             <p:extLst>
               <p:ext uri="{D42A27DB-BD31-4B8C-83A1-F6EECF244321}">
-                <p14:modId xmlns:p14="http://schemas.microsoft.com/office/powerpoint/2010/main" val="3056769837"/>
+                <p14:modId xmlns:p14="http://schemas.microsoft.com/office/powerpoint/2010/main" val="4113616680"/>
               </p:ext>
             </p:extLst>
           </p:nvPr>
         </p:nvGraphicFramePr>
         <p:xfrm>
-          <a:off x="1052361" y="2048451"/>
-          <a:ext cx="2231640" cy="2926080"/>
+          <a:off x="1000584" y="2653219"/>
+          <a:ext cx="1666240" cy="1950720"/>
         </p:xfrm>
         <a:graphic>
           <a:graphicData uri="http://schemas.openxmlformats.org/drawingml/2006/table">
@@ -10844,56 +14992,56 @@
                 <a:tableStyleId>{2D5ABB26-0587-4C30-8999-92F81FD0307C}</a:tableStyleId>
               </a:tblPr>
               <a:tblGrid>
-                <a:gridCol w="278955">
+                <a:gridCol w="208280">
                   <a:extLst>
                     <a:ext uri="{9D8B030D-6E8A-4147-A177-3AD203B41FA5}">
                       <a16:colId xmlns:a16="http://schemas.microsoft.com/office/drawing/2014/main" val="1141767595"/>
                     </a:ext>
                   </a:extLst>
                 </a:gridCol>
-                <a:gridCol w="278955">
+                <a:gridCol w="208280">
                   <a:extLst>
                     <a:ext uri="{9D8B030D-6E8A-4147-A177-3AD203B41FA5}">
                       <a16:colId xmlns:a16="http://schemas.microsoft.com/office/drawing/2014/main" val="1633635590"/>
                     </a:ext>
                   </a:extLst>
                 </a:gridCol>
-                <a:gridCol w="278955">
+                <a:gridCol w="208280">
                   <a:extLst>
                     <a:ext uri="{9D8B030D-6E8A-4147-A177-3AD203B41FA5}">
                       <a16:colId xmlns:a16="http://schemas.microsoft.com/office/drawing/2014/main" val="1021072937"/>
                     </a:ext>
                   </a:extLst>
                 </a:gridCol>
-                <a:gridCol w="278955">
+                <a:gridCol w="208280">
                   <a:extLst>
                     <a:ext uri="{9D8B030D-6E8A-4147-A177-3AD203B41FA5}">
                       <a16:colId xmlns:a16="http://schemas.microsoft.com/office/drawing/2014/main" val="1209856850"/>
                     </a:ext>
                   </a:extLst>
                 </a:gridCol>
-                <a:gridCol w="278955">
+                <a:gridCol w="208280">
                   <a:extLst>
                     <a:ext uri="{9D8B030D-6E8A-4147-A177-3AD203B41FA5}">
                       <a16:colId xmlns:a16="http://schemas.microsoft.com/office/drawing/2014/main" val="4213650456"/>
                     </a:ext>
                   </a:extLst>
                 </a:gridCol>
-                <a:gridCol w="278955">
+                <a:gridCol w="208280">
                   <a:extLst>
                     <a:ext uri="{9D8B030D-6E8A-4147-A177-3AD203B41FA5}">
                       <a16:colId xmlns:a16="http://schemas.microsoft.com/office/drawing/2014/main" val="155755104"/>
                     </a:ext>
                   </a:extLst>
                 </a:gridCol>
-                <a:gridCol w="278955">
+                <a:gridCol w="208280">
                   <a:extLst>
                     <a:ext uri="{9D8B030D-6E8A-4147-A177-3AD203B41FA5}">
                       <a16:colId xmlns:a16="http://schemas.microsoft.com/office/drawing/2014/main" val="2207118230"/>
                     </a:ext>
                   </a:extLst>
                 </a:gridCol>
-                <a:gridCol w="278955">
+                <a:gridCol w="208280">
                   <a:extLst>
                     <a:ext uri="{9D8B030D-6E8A-4147-A177-3AD203B41FA5}">
                       <a16:colId xmlns:a16="http://schemas.microsoft.com/office/drawing/2014/main" val="1827411247"/>
@@ -10901,14 +15049,14 @@
                   </a:extLst>
                 </a:gridCol>
               </a:tblGrid>
-              <a:tr h="317103">
+              <a:tr h="211007">
                 <a:tc>
                   <a:txBody>
                     <a:bodyPr/>
                     <a:lstStyle/>
                     <a:p>
                       <a:r>
-                        <a:rPr lang="en-US" dirty="0"/>
+                        <a:rPr lang="en-US" sz="1000" dirty="0"/>
                         <a:t>0</a:t>
                       </a:r>
                     </a:p>
@@ -10958,7 +15106,7 @@
                     <a:lstStyle/>
                     <a:p>
                       <a:r>
-                        <a:rPr lang="en-US" dirty="0"/>
+                        <a:rPr lang="en-US" sz="1000" dirty="0"/>
                         <a:t>0</a:t>
                       </a:r>
                     </a:p>
@@ -11008,7 +15156,7 @@
                     <a:lstStyle/>
                     <a:p>
                       <a:r>
-                        <a:rPr lang="en-US" dirty="0"/>
+                        <a:rPr lang="en-US" sz="1000" dirty="0"/>
                         <a:t>0</a:t>
                       </a:r>
                     </a:p>
@@ -11058,7 +15206,7 @@
                     <a:lstStyle/>
                     <a:p>
                       <a:r>
-                        <a:rPr lang="en-US" dirty="0"/>
+                        <a:rPr lang="en-US" sz="1000" dirty="0"/>
                         <a:t>0</a:t>
                       </a:r>
                     </a:p>
@@ -11108,7 +15256,7 @@
                     <a:lstStyle/>
                     <a:p>
                       <a:r>
-                        <a:rPr lang="en-US" dirty="0"/>
+                        <a:rPr lang="en-US" sz="1000" dirty="0"/>
                         <a:t>0</a:t>
                       </a:r>
                     </a:p>
@@ -11158,7 +15306,7 @@
                     <a:lstStyle/>
                     <a:p>
                       <a:r>
-                        <a:rPr lang="en-US" dirty="0"/>
+                        <a:rPr lang="en-US" sz="1000" dirty="0"/>
                         <a:t>0</a:t>
                       </a:r>
                     </a:p>
@@ -11208,7 +15356,7 @@
                     <a:lstStyle/>
                     <a:p>
                       <a:r>
-                        <a:rPr lang="en-US" dirty="0"/>
+                        <a:rPr lang="en-US" sz="1000" dirty="0"/>
                         <a:t>0</a:t>
                       </a:r>
                     </a:p>
@@ -11258,7 +15406,7 @@
                     <a:lstStyle/>
                     <a:p>
                       <a:r>
-                        <a:rPr lang="en-US" dirty="0">
+                        <a:rPr lang="en-US" sz="1000" dirty="0">
                           <a:solidFill>
                             <a:schemeClr val="bg2"/>
                           </a:solidFill>
@@ -11312,14 +15460,14 @@
                   </a:ext>
                 </a:extLst>
               </a:tr>
-              <a:tr h="317103">
+              <a:tr h="211007">
                 <a:tc>
                   <a:txBody>
                     <a:bodyPr/>
                     <a:lstStyle/>
                     <a:p>
                       <a:r>
-                        <a:rPr lang="en-US" dirty="0"/>
+                        <a:rPr lang="en-US" sz="1000" dirty="0"/>
                         <a:t>0</a:t>
                       </a:r>
                     </a:p>
@@ -11369,7 +15517,7 @@
                     <a:lstStyle/>
                     <a:p>
                       <a:r>
-                        <a:rPr lang="en-US" dirty="0"/>
+                        <a:rPr lang="en-US" sz="1000" dirty="0"/>
                         <a:t>0</a:t>
                       </a:r>
                     </a:p>
@@ -11419,7 +15567,7 @@
                     <a:lstStyle/>
                     <a:p>
                       <a:r>
-                        <a:rPr lang="en-US" dirty="0"/>
+                        <a:rPr lang="en-US" sz="1000" dirty="0"/>
                         <a:t>0</a:t>
                       </a:r>
                     </a:p>
@@ -11469,7 +15617,7 @@
                     <a:lstStyle/>
                     <a:p>
                       <a:r>
-                        <a:rPr lang="en-US" dirty="0"/>
+                        <a:rPr lang="en-US" sz="1000" dirty="0"/>
                         <a:t>0</a:t>
                       </a:r>
                     </a:p>
@@ -11519,7 +15667,7 @@
                     <a:lstStyle/>
                     <a:p>
                       <a:r>
-                        <a:rPr lang="en-US" dirty="0"/>
+                        <a:rPr lang="en-US" sz="1000" dirty="0"/>
                         <a:t>0</a:t>
                       </a:r>
                     </a:p>
@@ -11569,7 +15717,7 @@
                     <a:lstStyle/>
                     <a:p>
                       <a:r>
-                        <a:rPr lang="en-US" dirty="0"/>
+                        <a:rPr lang="en-US" sz="1000" dirty="0"/>
                         <a:t>0</a:t>
                       </a:r>
                     </a:p>
@@ -11619,7 +15767,7 @@
                     <a:lstStyle/>
                     <a:p>
                       <a:r>
-                        <a:rPr lang="en-US" dirty="0"/>
+                        <a:rPr lang="en-US" sz="1000" dirty="0"/>
                         <a:t>0</a:t>
                       </a:r>
                     </a:p>
@@ -11669,7 +15817,7 @@
                     <a:lstStyle/>
                     <a:p>
                       <a:r>
-                        <a:rPr lang="en-US" dirty="0">
+                        <a:rPr lang="en-US" sz="1000" dirty="0">
                           <a:solidFill>
                             <a:schemeClr val="bg2"/>
                           </a:solidFill>
@@ -11723,14 +15871,14 @@
                   </a:ext>
                 </a:extLst>
               </a:tr>
-              <a:tr h="317103">
+              <a:tr h="211007">
                 <a:tc>
                   <a:txBody>
                     <a:bodyPr/>
                     <a:lstStyle/>
                     <a:p>
                       <a:r>
-                        <a:rPr lang="en-US" dirty="0"/>
+                        <a:rPr lang="en-US" sz="1000" dirty="0"/>
                         <a:t>0</a:t>
                       </a:r>
                     </a:p>
@@ -11780,7 +15928,7 @@
                     <a:lstStyle/>
                     <a:p>
                       <a:r>
-                        <a:rPr lang="en-US" dirty="0"/>
+                        <a:rPr lang="en-US" sz="1000" dirty="0"/>
                         <a:t>0</a:t>
                       </a:r>
                     </a:p>
@@ -11830,7 +15978,7 @@
                     <a:lstStyle/>
                     <a:p>
                       <a:r>
-                        <a:rPr lang="en-US" dirty="0"/>
+                        <a:rPr lang="en-US" sz="1000" dirty="0"/>
                         <a:t>0</a:t>
                       </a:r>
                     </a:p>
@@ -11880,7 +16028,7 @@
                     <a:lstStyle/>
                     <a:p>
                       <a:r>
-                        <a:rPr lang="en-US" dirty="0"/>
+                        <a:rPr lang="en-US" sz="1000" dirty="0"/>
                         <a:t>0</a:t>
                       </a:r>
                     </a:p>
@@ -11930,7 +16078,7 @@
                     <a:lstStyle/>
                     <a:p>
                       <a:r>
-                        <a:rPr lang="en-US" dirty="0"/>
+                        <a:rPr lang="en-US" sz="1000" dirty="0"/>
                         <a:t>0</a:t>
                       </a:r>
                     </a:p>
@@ -11980,7 +16128,7 @@
                     <a:lstStyle/>
                     <a:p>
                       <a:r>
-                        <a:rPr lang="en-US" dirty="0"/>
+                        <a:rPr lang="en-US" sz="1000" dirty="0"/>
                         <a:t>0</a:t>
                       </a:r>
                     </a:p>
@@ -12030,7 +16178,7 @@
                     <a:lstStyle/>
                     <a:p>
                       <a:r>
-                        <a:rPr lang="en-US" dirty="0"/>
+                        <a:rPr lang="en-US" sz="1000" dirty="0"/>
                         <a:t>0</a:t>
                       </a:r>
                     </a:p>
@@ -12080,7 +16228,7 @@
                     <a:lstStyle/>
                     <a:p>
                       <a:r>
-                        <a:rPr lang="en-US" dirty="0">
+                        <a:rPr lang="en-US" sz="1000" dirty="0">
                           <a:solidFill>
                             <a:schemeClr val="bg2"/>
                           </a:solidFill>
@@ -12134,14 +16282,14 @@
                   </a:ext>
                 </a:extLst>
               </a:tr>
-              <a:tr h="317103">
+              <a:tr h="211007">
                 <a:tc>
                   <a:txBody>
                     <a:bodyPr/>
                     <a:lstStyle/>
                     <a:p>
                       <a:r>
-                        <a:rPr lang="en-US" dirty="0"/>
+                        <a:rPr lang="en-US" sz="1000" dirty="0"/>
                         <a:t>0</a:t>
                       </a:r>
                     </a:p>
@@ -12191,7 +16339,7 @@
                     <a:lstStyle/>
                     <a:p>
                       <a:r>
-                        <a:rPr lang="en-US" dirty="0"/>
+                        <a:rPr lang="en-US" sz="1000" dirty="0"/>
                         <a:t>0</a:t>
                       </a:r>
                     </a:p>
@@ -12241,7 +16389,7 @@
                     <a:lstStyle/>
                     <a:p>
                       <a:r>
-                        <a:rPr lang="en-US" dirty="0"/>
+                        <a:rPr lang="en-US" sz="1000" dirty="0"/>
                         <a:t>0</a:t>
                       </a:r>
                     </a:p>
@@ -12291,7 +16439,7 @@
                     <a:lstStyle/>
                     <a:p>
                       <a:r>
-                        <a:rPr lang="en-US" dirty="0"/>
+                        <a:rPr lang="en-US" sz="1000" dirty="0"/>
                         <a:t>0</a:t>
                       </a:r>
                     </a:p>
@@ -12341,7 +16489,7 @@
                     <a:lstStyle/>
                     <a:p>
                       <a:r>
-                        <a:rPr lang="en-US" dirty="0"/>
+                        <a:rPr lang="en-US" sz="1000" dirty="0"/>
                         <a:t>0</a:t>
                       </a:r>
                     </a:p>
@@ -12391,7 +16539,7 @@
                     <a:lstStyle/>
                     <a:p>
                       <a:r>
-                        <a:rPr lang="en-US" dirty="0"/>
+                        <a:rPr lang="en-US" sz="1000" dirty="0"/>
                         <a:t>0</a:t>
                       </a:r>
                     </a:p>
@@ -12441,7 +16589,7 @@
                     <a:lstStyle/>
                     <a:p>
                       <a:r>
-                        <a:rPr lang="en-US" dirty="0"/>
+                        <a:rPr lang="en-US" sz="1000" dirty="0"/>
                         <a:t>0</a:t>
                       </a:r>
                     </a:p>
@@ -12491,7 +16639,7 @@
                     <a:lstStyle/>
                     <a:p>
                       <a:r>
-                        <a:rPr lang="en-US" dirty="0">
+                        <a:rPr lang="en-US" sz="1000" dirty="0">
                           <a:solidFill>
                             <a:schemeClr val="bg2"/>
                           </a:solidFill>
@@ -12545,14 +16693,14 @@
                   </a:ext>
                 </a:extLst>
               </a:tr>
-              <a:tr h="317103">
+              <a:tr h="211007">
                 <a:tc>
                   <a:txBody>
                     <a:bodyPr/>
                     <a:lstStyle/>
                     <a:p>
                       <a:r>
-                        <a:rPr lang="en-US" dirty="0"/>
+                        <a:rPr lang="en-US" sz="1000" dirty="0"/>
                         <a:t>0</a:t>
                       </a:r>
                     </a:p>
@@ -12602,7 +16750,7 @@
                     <a:lstStyle/>
                     <a:p>
                       <a:r>
-                        <a:rPr lang="en-US" dirty="0"/>
+                        <a:rPr lang="en-US" sz="1000" dirty="0"/>
                         <a:t>0</a:t>
                       </a:r>
                     </a:p>
@@ -12652,7 +16800,7 @@
                     <a:lstStyle/>
                     <a:p>
                       <a:r>
-                        <a:rPr lang="en-US" dirty="0"/>
+                        <a:rPr lang="en-US" sz="1000" dirty="0"/>
                         <a:t>0</a:t>
                       </a:r>
                     </a:p>
@@ -12702,7 +16850,7 @@
                     <a:lstStyle/>
                     <a:p>
                       <a:r>
-                        <a:rPr lang="en-US" dirty="0"/>
+                        <a:rPr lang="en-US" sz="1000" dirty="0"/>
                         <a:t>0</a:t>
                       </a:r>
                     </a:p>
@@ -12752,7 +16900,7 @@
                     <a:lstStyle/>
                     <a:p>
                       <a:r>
-                        <a:rPr lang="en-US" dirty="0"/>
+                        <a:rPr lang="en-US" sz="1000" dirty="0"/>
                         <a:t>0</a:t>
                       </a:r>
                     </a:p>
@@ -12802,7 +16950,7 @@
                     <a:lstStyle/>
                     <a:p>
                       <a:r>
-                        <a:rPr lang="en-US" dirty="0"/>
+                        <a:rPr lang="en-US" sz="1000" dirty="0"/>
                         <a:t>0</a:t>
                       </a:r>
                     </a:p>
@@ -12852,7 +17000,7 @@
                     <a:lstStyle/>
                     <a:p>
                       <a:r>
-                        <a:rPr lang="en-US" dirty="0"/>
+                        <a:rPr lang="en-US" sz="1000" dirty="0"/>
                         <a:t>0</a:t>
                       </a:r>
                     </a:p>
@@ -12902,7 +17050,7 @@
                     <a:lstStyle/>
                     <a:p>
                       <a:r>
-                        <a:rPr lang="en-US" dirty="0">
+                        <a:rPr lang="en-US" sz="1000" dirty="0">
                           <a:solidFill>
                             <a:schemeClr val="bg2"/>
                           </a:solidFill>
@@ -12956,14 +17104,14 @@
                   </a:ext>
                 </a:extLst>
               </a:tr>
-              <a:tr h="317103">
+              <a:tr h="211007">
                 <a:tc>
                   <a:txBody>
                     <a:bodyPr/>
                     <a:lstStyle/>
                     <a:p>
                       <a:r>
-                        <a:rPr lang="en-US" dirty="0"/>
+                        <a:rPr lang="en-US" sz="1000" dirty="0"/>
                         <a:t>0</a:t>
                       </a:r>
                     </a:p>
@@ -13013,7 +17161,7 @@
                     <a:lstStyle/>
                     <a:p>
                       <a:r>
-                        <a:rPr lang="en-US" dirty="0"/>
+                        <a:rPr lang="en-US" sz="1000" dirty="0"/>
                         <a:t>0</a:t>
                       </a:r>
                     </a:p>
@@ -13063,7 +17211,7 @@
                     <a:lstStyle/>
                     <a:p>
                       <a:r>
-                        <a:rPr lang="en-US" dirty="0"/>
+                        <a:rPr lang="en-US" sz="1000" dirty="0"/>
                         <a:t>0</a:t>
                       </a:r>
                     </a:p>
@@ -13113,7 +17261,7 @@
                     <a:lstStyle/>
                     <a:p>
                       <a:r>
-                        <a:rPr lang="en-US" dirty="0"/>
+                        <a:rPr lang="en-US" sz="1000" dirty="0"/>
                         <a:t>0</a:t>
                       </a:r>
                     </a:p>
@@ -13163,7 +17311,7 @@
                     <a:lstStyle/>
                     <a:p>
                       <a:r>
-                        <a:rPr lang="en-US" dirty="0"/>
+                        <a:rPr lang="en-US" sz="1000" dirty="0"/>
                         <a:t>0</a:t>
                       </a:r>
                     </a:p>
@@ -13213,7 +17361,7 @@
                     <a:lstStyle/>
                     <a:p>
                       <a:r>
-                        <a:rPr lang="en-US" dirty="0"/>
+                        <a:rPr lang="en-US" sz="1000" dirty="0"/>
                         <a:t>0</a:t>
                       </a:r>
                     </a:p>
@@ -13263,7 +17411,7 @@
                     <a:lstStyle/>
                     <a:p>
                       <a:r>
-                        <a:rPr lang="en-US" dirty="0"/>
+                        <a:rPr lang="en-US" sz="1000" dirty="0"/>
                         <a:t>0</a:t>
                       </a:r>
                     </a:p>
@@ -13313,7 +17461,7 @@
                     <a:lstStyle/>
                     <a:p>
                       <a:r>
-                        <a:rPr lang="en-US" dirty="0">
+                        <a:rPr lang="en-US" sz="1000" dirty="0">
                           <a:solidFill>
                             <a:schemeClr val="bg2"/>
                           </a:solidFill>
@@ -13367,14 +17515,14 @@
                   </a:ext>
                 </a:extLst>
               </a:tr>
-              <a:tr h="317103">
+              <a:tr h="211007">
                 <a:tc>
                   <a:txBody>
                     <a:bodyPr/>
                     <a:lstStyle/>
                     <a:p>
                       <a:r>
-                        <a:rPr lang="en-US" dirty="0"/>
+                        <a:rPr lang="en-US" sz="1000" dirty="0"/>
                         <a:t>0</a:t>
                       </a:r>
                     </a:p>
@@ -13424,7 +17572,7 @@
                     <a:lstStyle/>
                     <a:p>
                       <a:r>
-                        <a:rPr lang="en-US" dirty="0"/>
+                        <a:rPr lang="en-US" sz="1000" dirty="0"/>
                         <a:t>0</a:t>
                       </a:r>
                     </a:p>
@@ -13474,7 +17622,7 @@
                     <a:lstStyle/>
                     <a:p>
                       <a:r>
-                        <a:rPr lang="en-US" dirty="0"/>
+                        <a:rPr lang="en-US" sz="1000" dirty="0"/>
                         <a:t>0</a:t>
                       </a:r>
                     </a:p>
@@ -13524,7 +17672,7 @@
                     <a:lstStyle/>
                     <a:p>
                       <a:r>
-                        <a:rPr lang="en-US" dirty="0"/>
+                        <a:rPr lang="en-US" sz="1000" dirty="0"/>
                         <a:t>0</a:t>
                       </a:r>
                     </a:p>
@@ -13574,7 +17722,7 @@
                     <a:lstStyle/>
                     <a:p>
                       <a:r>
-                        <a:rPr lang="en-US" dirty="0"/>
+                        <a:rPr lang="en-US" sz="1000" dirty="0"/>
                         <a:t>0</a:t>
                       </a:r>
                     </a:p>
@@ -13624,7 +17772,7 @@
                     <a:lstStyle/>
                     <a:p>
                       <a:r>
-                        <a:rPr lang="en-US" dirty="0"/>
+                        <a:rPr lang="en-US" sz="1000" dirty="0"/>
                         <a:t>0</a:t>
                       </a:r>
                     </a:p>
@@ -13674,7 +17822,7 @@
                     <a:lstStyle/>
                     <a:p>
                       <a:r>
-                        <a:rPr lang="en-US" dirty="0"/>
+                        <a:rPr lang="en-US" sz="1000" dirty="0"/>
                         <a:t>0</a:t>
                       </a:r>
                     </a:p>
@@ -13724,7 +17872,7 @@
                     <a:lstStyle/>
                     <a:p>
                       <a:r>
-                        <a:rPr lang="en-US" dirty="0">
+                        <a:rPr lang="en-US" sz="1000" dirty="0">
                           <a:solidFill>
                             <a:schemeClr val="bg2"/>
                           </a:solidFill>
@@ -13778,14 +17926,14 @@
                   </a:ext>
                 </a:extLst>
               </a:tr>
-              <a:tr h="317103">
+              <a:tr h="211007">
                 <a:tc>
                   <a:txBody>
                     <a:bodyPr/>
                     <a:lstStyle/>
                     <a:p>
                       <a:r>
-                        <a:rPr lang="en-US" dirty="0"/>
+                        <a:rPr lang="en-US" sz="1000" dirty="0"/>
                         <a:t>0</a:t>
                       </a:r>
                     </a:p>
@@ -13835,7 +17983,7 @@
                     <a:lstStyle/>
                     <a:p>
                       <a:r>
-                        <a:rPr lang="en-US" dirty="0"/>
+                        <a:rPr lang="en-US" sz="1000" dirty="0"/>
                         <a:t>0</a:t>
                       </a:r>
                     </a:p>
@@ -13885,7 +18033,7 @@
                     <a:lstStyle/>
                     <a:p>
                       <a:r>
-                        <a:rPr lang="en-US" dirty="0"/>
+                        <a:rPr lang="en-US" sz="1000" dirty="0"/>
                         <a:t>0</a:t>
                       </a:r>
                     </a:p>
@@ -13935,7 +18083,7 @@
                     <a:lstStyle/>
                     <a:p>
                       <a:r>
-                        <a:rPr lang="en-US" dirty="0"/>
+                        <a:rPr lang="en-US" sz="1000" dirty="0"/>
                         <a:t>0</a:t>
                       </a:r>
                     </a:p>
@@ -13985,7 +18133,7 @@
                     <a:lstStyle/>
                     <a:p>
                       <a:r>
-                        <a:rPr lang="en-US" dirty="0"/>
+                        <a:rPr lang="en-US" sz="1000" dirty="0"/>
                         <a:t>0</a:t>
                       </a:r>
                     </a:p>
@@ -14035,7 +18183,7 @@
                     <a:lstStyle/>
                     <a:p>
                       <a:r>
-                        <a:rPr lang="en-US" dirty="0"/>
+                        <a:rPr lang="en-US" sz="1000" dirty="0"/>
                         <a:t>0</a:t>
                       </a:r>
                     </a:p>
@@ -14085,7 +18233,7 @@
                     <a:lstStyle/>
                     <a:p>
                       <a:r>
-                        <a:rPr lang="en-US" dirty="0"/>
+                        <a:rPr lang="en-US" sz="1000" dirty="0"/>
                         <a:t>0</a:t>
                       </a:r>
                     </a:p>
@@ -14135,7 +18283,7 @@
                     <a:lstStyle/>
                     <a:p>
                       <a:r>
-                        <a:rPr lang="en-US" dirty="0">
+                        <a:rPr lang="en-US" sz="1000" dirty="0">
                           <a:solidFill>
                             <a:schemeClr val="bg2"/>
                           </a:solidFill>
@@ -14307,14 +18455,14 @@
           <p:nvPr>
             <p:extLst>
               <p:ext uri="{D42A27DB-BD31-4B8C-83A1-F6EECF244321}">
-                <p14:modId xmlns:p14="http://schemas.microsoft.com/office/powerpoint/2010/main" val="3744958750"/>
+                <p14:modId xmlns:p14="http://schemas.microsoft.com/office/powerpoint/2010/main" val="73420920"/>
               </p:ext>
             </p:extLst>
           </p:nvPr>
         </p:nvGraphicFramePr>
         <p:xfrm>
           <a:off x="5659114" y="2920713"/>
-          <a:ext cx="2231640" cy="365760"/>
+          <a:ext cx="1743872" cy="243840"/>
         </p:xfrm>
         <a:graphic>
           <a:graphicData uri="http://schemas.openxmlformats.org/drawingml/2006/table">
@@ -14323,56 +18471,56 @@
                 <a:tableStyleId>{2D5ABB26-0587-4C30-8999-92F81FD0307C}</a:tableStyleId>
               </a:tblPr>
               <a:tblGrid>
-                <a:gridCol w="278955">
+                <a:gridCol w="217984">
                   <a:extLst>
                     <a:ext uri="{9D8B030D-6E8A-4147-A177-3AD203B41FA5}">
                       <a16:colId xmlns:a16="http://schemas.microsoft.com/office/drawing/2014/main" val="2280016881"/>
                     </a:ext>
                   </a:extLst>
                 </a:gridCol>
-                <a:gridCol w="278955">
+                <a:gridCol w="217984">
                   <a:extLst>
                     <a:ext uri="{9D8B030D-6E8A-4147-A177-3AD203B41FA5}">
                       <a16:colId xmlns:a16="http://schemas.microsoft.com/office/drawing/2014/main" val="3908149629"/>
                     </a:ext>
                   </a:extLst>
                 </a:gridCol>
-                <a:gridCol w="278955">
+                <a:gridCol w="217984">
                   <a:extLst>
                     <a:ext uri="{9D8B030D-6E8A-4147-A177-3AD203B41FA5}">
                       <a16:colId xmlns:a16="http://schemas.microsoft.com/office/drawing/2014/main" val="2169261290"/>
                     </a:ext>
                   </a:extLst>
                 </a:gridCol>
-                <a:gridCol w="278955">
+                <a:gridCol w="217984">
                   <a:extLst>
                     <a:ext uri="{9D8B030D-6E8A-4147-A177-3AD203B41FA5}">
                       <a16:colId xmlns:a16="http://schemas.microsoft.com/office/drawing/2014/main" val="3845126130"/>
                     </a:ext>
                   </a:extLst>
                 </a:gridCol>
-                <a:gridCol w="278955">
+                <a:gridCol w="217984">
                   <a:extLst>
                     <a:ext uri="{9D8B030D-6E8A-4147-A177-3AD203B41FA5}">
                       <a16:colId xmlns:a16="http://schemas.microsoft.com/office/drawing/2014/main" val="3332483309"/>
                     </a:ext>
                   </a:extLst>
                 </a:gridCol>
-                <a:gridCol w="278955">
+                <a:gridCol w="217984">
                   <a:extLst>
                     <a:ext uri="{9D8B030D-6E8A-4147-A177-3AD203B41FA5}">
                       <a16:colId xmlns:a16="http://schemas.microsoft.com/office/drawing/2014/main" val="1261234340"/>
                     </a:ext>
                   </a:extLst>
                 </a:gridCol>
-                <a:gridCol w="278955">
+                <a:gridCol w="217984">
                   <a:extLst>
                     <a:ext uri="{9D8B030D-6E8A-4147-A177-3AD203B41FA5}">
                       <a16:colId xmlns:a16="http://schemas.microsoft.com/office/drawing/2014/main" val="148710499"/>
                     </a:ext>
                   </a:extLst>
                 </a:gridCol>
-                <a:gridCol w="278955">
+                <a:gridCol w="217984">
                   <a:extLst>
                     <a:ext uri="{9D8B030D-6E8A-4147-A177-3AD203B41FA5}">
                       <a16:colId xmlns:a16="http://schemas.microsoft.com/office/drawing/2014/main" val="202493747"/>
@@ -14380,14 +18528,14 @@
                   </a:extLst>
                 </a:gridCol>
               </a:tblGrid>
-              <a:tr h="317103">
+              <a:tr h="136666">
                 <a:tc>
                   <a:txBody>
                     <a:bodyPr/>
                     <a:lstStyle/>
                     <a:p>
                       <a:r>
-                        <a:rPr lang="en-US" dirty="0">
+                        <a:rPr lang="en-US" sz="1000" dirty="0">
                           <a:solidFill>
                             <a:schemeClr val="bg2"/>
                           </a:solidFill>
@@ -14441,7 +18589,7 @@
                     <a:lstStyle/>
                     <a:p>
                       <a:r>
-                        <a:rPr lang="en-US" dirty="0">
+                        <a:rPr lang="en-US" sz="1000" dirty="0">
                           <a:solidFill>
                             <a:schemeClr val="bg2"/>
                           </a:solidFill>
@@ -14495,7 +18643,7 @@
                     <a:lstStyle/>
                     <a:p>
                       <a:r>
-                        <a:rPr lang="en-US" dirty="0">
+                        <a:rPr lang="en-US" sz="1000" dirty="0">
                           <a:solidFill>
                             <a:schemeClr val="bg2"/>
                           </a:solidFill>
@@ -14549,7 +18697,7 @@
                     <a:lstStyle/>
                     <a:p>
                       <a:r>
-                        <a:rPr lang="en-US" dirty="0">
+                        <a:rPr lang="en-US" sz="1000" dirty="0">
                           <a:solidFill>
                             <a:schemeClr val="bg2"/>
                           </a:solidFill>
@@ -14603,7 +18751,7 @@
                     <a:lstStyle/>
                     <a:p>
                       <a:r>
-                        <a:rPr lang="en-US" dirty="0">
+                        <a:rPr lang="en-US" sz="1000" dirty="0">
                           <a:solidFill>
                             <a:schemeClr val="bg2"/>
                           </a:solidFill>
@@ -14657,7 +18805,7 @@
                     <a:lstStyle/>
                     <a:p>
                       <a:r>
-                        <a:rPr lang="en-US" dirty="0">
+                        <a:rPr lang="en-US" sz="1000" dirty="0">
                           <a:solidFill>
                             <a:schemeClr val="bg2"/>
                           </a:solidFill>
@@ -14711,7 +18859,7 @@
                     <a:lstStyle/>
                     <a:p>
                       <a:r>
-                        <a:rPr lang="en-US" dirty="0">
+                        <a:rPr lang="en-US" sz="1000" dirty="0">
                           <a:solidFill>
                             <a:schemeClr val="bg2"/>
                           </a:solidFill>
@@ -14765,7 +18913,7 @@
                     <a:lstStyle/>
                     <a:p>
                       <a:r>
-                        <a:rPr lang="en-US" dirty="0">
+                        <a:rPr lang="en-US" sz="1000" dirty="0">
                           <a:solidFill>
                             <a:schemeClr val="bg2"/>
                           </a:solidFill>
@@ -14959,7 +19107,7 @@
         <p:spPr>
           <a:xfrm>
             <a:off x="508365" y="5526298"/>
-            <a:ext cx="8051370" cy="842154"/>
+            <a:ext cx="8051370" cy="561436"/>
           </a:xfrm>
           <a:prstGeom prst="rect">
             <a:avLst/>
@@ -14998,14 +19146,26 @@
               <a:rPr lang="en-US" sz="1600" dirty="0">
                 <a:latin typeface="+mn-lt"/>
               </a:rPr>
-              <a:t>SIMD extensions provide dedicated instructions to perform fast packing and unpacking.</a:t>
+              <a:t>SIMD extensions provide dedicated instructions to perform fast </a:t>
+            </a:r>
+            <a:r>
+              <a:rPr lang="en-US" sz="1600" dirty="0" smtClean="0">
+                <a:latin typeface="+mn-lt"/>
+              </a:rPr>
+              <a:t>packing/unpacking</a:t>
+            </a:r>
+            <a:r>
+              <a:rPr lang="en-US" sz="1600" dirty="0">
+                <a:latin typeface="+mn-lt"/>
+              </a:rPr>
+              <a:t>.</a:t>
             </a:r>
           </a:p>
         </p:txBody>
       </p:sp>
       <p:sp>
         <p:nvSpPr>
-          <p:cNvPr id="20" name="RS_Classification_Standard"/>
+          <p:cNvPr id="42" name="RS_Classification_Standard"/>
           <p:cNvSpPr txBox="1"/>
           <p:nvPr/>
         </p:nvSpPr>
@@ -15051,6 +19211,13 @@
   <p:clrMapOvr>
     <a:masterClrMapping/>
   </p:clrMapOvr>
+  <p:timing>
+    <p:tnLst>
+      <p:par>
+        <p:cTn id="1" dur="indefinite" restart="never" nodeType="tmRoot"/>
+      </p:par>
+    </p:tnLst>
+  </p:timing>
 </p:sld>
 </file>
 
@@ -15079,8 +19246,8 @@
         </p:nvGrpSpPr>
         <p:grpSpPr>
           <a:xfrm>
-            <a:off x="2406700" y="3606395"/>
-            <a:ext cx="5325465" cy="3078742"/>
+            <a:off x="2377440" y="3717964"/>
+            <a:ext cx="4981652" cy="2720936"/>
             <a:chOff x="4090941" y="3868039"/>
             <a:chExt cx="5053059" cy="2737587"/>
           </a:xfrm>
@@ -15359,8 +19526,8 @@
           </p:txBody>
         </p:sp>
       </p:grpSp>
-      <mc:AlternateContent xmlns:mc="http://schemas.openxmlformats.org/markup-compatibility/2006" xmlns:a14="http://schemas.microsoft.com/office/drawing/2010/main">
-        <mc:Choice Requires="a14">
+      <mc:AlternateContent xmlns:mc="http://schemas.openxmlformats.org/markup-compatibility/2006">
+        <mc:Choice xmlns:a14="http://schemas.microsoft.com/office/drawing/2010/main" Requires="a14">
           <p:sp>
             <p:nvSpPr>
               <p:cNvPr id="2" name="Content Placeholder 1"/>
@@ -15386,8 +19553,8 @@
                   <a:buChar char="•"/>
                 </a:pPr>
                 <a:r>
-                  <a:rPr lang="en-US" dirty="0"/>
-                  <a:t>Plain implementation of encoding traverses till the end of tree, In other words for </a:t>
+                  <a:rPr lang="en-US" dirty="0" smtClean="0"/>
+                  <a:t>Plain encoder implementation traverses till the end of tree. E.g.: </a:t>
                 </a:r>
                 <a14:m>
                   <m:oMath xmlns:m="http://schemas.openxmlformats.org/officeDocument/2006/math">
@@ -15421,8 +19588,13 @@
                 </a14:m>
                 <a:r>
                   <a:rPr lang="en-US" dirty="0"/>
-                  <a:t> nodes of a tree.</a:t>
+                  <a:t> </a:t>
                 </a:r>
+                <a:r>
+                  <a:rPr lang="en-US" dirty="0" smtClean="0"/>
+                  <a:t>nodes.</a:t>
+                </a:r>
+                <a:endParaRPr lang="en-US" dirty="0"/>
               </a:p>
               <a:p>
                 <a:pPr marL="285750" indent="-285750">
@@ -15431,7 +19603,23 @@
                 </a:pPr>
                 <a:r>
                   <a:rPr lang="en-US" dirty="0"/>
-                  <a:t>Pruning of tree can be done by building a lookup table and stopping encoding when level is </a:t>
+                  <a:t>Pruning </a:t>
+                </a:r>
+                <a:r>
+                  <a:rPr lang="en-US" dirty="0" smtClean="0"/>
+                  <a:t>is done </a:t>
+                </a:r>
+                <a:r>
+                  <a:rPr lang="en-US" dirty="0" smtClean="0"/>
+                  <a:t>by </a:t>
+                </a:r>
+                <a:r>
+                  <a:rPr lang="en-US" dirty="0"/>
+                  <a:t>building a lookup table and stopping encoding </a:t>
+                </a:r>
+                <a:r>
+                  <a:rPr lang="en-US" dirty="0" smtClean="0"/>
+                  <a:t>at </a:t>
                 </a:r>
                 <a14:m>
                   <m:oMath xmlns:m="http://schemas.openxmlformats.org/officeDocument/2006/math">
@@ -15491,8 +19679,12 @@
                   </m:oMath>
                 </a14:m>
                 <a:r>
+                  <a:rPr lang="en-US" dirty="0" smtClean="0"/>
+                  <a:t> level, </a:t>
+                </a:r>
+                <a:r>
                   <a:rPr lang="en-US" dirty="0"/>
-                  <a:t>, i.e. </a:t>
+                  <a:t>i.e. </a:t>
                 </a:r>
                 <a:r>
                   <a:rPr lang="en-US" dirty="0">
@@ -15511,8 +19703,16 @@
                   <a:buChar char="•"/>
                 </a:pPr>
                 <a:r>
+                  <a:rPr lang="en-US" dirty="0" smtClean="0"/>
+                  <a:t>Number </a:t>
+                </a:r>
+                <a:r>
                   <a:rPr lang="en-US" dirty="0"/>
-                  <a:t>Reduces the number of nodes to be traversed to </a:t>
+                  <a:t>of nodes </a:t>
+                </a:r>
+                <a:r>
+                  <a:rPr lang="en-US" dirty="0" smtClean="0"/>
+                  <a:t>reduced to </a:t>
                 </a:r>
                 <a:r>
                   <a:rPr lang="en-US" dirty="0">
@@ -15532,7 +19732,15 @@
                 </a:r>
                 <a:r>
                   <a:rPr lang="en-US" dirty="0"/>
-                  <a:t> hence significantly reduces the latency.</a:t>
+                  <a:t> hence significantly </a:t>
+                </a:r>
+                <a:r>
+                  <a:rPr lang="en-US" dirty="0" smtClean="0"/>
+                  <a:t>reducing </a:t>
+                </a:r>
+                <a:r>
+                  <a:rPr lang="en-US" dirty="0"/>
+                  <a:t>the latency.</a:t>
                 </a:r>
               </a:p>
               <a:p>
@@ -15542,8 +19750,21 @@
                 </a:pPr>
                 <a:r>
                   <a:rPr lang="en-US" dirty="0"/>
-                  <a:t>This optimization can also be applied for hardware implementations.</a:t>
+                  <a:t>This optimization </a:t>
                 </a:r>
+                <a:r>
+                  <a:rPr lang="en-US" dirty="0" smtClean="0"/>
+                  <a:t>is applicable for </a:t>
+                </a:r>
+                <a:r>
+                  <a:rPr lang="en-US" dirty="0"/>
+                  <a:t>hardware </a:t>
+                </a:r>
+                <a:r>
+                  <a:rPr lang="en-US" dirty="0" smtClean="0"/>
+                  <a:t>implementations as well.</a:t>
+                </a:r>
+                <a:endParaRPr lang="en-US" dirty="0"/>
               </a:p>
               <a:p>
                 <a:pPr marL="285750" indent="-285750">
@@ -15565,7 +19786,7 @@
             </p:txBody>
           </p:sp>
         </mc:Choice>
-        <mc:Fallback xmlns="">
+        <mc:Fallback>
           <p:sp>
             <p:nvSpPr>
               <p:cNvPr id="2" name="Content Placeholder 1"/>
@@ -15584,7 +19805,7 @@
               <a:blipFill>
                 <a:blip r:embed="rId4"/>
                 <a:stretch>
-                  <a:fillRect l="-1361" t="-1106" r="-1576"/>
+                  <a:fillRect l="-1361" t="-1106" r="-1791"/>
                 </a:stretch>
               </a:blipFill>
             </p:spPr>
@@ -15660,7 +19881,7 @@
       </p:sp>
       <p:sp>
         <p:nvSpPr>
-          <p:cNvPr id="14" name="RS_Classification_Standard"/>
+          <p:cNvPr id="610" name="RS_Classification_Standard"/>
           <p:cNvSpPr txBox="1"/>
           <p:nvPr/>
         </p:nvSpPr>
@@ -15726,8 +19947,8 @@
           <a:chExt cx="0" cy="0"/>
         </a:xfrm>
       </p:grpSpPr>
-      <mc:AlternateContent xmlns:mc="http://schemas.openxmlformats.org/markup-compatibility/2006">
-        <mc:Choice xmlns:a14="http://schemas.microsoft.com/office/drawing/2010/main" Requires="a14">
+      <mc:AlternateContent xmlns:mc="http://schemas.openxmlformats.org/markup-compatibility/2006" xmlns:a14="http://schemas.microsoft.com/office/drawing/2010/main">
+        <mc:Choice Requires="a14">
           <p:sp>
             <p:nvSpPr>
               <p:cNvPr id="2" name="Content Placeholder 1"/>
@@ -15788,7 +20009,7 @@
             </p:txBody>
           </p:sp>
         </mc:Choice>
-        <mc:Fallback>
+        <mc:Fallback xmlns="">
           <p:sp>
             <p:nvSpPr>
               <p:cNvPr id="2" name="Content Placeholder 1"/>
@@ -16611,7 +20832,7 @@
       </p:sp>
       <p:sp>
         <p:nvSpPr>
-          <p:cNvPr id="15" name="RS_Classification_Standard"/>
+          <p:cNvPr id="580" name="RS_Classification_Standard"/>
           <p:cNvSpPr txBox="1"/>
           <p:nvPr/>
         </p:nvSpPr>
@@ -16835,7 +21056,7 @@
       </p:pic>
       <p:sp>
         <p:nvSpPr>
-          <p:cNvPr id="13" name="RS_Classification_Standard"/>
+          <p:cNvPr id="449" name="RS_Classification_Standard"/>
           <p:cNvSpPr txBox="1"/>
           <p:nvPr/>
         </p:nvSpPr>
@@ -17242,7 +21463,7 @@
       </p:pic>
       <p:sp>
         <p:nvSpPr>
-          <p:cNvPr id="14" name="RS_Classification_Standard"/>
+          <p:cNvPr id="98" name="RS_Classification_Standard"/>
           <p:cNvSpPr txBox="1"/>
           <p:nvPr/>
         </p:nvSpPr>
@@ -17503,7 +21724,7 @@
       </p:sp>
       <p:sp>
         <p:nvSpPr>
-          <p:cNvPr id="14" name="RS_Classification_Standard"/>
+          <p:cNvPr id="34" name="RS_Classification_Standard"/>
           <p:cNvSpPr txBox="1"/>
           <p:nvPr/>
         </p:nvSpPr>
@@ -20170,7 +24391,7 @@
       </mc:AlternateContent>
       <p:sp>
         <p:nvSpPr>
-          <p:cNvPr id="14" name="RS_Classification_Standard"/>
+          <p:cNvPr id="450" name="RS_Classification_Standard"/>
           <p:cNvSpPr txBox="1"/>
           <p:nvPr/>
         </p:nvSpPr>
@@ -21300,7 +25521,7 @@
       </p:sp>
       <p:sp>
         <p:nvSpPr>
-          <p:cNvPr id="14" name="RS_Classification_Standard"/>
+          <p:cNvPr id="162" name="RS_Classification_Standard"/>
           <p:cNvSpPr txBox="1"/>
           <p:nvPr/>
         </p:nvSpPr>
@@ -21694,7 +25915,7 @@
       </p:sp>
       <p:sp>
         <p:nvSpPr>
-          <p:cNvPr id="13" name="RS_Classification_Standard"/>
+          <p:cNvPr id="257" name="RS_Classification_Standard"/>
           <p:cNvSpPr txBox="1"/>
           <p:nvPr/>
         </p:nvSpPr>
@@ -22262,7 +26483,7 @@
       </mc:AlternateContent>
       <p:sp>
         <p:nvSpPr>
-          <p:cNvPr id="13" name="RS_Classification_Standard"/>
+          <p:cNvPr id="289" name="RS_Classification_Standard"/>
           <p:cNvSpPr txBox="1"/>
           <p:nvPr/>
         </p:nvSpPr>
@@ -23349,7 +27570,7 @@
       </p:cxnSp>
       <p:sp>
         <p:nvSpPr>
-          <p:cNvPr id="13" name="RS_Classification_Standard"/>
+          <p:cNvPr id="289" name="RS_Classification_Standard"/>
           <p:cNvSpPr txBox="1"/>
           <p:nvPr/>
         </p:nvSpPr>
@@ -23553,7 +27774,7 @@
       </p:pic>
       <p:sp>
         <p:nvSpPr>
-          <p:cNvPr id="14" name="RS_Classification_Standard"/>
+          <p:cNvPr id="162" name="RS_Classification_Standard"/>
           <p:cNvSpPr txBox="1"/>
           <p:nvPr/>
         </p:nvSpPr>
@@ -23777,7 +27998,7 @@
       </p:pic>
       <p:sp>
         <p:nvSpPr>
-          <p:cNvPr id="14" name="RS_Classification_Standard"/>
+          <p:cNvPr id="354" name="RS_Classification_Standard"/>
           <p:cNvSpPr txBox="1"/>
           <p:nvPr/>
         </p:nvSpPr>
@@ -24080,7 +28301,7 @@
       </p:sp>
       <p:sp>
         <p:nvSpPr>
-          <p:cNvPr id="15" name="RS_Classification_Standard"/>
+          <p:cNvPr id="35" name="RS_Classification_Standard"/>
           <p:cNvSpPr txBox="1"/>
           <p:nvPr/>
         </p:nvSpPr>
@@ -25297,7 +29518,7 @@
       </p:grpSp>
       <p:sp>
         <p:nvSpPr>
-          <p:cNvPr id="640" name="RS_Classification_Standard"/>
+          <p:cNvPr id="660" name="RS_Classification_Standard"/>
           <p:cNvSpPr txBox="1"/>
           <p:nvPr/>
         </p:nvSpPr>
@@ -26812,7 +31033,7 @@
       </p:sp>
       <p:sp>
         <p:nvSpPr>
-          <p:cNvPr id="17" name="RS_Classification_Standard"/>
+          <p:cNvPr id="73" name="RS_Classification_Standard"/>
           <p:cNvSpPr txBox="1"/>
           <p:nvPr/>
         </p:nvSpPr>
@@ -27053,7 +31274,7 @@
       </p:pic>
       <p:sp>
         <p:nvSpPr>
-          <p:cNvPr id="14" name="RS_Classification_Standard"/>
+          <p:cNvPr id="610" name="RS_Classification_Standard"/>
           <p:cNvSpPr txBox="1"/>
           <p:nvPr/>
         </p:nvSpPr>
@@ -28001,7 +32222,7 @@
       </p:sp>
       <p:sp>
         <p:nvSpPr>
-          <p:cNvPr id="14" name="RS_Classification_Standard"/>
+          <p:cNvPr id="514" name="RS_Classification_Standard"/>
           <p:cNvSpPr txBox="1"/>
           <p:nvPr/>
         </p:nvSpPr>
@@ -30217,7 +34438,7 @@
       </p:sp>
       <p:sp>
         <p:nvSpPr>
-          <p:cNvPr id="25" name="RS_Classification_Standard"/>
+          <p:cNvPr id="48" name="RS_Classification_Standard"/>
           <p:cNvSpPr txBox="1"/>
           <p:nvPr/>
         </p:nvSpPr>
@@ -30418,7 +34639,23 @@
                   <a:srgbClr val="000000"/>
                 </a:solidFill>
               </a:rPr>
-              <a:t>Basic idea is synthesizing either completely noiseless or fully noisy channels based on SNR.</a:t>
+              <a:t>Basic idea is synthesizing either completely noiseless or </a:t>
+            </a:r>
+            <a:r>
+              <a:rPr lang="en-IN" dirty="0" smtClean="0">
+                <a:solidFill>
+                  <a:srgbClr val="000000"/>
+                </a:solidFill>
+              </a:rPr>
+              <a:t>noisy </a:t>
+            </a:r>
+            <a:r>
+              <a:rPr lang="en-IN" dirty="0">
+                <a:solidFill>
+                  <a:srgbClr val="000000"/>
+                </a:solidFill>
+              </a:rPr>
+              <a:t>channels based on SNR.</a:t>
             </a:r>
           </a:p>
           <a:p>
@@ -31136,7 +35373,7 @@
       </p:sp>
       <p:sp>
         <p:nvSpPr>
-          <p:cNvPr id="14" name="RS_Classification_Standard"/>
+          <p:cNvPr id="36" name="RS_Classification_Standard"/>
           <p:cNvSpPr txBox="1"/>
           <p:nvPr/>
         </p:nvSpPr>
@@ -32688,7 +36925,7 @@
       </mc:AlternateContent>
       <p:sp>
         <p:nvSpPr>
-          <p:cNvPr id="14" name="RS_Classification_Standard"/>
+          <p:cNvPr id="261" name="RS_Classification_Standard"/>
           <p:cNvSpPr txBox="1"/>
           <p:nvPr/>
         </p:nvSpPr>
@@ -33027,7 +37264,7 @@
       </mc:AlternateContent>
       <p:sp>
         <p:nvSpPr>
-          <p:cNvPr id="14" name="RS_Classification_Standard"/>
+          <p:cNvPr id="130" name="RS_Classification_Standard"/>
           <p:cNvSpPr txBox="1"/>
           <p:nvPr/>
         </p:nvSpPr>
@@ -35080,7 +39317,7 @@
       </p:sp>
       <p:sp>
         <p:nvSpPr>
-          <p:cNvPr id="17" name="RS_Classification_Standard"/>
+          <p:cNvPr id="37" name="RS_Classification_Standard"/>
           <p:cNvSpPr txBox="1"/>
           <p:nvPr/>
         </p:nvSpPr>
@@ -35549,7 +39786,7 @@
       </p:sp>
       <p:sp>
         <p:nvSpPr>
-          <p:cNvPr id="13" name="RS_Classification_Standard"/>
+          <p:cNvPr id="97" name="RS_Classification_Standard"/>
           <p:cNvSpPr txBox="1"/>
           <p:nvPr/>
         </p:nvSpPr>
@@ -35822,7 +40059,7 @@
       </p:sp>
       <p:sp>
         <p:nvSpPr>
-          <p:cNvPr id="13" name="RS_Classification_Standard"/>
+          <p:cNvPr id="385" name="RS_Classification_Standard"/>
           <p:cNvSpPr txBox="1"/>
           <p:nvPr/>
         </p:nvSpPr>
